--- a/assets/dashboard_architecture.pptx
+++ b/assets/dashboard_architecture.pptx
@@ -259,7 +259,7 @@
           <a:p>
             <a:fld id="{DC71B665-128A-6E4A-B30F-BD343C00F405}" type="datetimeFigureOut">
               <a:rPr lang="en-US" smtClean="0"/>
-              <a:t>3/20/21</a:t>
+              <a:t>3/21/21</a:t>
             </a:fld>
             <a:endParaRPr lang="en-US"/>
           </a:p>
@@ -457,7 +457,7 @@
           <a:p>
             <a:fld id="{DC71B665-128A-6E4A-B30F-BD343C00F405}" type="datetimeFigureOut">
               <a:rPr lang="en-US" smtClean="0"/>
-              <a:t>3/20/21</a:t>
+              <a:t>3/21/21</a:t>
             </a:fld>
             <a:endParaRPr lang="en-US"/>
           </a:p>
@@ -665,7 +665,7 @@
           <a:p>
             <a:fld id="{DC71B665-128A-6E4A-B30F-BD343C00F405}" type="datetimeFigureOut">
               <a:rPr lang="en-US" smtClean="0"/>
-              <a:t>3/20/21</a:t>
+              <a:t>3/21/21</a:t>
             </a:fld>
             <a:endParaRPr lang="en-US"/>
           </a:p>
@@ -863,7 +863,7 @@
           <a:p>
             <a:fld id="{DC71B665-128A-6E4A-B30F-BD343C00F405}" type="datetimeFigureOut">
               <a:rPr lang="en-US" smtClean="0"/>
-              <a:t>3/20/21</a:t>
+              <a:t>3/21/21</a:t>
             </a:fld>
             <a:endParaRPr lang="en-US"/>
           </a:p>
@@ -1138,7 +1138,7 @@
           <a:p>
             <a:fld id="{DC71B665-128A-6E4A-B30F-BD343C00F405}" type="datetimeFigureOut">
               <a:rPr lang="en-US" smtClean="0"/>
-              <a:t>3/20/21</a:t>
+              <a:t>3/21/21</a:t>
             </a:fld>
             <a:endParaRPr lang="en-US"/>
           </a:p>
@@ -1403,7 +1403,7 @@
           <a:p>
             <a:fld id="{DC71B665-128A-6E4A-B30F-BD343C00F405}" type="datetimeFigureOut">
               <a:rPr lang="en-US" smtClean="0"/>
-              <a:t>3/20/21</a:t>
+              <a:t>3/21/21</a:t>
             </a:fld>
             <a:endParaRPr lang="en-US"/>
           </a:p>
@@ -1815,7 +1815,7 @@
           <a:p>
             <a:fld id="{DC71B665-128A-6E4A-B30F-BD343C00F405}" type="datetimeFigureOut">
               <a:rPr lang="en-US" smtClean="0"/>
-              <a:t>3/20/21</a:t>
+              <a:t>3/21/21</a:t>
             </a:fld>
             <a:endParaRPr lang="en-US"/>
           </a:p>
@@ -1956,7 +1956,7 @@
           <a:p>
             <a:fld id="{DC71B665-128A-6E4A-B30F-BD343C00F405}" type="datetimeFigureOut">
               <a:rPr lang="en-US" smtClean="0"/>
-              <a:t>3/20/21</a:t>
+              <a:t>3/21/21</a:t>
             </a:fld>
             <a:endParaRPr lang="en-US"/>
           </a:p>
@@ -2069,7 +2069,7 @@
           <a:p>
             <a:fld id="{DC71B665-128A-6E4A-B30F-BD343C00F405}" type="datetimeFigureOut">
               <a:rPr lang="en-US" smtClean="0"/>
-              <a:t>3/20/21</a:t>
+              <a:t>3/21/21</a:t>
             </a:fld>
             <a:endParaRPr lang="en-US"/>
           </a:p>
@@ -2380,7 +2380,7 @@
           <a:p>
             <a:fld id="{DC71B665-128A-6E4A-B30F-BD343C00F405}" type="datetimeFigureOut">
               <a:rPr lang="en-US" smtClean="0"/>
-              <a:t>3/20/21</a:t>
+              <a:t>3/21/21</a:t>
             </a:fld>
             <a:endParaRPr lang="en-US"/>
           </a:p>
@@ -2668,7 +2668,7 @@
           <a:p>
             <a:fld id="{DC71B665-128A-6E4A-B30F-BD343C00F405}" type="datetimeFigureOut">
               <a:rPr lang="en-US" smtClean="0"/>
-              <a:t>3/20/21</a:t>
+              <a:t>3/21/21</a:t>
             </a:fld>
             <a:endParaRPr lang="en-US"/>
           </a:p>
@@ -2909,7 +2909,7 @@
           <a:p>
             <a:fld id="{DC71B665-128A-6E4A-B30F-BD343C00F405}" type="datetimeFigureOut">
               <a:rPr lang="en-US" smtClean="0"/>
-              <a:t>3/20/21</a:t>
+              <a:t>3/21/21</a:t>
             </a:fld>
             <a:endParaRPr lang="en-US"/>
           </a:p>
@@ -7038,14 +7038,12 @@
             </p:cNvPr>
             <p:cNvCxnSpPr>
               <a:cxnSpLocks/>
-              <a:stCxn id="301" idx="1"/>
-              <a:endCxn id="1074" idx="3"/>
             </p:cNvCxnSpPr>
             <p:nvPr/>
           </p:nvCxnSpPr>
           <p:spPr>
             <a:xfrm flipH="1" flipV="1">
-              <a:off x="9034539" y="4734373"/>
+              <a:off x="9002640" y="4734373"/>
               <a:ext cx="666679" cy="1"/>
             </a:xfrm>
             <a:prstGeom prst="straightConnector1">
@@ -7056,8 +7054,8 @@
                 <a:schemeClr val="tx1"/>
               </a:solidFill>
               <a:prstDash val="sysDash"/>
-              <a:headEnd type="triangle" w="med" len="med"/>
-              <a:tailEnd type="none" w="med" len="med"/>
+              <a:headEnd type="arrow" w="med" len="med"/>
+              <a:tailEnd type="arrow" w="med" len="med"/>
             </a:ln>
           </p:spPr>
           <p:style>

--- a/assets/dashboard_architecture.pptx
+++ b/assets/dashboard_architecture.pptx
@@ -259,7 +259,7 @@
           <a:p>
             <a:fld id="{DC71B665-128A-6E4A-B30F-BD343C00F405}" type="datetimeFigureOut">
               <a:rPr lang="en-US" smtClean="0"/>
-              <a:t>3/21/21</a:t>
+              <a:t>3/22/21</a:t>
             </a:fld>
             <a:endParaRPr lang="en-US"/>
           </a:p>
@@ -457,7 +457,7 @@
           <a:p>
             <a:fld id="{DC71B665-128A-6E4A-B30F-BD343C00F405}" type="datetimeFigureOut">
               <a:rPr lang="en-US" smtClean="0"/>
-              <a:t>3/21/21</a:t>
+              <a:t>3/22/21</a:t>
             </a:fld>
             <a:endParaRPr lang="en-US"/>
           </a:p>
@@ -665,7 +665,7 @@
           <a:p>
             <a:fld id="{DC71B665-128A-6E4A-B30F-BD343C00F405}" type="datetimeFigureOut">
               <a:rPr lang="en-US" smtClean="0"/>
-              <a:t>3/21/21</a:t>
+              <a:t>3/22/21</a:t>
             </a:fld>
             <a:endParaRPr lang="en-US"/>
           </a:p>
@@ -863,7 +863,7 @@
           <a:p>
             <a:fld id="{DC71B665-128A-6E4A-B30F-BD343C00F405}" type="datetimeFigureOut">
               <a:rPr lang="en-US" smtClean="0"/>
-              <a:t>3/21/21</a:t>
+              <a:t>3/22/21</a:t>
             </a:fld>
             <a:endParaRPr lang="en-US"/>
           </a:p>
@@ -1138,7 +1138,7 @@
           <a:p>
             <a:fld id="{DC71B665-128A-6E4A-B30F-BD343C00F405}" type="datetimeFigureOut">
               <a:rPr lang="en-US" smtClean="0"/>
-              <a:t>3/21/21</a:t>
+              <a:t>3/22/21</a:t>
             </a:fld>
             <a:endParaRPr lang="en-US"/>
           </a:p>
@@ -1403,7 +1403,7 @@
           <a:p>
             <a:fld id="{DC71B665-128A-6E4A-B30F-BD343C00F405}" type="datetimeFigureOut">
               <a:rPr lang="en-US" smtClean="0"/>
-              <a:t>3/21/21</a:t>
+              <a:t>3/22/21</a:t>
             </a:fld>
             <a:endParaRPr lang="en-US"/>
           </a:p>
@@ -1815,7 +1815,7 @@
           <a:p>
             <a:fld id="{DC71B665-128A-6E4A-B30F-BD343C00F405}" type="datetimeFigureOut">
               <a:rPr lang="en-US" smtClean="0"/>
-              <a:t>3/21/21</a:t>
+              <a:t>3/22/21</a:t>
             </a:fld>
             <a:endParaRPr lang="en-US"/>
           </a:p>
@@ -1956,7 +1956,7 @@
           <a:p>
             <a:fld id="{DC71B665-128A-6E4A-B30F-BD343C00F405}" type="datetimeFigureOut">
               <a:rPr lang="en-US" smtClean="0"/>
-              <a:t>3/21/21</a:t>
+              <a:t>3/22/21</a:t>
             </a:fld>
             <a:endParaRPr lang="en-US"/>
           </a:p>
@@ -2069,7 +2069,7 @@
           <a:p>
             <a:fld id="{DC71B665-128A-6E4A-B30F-BD343C00F405}" type="datetimeFigureOut">
               <a:rPr lang="en-US" smtClean="0"/>
-              <a:t>3/21/21</a:t>
+              <a:t>3/22/21</a:t>
             </a:fld>
             <a:endParaRPr lang="en-US"/>
           </a:p>
@@ -2380,7 +2380,7 @@
           <a:p>
             <a:fld id="{DC71B665-128A-6E4A-B30F-BD343C00F405}" type="datetimeFigureOut">
               <a:rPr lang="en-US" smtClean="0"/>
-              <a:t>3/21/21</a:t>
+              <a:t>3/22/21</a:t>
             </a:fld>
             <a:endParaRPr lang="en-US"/>
           </a:p>
@@ -2668,7 +2668,7 @@
           <a:p>
             <a:fld id="{DC71B665-128A-6E4A-B30F-BD343C00F405}" type="datetimeFigureOut">
               <a:rPr lang="en-US" smtClean="0"/>
-              <a:t>3/21/21</a:t>
+              <a:t>3/22/21</a:t>
             </a:fld>
             <a:endParaRPr lang="en-US"/>
           </a:p>
@@ -2909,7 +2909,7 @@
           <a:p>
             <a:fld id="{DC71B665-128A-6E4A-B30F-BD343C00F405}" type="datetimeFigureOut">
               <a:rPr lang="en-US" smtClean="0"/>
-              <a:t>3/21/21</a:t>
+              <a:t>3/22/21</a:t>
             </a:fld>
             <a:endParaRPr lang="en-US"/>
           </a:p>
@@ -3328,10 +3328,10 @@
       </p:grpSpPr>
       <p:grpSp>
         <p:nvGrpSpPr>
-          <p:cNvPr id="1081" name="Group 1080">
+          <p:cNvPr id="3" name="Group 2">
             <a:extLst>
               <a:ext uri="{FF2B5EF4-FFF2-40B4-BE49-F238E27FC236}">
-                <a16:creationId xmlns:a16="http://schemas.microsoft.com/office/drawing/2014/main" id="{55C006A3-219A-9E4F-A400-8AFED1DADABB}"/>
+                <a16:creationId xmlns:a16="http://schemas.microsoft.com/office/drawing/2014/main" id="{8DB69FC7-91F0-1A40-88DD-AD8B4A4E6335}"/>
               </a:ext>
             </a:extLst>
           </p:cNvPr>
@@ -3342,111 +3342,16 @@
           <a:xfrm>
             <a:off x="139282" y="119477"/>
             <a:ext cx="11957468" cy="6619045"/>
-            <a:chOff x="62310" y="7515"/>
+            <a:chOff x="139282" y="119477"/>
             <a:chExt cx="11957468" cy="6619045"/>
           </a:xfrm>
         </p:grpSpPr>
-        <p:sp>
-          <p:nvSpPr>
-            <p:cNvPr id="95" name="TextBox 94">
+        <p:grpSp>
+          <p:nvGrpSpPr>
+            <p:cNvPr id="1081" name="Group 1080">
               <a:extLst>
                 <a:ext uri="{FF2B5EF4-FFF2-40B4-BE49-F238E27FC236}">
-                  <a16:creationId xmlns:a16="http://schemas.microsoft.com/office/drawing/2014/main" id="{F5ACDD9F-05BB-3142-97D1-52124B725800}"/>
-                </a:ext>
-              </a:extLst>
-            </p:cNvPr>
-            <p:cNvSpPr txBox="1"/>
-            <p:nvPr/>
-          </p:nvSpPr>
-          <p:spPr>
-            <a:xfrm>
-              <a:off x="8140649" y="4121902"/>
-              <a:ext cx="1001329" cy="307777"/>
-            </a:xfrm>
-            <a:prstGeom prst="rect">
-              <a:avLst/>
-            </a:prstGeom>
-            <a:noFill/>
-            <a:ln>
-              <a:noFill/>
-            </a:ln>
-          </p:spPr>
-          <p:txBody>
-            <a:bodyPr wrap="square" rtlCol="0">
-              <a:spAutoFit/>
-            </a:bodyPr>
-            <a:lstStyle/>
-            <a:p>
-              <a:pPr algn="ctr"/>
-              <a:r>
-                <a:rPr lang="en-US" sz="1400" b="1" dirty="0"/>
-                <a:t>Dashboard</a:t>
-              </a:r>
-            </a:p>
-          </p:txBody>
-        </p:sp>
-        <p:sp>
-          <p:nvSpPr>
-            <p:cNvPr id="90" name="Rectangle 89">
-              <a:extLst>
-                <a:ext uri="{FF2B5EF4-FFF2-40B4-BE49-F238E27FC236}">
-                  <a16:creationId xmlns:a16="http://schemas.microsoft.com/office/drawing/2014/main" id="{B788EEF3-C277-9341-A89E-AD9FC76217B5}"/>
-                </a:ext>
-              </a:extLst>
-            </p:cNvPr>
-            <p:cNvSpPr/>
-            <p:nvPr/>
-          </p:nvSpPr>
-          <p:spPr>
-            <a:xfrm>
-              <a:off x="7973780" y="3954945"/>
-              <a:ext cx="3568465" cy="1330656"/>
-            </a:xfrm>
-            <a:prstGeom prst="rect">
-              <a:avLst/>
-            </a:prstGeom>
-            <a:noFill/>
-            <a:ln w="28575">
-              <a:solidFill>
-                <a:schemeClr val="tx1"/>
-              </a:solidFill>
-            </a:ln>
-          </p:spPr>
-          <p:style>
-            <a:lnRef idx="2">
-              <a:schemeClr val="accent1">
-                <a:shade val="50000"/>
-              </a:schemeClr>
-            </a:lnRef>
-            <a:fillRef idx="1">
-              <a:schemeClr val="accent1"/>
-            </a:fillRef>
-            <a:effectRef idx="0">
-              <a:schemeClr val="accent1"/>
-            </a:effectRef>
-            <a:fontRef idx="minor">
-              <a:schemeClr val="lt1"/>
-            </a:fontRef>
-          </p:style>
-          <p:txBody>
-            <a:bodyPr rtlCol="0" anchor="ctr"/>
-            <a:lstStyle/>
-            <a:p>
-              <a:pPr algn="ctr"/>
-              <a:endParaRPr lang="en-US" dirty="0">
-                <a:solidFill>
-                  <a:schemeClr val="tx1"/>
-                </a:solidFill>
-              </a:endParaRPr>
-            </a:p>
-          </p:txBody>
-        </p:sp>
-        <p:grpSp>
-          <p:nvGrpSpPr>
-            <p:cNvPr id="1053" name="Group 1052">
-              <a:extLst>
-                <a:ext uri="{FF2B5EF4-FFF2-40B4-BE49-F238E27FC236}">
-                  <a16:creationId xmlns:a16="http://schemas.microsoft.com/office/drawing/2014/main" id="{C7476D24-D5CA-4441-AAFE-C80F4E08009F}"/>
+                  <a16:creationId xmlns:a16="http://schemas.microsoft.com/office/drawing/2014/main" id="{55C006A3-219A-9E4F-A400-8AFED1DADABB}"/>
                 </a:ext>
               </a:extLst>
             </p:cNvPr>
@@ -3455,105 +3360,57 @@
           </p:nvGrpSpPr>
           <p:grpSpPr>
             <a:xfrm>
-              <a:off x="9333706" y="5773267"/>
-              <a:ext cx="857617" cy="832671"/>
-              <a:chOff x="11028156" y="2931610"/>
-              <a:chExt cx="857617" cy="832671"/>
+              <a:off x="139282" y="119477"/>
+              <a:ext cx="11957468" cy="6619045"/>
+              <a:chOff x="62310" y="7515"/>
+              <a:chExt cx="11957468" cy="6619045"/>
             </a:xfrm>
           </p:grpSpPr>
-          <p:grpSp>
-            <p:nvGrpSpPr>
-              <p:cNvPr id="1039" name="Group 1038">
+          <p:sp>
+            <p:nvSpPr>
+              <p:cNvPr id="95" name="TextBox 94">
                 <a:extLst>
                   <a:ext uri="{FF2B5EF4-FFF2-40B4-BE49-F238E27FC236}">
-                    <a16:creationId xmlns:a16="http://schemas.microsoft.com/office/drawing/2014/main" id="{3D4713C4-3423-6949-AE88-79002A0E35CB}"/>
+                    <a16:creationId xmlns:a16="http://schemas.microsoft.com/office/drawing/2014/main" id="{F5ACDD9F-05BB-3142-97D1-52124B725800}"/>
                   </a:ext>
                 </a:extLst>
               </p:cNvPr>
-              <p:cNvGrpSpPr/>
+              <p:cNvSpPr txBox="1"/>
               <p:nvPr/>
-            </p:nvGrpSpPr>
-            <p:grpSpPr>
+            </p:nvSpPr>
+            <p:spPr>
               <a:xfrm>
-                <a:off x="11096791" y="2931610"/>
-                <a:ext cx="711422" cy="815546"/>
-                <a:chOff x="12028667" y="3356641"/>
-                <a:chExt cx="711422" cy="815546"/>
+                <a:off x="8140649" y="4121902"/>
+                <a:ext cx="1001329" cy="307777"/>
               </a:xfrm>
-            </p:grpSpPr>
-            <p:pic>
-              <p:nvPicPr>
-                <p:cNvPr id="84" name="Picture 83" descr="Shape&#10;&#10;Description automatically generated with low confidence">
-                  <a:extLst>
-                    <a:ext uri="{FF2B5EF4-FFF2-40B4-BE49-F238E27FC236}">
-                      <a16:creationId xmlns:a16="http://schemas.microsoft.com/office/drawing/2014/main" id="{65C5BE55-533C-3643-AFD8-77559F2464E3}"/>
-                    </a:ext>
-                  </a:extLst>
-                </p:cNvPr>
-                <p:cNvPicPr>
-                  <a:picLocks noChangeAspect="1"/>
-                </p:cNvPicPr>
-                <p:nvPr/>
-              </p:nvPicPr>
-              <p:blipFill>
-                <a:blip r:embed="rId2"/>
-                <a:stretch>
-                  <a:fillRect/>
-                </a:stretch>
-              </p:blipFill>
-              <p:spPr>
-                <a:xfrm>
-                  <a:off x="12104806" y="3613043"/>
-                  <a:ext cx="559144" cy="559144"/>
-                </a:xfrm>
-                <a:prstGeom prst="rect">
-                  <a:avLst/>
-                </a:prstGeom>
-              </p:spPr>
-            </p:pic>
-            <p:sp>
-              <p:nvSpPr>
-                <p:cNvPr id="136" name="TextBox 135">
-                  <a:extLst>
-                    <a:ext uri="{FF2B5EF4-FFF2-40B4-BE49-F238E27FC236}">
-                      <a16:creationId xmlns:a16="http://schemas.microsoft.com/office/drawing/2014/main" id="{CD1D22C2-98E3-7B44-907B-3C10921E70CA}"/>
-                    </a:ext>
-                  </a:extLst>
-                </p:cNvPr>
-                <p:cNvSpPr txBox="1"/>
-                <p:nvPr/>
-              </p:nvSpPr>
-              <p:spPr>
-                <a:xfrm>
-                  <a:off x="12028667" y="3356641"/>
-                  <a:ext cx="711422" cy="307777"/>
-                </a:xfrm>
-                <a:prstGeom prst="rect">
-                  <a:avLst/>
-                </a:prstGeom>
+              <a:prstGeom prst="rect">
+                <a:avLst/>
+              </a:prstGeom>
+              <a:noFill/>
+              <a:ln>
                 <a:noFill/>
-              </p:spPr>
-              <p:txBody>
-                <a:bodyPr wrap="square" rtlCol="0">
-                  <a:spAutoFit/>
-                </a:bodyPr>
-                <a:lstStyle/>
-                <a:p>
-                  <a:pPr algn="ctr"/>
-                  <a:r>
-                    <a:rPr lang="en-US" sz="1400" b="1" dirty="0"/>
-                    <a:t>Users</a:t>
-                  </a:r>
-                </a:p>
-              </p:txBody>
-            </p:sp>
-          </p:grpSp>
+              </a:ln>
+            </p:spPr>
+            <p:txBody>
+              <a:bodyPr wrap="square" rtlCol="0">
+                <a:spAutoFit/>
+              </a:bodyPr>
+              <a:lstStyle/>
+              <a:p>
+                <a:pPr algn="ctr"/>
+                <a:r>
+                  <a:rPr lang="en-US" sz="1400" b="1" dirty="0"/>
+                  <a:t>Dashboard</a:t>
+                </a:r>
+              </a:p>
+            </p:txBody>
+          </p:sp>
           <p:sp>
             <p:nvSpPr>
-              <p:cNvPr id="1052" name="Rectangle 1051">
+              <p:cNvPr id="90" name="Rectangle 89">
                 <a:extLst>
                   <a:ext uri="{FF2B5EF4-FFF2-40B4-BE49-F238E27FC236}">
-                    <a16:creationId xmlns:a16="http://schemas.microsoft.com/office/drawing/2014/main" id="{3D1CF280-4B6B-F342-9D9C-5639BE5F9C5B}"/>
+                    <a16:creationId xmlns:a16="http://schemas.microsoft.com/office/drawing/2014/main" id="{B788EEF3-C277-9341-A89E-AD9FC76217B5}"/>
                   </a:ext>
                 </a:extLst>
               </p:cNvPr>
@@ -3562,8 +3419,8 @@
             </p:nvSpPr>
             <p:spPr>
               <a:xfrm>
-                <a:off x="11028156" y="2931610"/>
-                <a:ext cx="857617" cy="832671"/>
+                <a:off x="7973780" y="3954945"/>
+                <a:ext cx="3568465" cy="1330656"/>
               </a:xfrm>
               <a:prstGeom prst="rect">
                 <a:avLst/>
@@ -3596,229 +3453,20 @@
               <a:lstStyle/>
               <a:p>
                 <a:pPr algn="ctr"/>
-                <a:endParaRPr lang="en-US"/>
+                <a:endParaRPr lang="en-US" dirty="0">
+                  <a:solidFill>
+                    <a:schemeClr val="tx1"/>
+                  </a:solidFill>
+                </a:endParaRPr>
               </a:p>
             </p:txBody>
           </p:sp>
-        </p:grpSp>
-        <p:sp>
-          <p:nvSpPr>
-            <p:cNvPr id="194" name="TextBox 193">
-              <a:extLst>
-                <a:ext uri="{FF2B5EF4-FFF2-40B4-BE49-F238E27FC236}">
-                  <a16:creationId xmlns:a16="http://schemas.microsoft.com/office/drawing/2014/main" id="{C1389E3E-E9B3-764E-8FE5-0E2ABDC20C83}"/>
-                </a:ext>
-              </a:extLst>
-            </p:cNvPr>
-            <p:cNvSpPr txBox="1"/>
-            <p:nvPr/>
-          </p:nvSpPr>
-          <p:spPr>
-            <a:xfrm>
-              <a:off x="9976553" y="4144976"/>
-              <a:ext cx="1001329" cy="307777"/>
-            </a:xfrm>
-            <a:prstGeom prst="rect">
-              <a:avLst/>
-            </a:prstGeom>
-            <a:noFill/>
-            <a:ln>
-              <a:noFill/>
-            </a:ln>
-          </p:spPr>
-          <p:txBody>
-            <a:bodyPr wrap="square" rtlCol="0">
-              <a:spAutoFit/>
-            </a:bodyPr>
-            <a:lstStyle/>
-            <a:p>
-              <a:pPr algn="ctr"/>
-              <a:r>
-                <a:rPr lang="en-US" sz="1400" b="1" dirty="0" err="1"/>
-                <a:t>Streamlit</a:t>
-              </a:r>
-              <a:endParaRPr lang="en-US" sz="1400" b="1" dirty="0"/>
-            </a:p>
-          </p:txBody>
-        </p:sp>
-        <p:pic>
-          <p:nvPicPr>
-            <p:cNvPr id="1074" name="Picture 1073" descr="Shape&#10;&#10;Description automatically generated with low confidence">
-              <a:extLst>
-                <a:ext uri="{FF2B5EF4-FFF2-40B4-BE49-F238E27FC236}">
-                  <a16:creationId xmlns:a16="http://schemas.microsoft.com/office/drawing/2014/main" id="{29C646F8-0C0F-804D-928F-B7BA1A6F30FA}"/>
-                </a:ext>
-              </a:extLst>
-            </p:cNvPr>
-            <p:cNvPicPr>
-              <a:picLocks noChangeAspect="1"/>
-            </p:cNvPicPr>
-            <p:nvPr/>
-          </p:nvPicPr>
-          <p:blipFill>
-            <a:blip r:embed="rId3"/>
-            <a:stretch>
-              <a:fillRect/>
-            </a:stretch>
-          </p:blipFill>
-          <p:spPr>
-            <a:xfrm>
-              <a:off x="8149575" y="4291891"/>
-              <a:ext cx="884964" cy="884964"/>
-            </a:xfrm>
-            <a:prstGeom prst="rect">
-              <a:avLst/>
-            </a:prstGeom>
-          </p:spPr>
-        </p:pic>
-        <p:grpSp>
-          <p:nvGrpSpPr>
-            <p:cNvPr id="61" name="Group 60">
-              <a:extLst>
-                <a:ext uri="{FF2B5EF4-FFF2-40B4-BE49-F238E27FC236}">
-                  <a16:creationId xmlns:a16="http://schemas.microsoft.com/office/drawing/2014/main" id="{1095C662-3FF1-FF49-93AD-D6881BD20600}"/>
-                </a:ext>
-              </a:extLst>
-            </p:cNvPr>
-            <p:cNvGrpSpPr/>
-            <p:nvPr/>
-          </p:nvGrpSpPr>
-          <p:grpSpPr>
-            <a:xfrm>
-              <a:off x="62310" y="85222"/>
-              <a:ext cx="5226778" cy="6541338"/>
-              <a:chOff x="161357" y="15035"/>
-              <a:chExt cx="5226778" cy="6541338"/>
-            </a:xfrm>
-          </p:grpSpPr>
-          <p:sp>
-            <p:nvSpPr>
-              <p:cNvPr id="155" name="Rectangle 154">
+          <p:grpSp>
+            <p:nvGrpSpPr>
+              <p:cNvPr id="1053" name="Group 1052">
                 <a:extLst>
                   <a:ext uri="{FF2B5EF4-FFF2-40B4-BE49-F238E27FC236}">
-                    <a16:creationId xmlns:a16="http://schemas.microsoft.com/office/drawing/2014/main" id="{FE0F141F-8CC7-5D43-B303-9D0A1FAB9220}"/>
-                  </a:ext>
-                </a:extLst>
-              </p:cNvPr>
-              <p:cNvSpPr/>
-              <p:nvPr/>
-            </p:nvSpPr>
-            <p:spPr>
-              <a:xfrm rot="16200000">
-                <a:off x="-407587" y="760652"/>
-                <a:ext cx="6364665" cy="5226778"/>
-              </a:xfrm>
-              <a:prstGeom prst="rect">
-                <a:avLst/>
-              </a:prstGeom>
-              <a:solidFill>
-                <a:schemeClr val="bg1"/>
-              </a:solidFill>
-              <a:ln w="28575">
-                <a:solidFill>
-                  <a:schemeClr val="tx1"/>
-                </a:solidFill>
-              </a:ln>
-            </p:spPr>
-            <p:style>
-              <a:lnRef idx="2">
-                <a:schemeClr val="accent1">
-                  <a:shade val="50000"/>
-                </a:schemeClr>
-              </a:lnRef>
-              <a:fillRef idx="1">
-                <a:schemeClr val="accent1"/>
-              </a:fillRef>
-              <a:effectRef idx="0">
-                <a:schemeClr val="accent1"/>
-              </a:effectRef>
-              <a:fontRef idx="minor">
-                <a:schemeClr val="lt1"/>
-              </a:fontRef>
-            </p:style>
-            <p:txBody>
-              <a:bodyPr rtlCol="0" anchor="ctr"/>
-              <a:lstStyle/>
-              <a:p>
-                <a:pPr algn="ctr"/>
-                <a:endParaRPr lang="en-US" dirty="0"/>
-              </a:p>
-            </p:txBody>
-          </p:sp>
-          <p:sp>
-            <p:nvSpPr>
-              <p:cNvPr id="75" name="TextBox 74">
-                <a:extLst>
-                  <a:ext uri="{FF2B5EF4-FFF2-40B4-BE49-F238E27FC236}">
-                    <a16:creationId xmlns:a16="http://schemas.microsoft.com/office/drawing/2014/main" id="{FC9C4228-2B97-5C43-AA36-43C2B32813FC}"/>
-                  </a:ext>
-                </a:extLst>
-              </p:cNvPr>
-              <p:cNvSpPr txBox="1"/>
-              <p:nvPr/>
-            </p:nvSpPr>
-            <p:spPr>
-              <a:xfrm>
-                <a:off x="1799966" y="301627"/>
-                <a:ext cx="1717380" cy="307777"/>
-              </a:xfrm>
-              <a:prstGeom prst="rect">
-                <a:avLst/>
-              </a:prstGeom>
-              <a:noFill/>
-            </p:spPr>
-            <p:txBody>
-              <a:bodyPr wrap="square" rtlCol="0">
-                <a:spAutoFit/>
-              </a:bodyPr>
-              <a:lstStyle/>
-              <a:p>
-                <a:pPr algn="ctr"/>
-                <a:r>
-                  <a:rPr lang="en-US" sz="1400" b="1" dirty="0"/>
-                  <a:t>Data Sources</a:t>
-                </a:r>
-              </a:p>
-            </p:txBody>
-          </p:sp>
-          <p:pic>
-            <p:nvPicPr>
-              <p:cNvPr id="28" name="Picture 27" descr="Shape&#10;&#10;Description automatically generated with low confidence">
-                <a:extLst>
-                  <a:ext uri="{FF2B5EF4-FFF2-40B4-BE49-F238E27FC236}">
-                    <a16:creationId xmlns:a16="http://schemas.microsoft.com/office/drawing/2014/main" id="{61F333B2-AD46-8A49-833E-0FC335F52645}"/>
-                  </a:ext>
-                </a:extLst>
-              </p:cNvPr>
-              <p:cNvPicPr>
-                <a:picLocks noChangeAspect="1"/>
-              </p:cNvPicPr>
-              <p:nvPr/>
-            </p:nvPicPr>
-            <p:blipFill rotWithShape="1">
-              <a:blip r:embed="rId4"/>
-              <a:srcRect t="13638" b="15536"/>
-              <a:stretch/>
-            </p:blipFill>
-            <p:spPr>
-              <a:xfrm>
-                <a:off x="2438063" y="15035"/>
-                <a:ext cx="474433" cy="336021"/>
-              </a:xfrm>
-              <a:prstGeom prst="rect">
-                <a:avLst/>
-              </a:prstGeom>
-              <a:solidFill>
-                <a:schemeClr val="bg1"/>
-              </a:solidFill>
-            </p:spPr>
-          </p:pic>
-          <p:grpSp>
-            <p:nvGrpSpPr>
-              <p:cNvPr id="34" name="Group 33">
-                <a:extLst>
-                  <a:ext uri="{FF2B5EF4-FFF2-40B4-BE49-F238E27FC236}">
-                    <a16:creationId xmlns:a16="http://schemas.microsoft.com/office/drawing/2014/main" id="{DBC675C5-2CA1-3F4E-BA90-A28203D9FAE2}"/>
+                    <a16:creationId xmlns:a16="http://schemas.microsoft.com/office/drawing/2014/main" id="{C7476D24-D5CA-4441-AAFE-C80F4E08009F}"/>
                   </a:ext>
                 </a:extLst>
               </p:cNvPr>
@@ -3827,444 +3475,105 @@
             </p:nvGrpSpPr>
             <p:grpSpPr>
               <a:xfrm>
-                <a:off x="483145" y="735722"/>
-                <a:ext cx="2090551" cy="2332034"/>
-                <a:chOff x="1395925" y="855314"/>
-                <a:chExt cx="2090551" cy="2332034"/>
+                <a:off x="9333706" y="5773267"/>
+                <a:ext cx="857617" cy="832671"/>
+                <a:chOff x="11028156" y="2931610"/>
+                <a:chExt cx="857617" cy="832671"/>
               </a:xfrm>
             </p:grpSpPr>
-            <p:pic>
-              <p:nvPicPr>
-                <p:cNvPr id="4" name="Picture 3" descr="A screenshot of a video game&#10;&#10;Description automatically generated with medium confidence">
+            <p:grpSp>
+              <p:nvGrpSpPr>
+                <p:cNvPr id="1039" name="Group 1038">
                   <a:extLst>
                     <a:ext uri="{FF2B5EF4-FFF2-40B4-BE49-F238E27FC236}">
-                      <a16:creationId xmlns:a16="http://schemas.microsoft.com/office/drawing/2014/main" id="{F429C94E-327A-E24B-A262-C84031BEF367}"/>
+                      <a16:creationId xmlns:a16="http://schemas.microsoft.com/office/drawing/2014/main" id="{3D4713C4-3423-6949-AE88-79002A0E35CB}"/>
                     </a:ext>
                   </a:extLst>
                 </p:cNvPr>
-                <p:cNvPicPr>
-                  <a:picLocks noChangeAspect="1"/>
-                </p:cNvPicPr>
+                <p:cNvGrpSpPr/>
                 <p:nvPr/>
-              </p:nvPicPr>
-              <p:blipFill>
-                <a:blip r:embed="rId5"/>
-                <a:stretch>
-                  <a:fillRect/>
-                </a:stretch>
-              </p:blipFill>
-              <p:spPr>
+              </p:nvGrpSpPr>
+              <p:grpSpPr>
                 <a:xfrm>
-                  <a:off x="1468903" y="1162216"/>
-                  <a:ext cx="635222" cy="134955"/>
+                  <a:off x="11096791" y="2931610"/>
+                  <a:ext cx="711422" cy="815546"/>
+                  <a:chOff x="12028667" y="3356641"/>
+                  <a:chExt cx="711422" cy="815546"/>
                 </a:xfrm>
-                <a:prstGeom prst="rect">
-                  <a:avLst/>
-                </a:prstGeom>
-              </p:spPr>
-            </p:pic>
-            <p:pic>
-              <p:nvPicPr>
-                <p:cNvPr id="22" name="Picture 21">
+              </p:grpSpPr>
+              <p:pic>
+                <p:nvPicPr>
+                  <p:cNvPr id="84" name="Picture 83" descr="Shape&#10;&#10;Description automatically generated with low confidence">
+                    <a:extLst>
+                      <a:ext uri="{FF2B5EF4-FFF2-40B4-BE49-F238E27FC236}">
+                        <a16:creationId xmlns:a16="http://schemas.microsoft.com/office/drawing/2014/main" id="{65C5BE55-533C-3643-AFD8-77559F2464E3}"/>
+                      </a:ext>
+                    </a:extLst>
+                  </p:cNvPr>
+                  <p:cNvPicPr>
+                    <a:picLocks noChangeAspect="1"/>
+                  </p:cNvPicPr>
+                  <p:nvPr/>
+                </p:nvPicPr>
+                <p:blipFill>
+                  <a:blip r:embed="rId2"/>
+                  <a:stretch>
+                    <a:fillRect/>
+                  </a:stretch>
+                </p:blipFill>
+                <p:spPr>
+                  <a:xfrm>
+                    <a:off x="12104806" y="3613043"/>
+                    <a:ext cx="559144" cy="559144"/>
+                  </a:xfrm>
+                  <a:prstGeom prst="rect">
+                    <a:avLst/>
+                  </a:prstGeom>
+                </p:spPr>
+              </p:pic>
+              <p:sp>
+                <p:nvSpPr>
+                  <p:cNvPr id="136" name="TextBox 135">
+                    <a:extLst>
+                      <a:ext uri="{FF2B5EF4-FFF2-40B4-BE49-F238E27FC236}">
+                        <a16:creationId xmlns:a16="http://schemas.microsoft.com/office/drawing/2014/main" id="{CD1D22C2-98E3-7B44-907B-3C10921E70CA}"/>
+                      </a:ext>
+                    </a:extLst>
+                  </p:cNvPr>
+                  <p:cNvSpPr txBox="1"/>
+                  <p:nvPr/>
+                </p:nvSpPr>
+                <p:spPr>
+                  <a:xfrm>
+                    <a:off x="12028667" y="3356641"/>
+                    <a:ext cx="711422" cy="307777"/>
+                  </a:xfrm>
+                  <a:prstGeom prst="rect">
+                    <a:avLst/>
+                  </a:prstGeom>
+                  <a:noFill/>
+                </p:spPr>
+                <p:txBody>
+                  <a:bodyPr wrap="square" rtlCol="0">
+                    <a:spAutoFit/>
+                  </a:bodyPr>
+                  <a:lstStyle/>
+                  <a:p>
+                    <a:pPr algn="ctr"/>
+                    <a:r>
+                      <a:rPr lang="en-US" sz="1400" b="1" dirty="0"/>
+                      <a:t>Users</a:t>
+                    </a:r>
+                  </a:p>
+                </p:txBody>
+              </p:sp>
+            </p:grpSp>
+            <p:sp>
+              <p:nvSpPr>
+                <p:cNvPr id="1052" name="Rectangle 1051">
                   <a:extLst>
                     <a:ext uri="{FF2B5EF4-FFF2-40B4-BE49-F238E27FC236}">
-                      <a16:creationId xmlns:a16="http://schemas.microsoft.com/office/drawing/2014/main" id="{AC7A165E-8B12-0F4D-80D4-F4D81D40366C}"/>
-                    </a:ext>
-                  </a:extLst>
-                </p:cNvPr>
-                <p:cNvPicPr>
-                  <a:picLocks noChangeAspect="1"/>
-                </p:cNvPicPr>
-                <p:nvPr/>
-              </p:nvPicPr>
-              <p:blipFill>
-                <a:blip r:embed="rId6"/>
-                <a:stretch>
-                  <a:fillRect/>
-                </a:stretch>
-              </p:blipFill>
-              <p:spPr>
-                <a:xfrm>
-                  <a:off x="1466227" y="2675450"/>
-                  <a:ext cx="1472851" cy="169495"/>
-                </a:xfrm>
-                <a:prstGeom prst="rect">
-                  <a:avLst/>
-                </a:prstGeom>
-              </p:spPr>
-            </p:pic>
-            <p:sp>
-              <p:nvSpPr>
-                <p:cNvPr id="79" name="TextBox 78">
-                  <a:extLst>
-                    <a:ext uri="{FF2B5EF4-FFF2-40B4-BE49-F238E27FC236}">
-                      <a16:creationId xmlns:a16="http://schemas.microsoft.com/office/drawing/2014/main" id="{094D9467-08B7-9442-9103-0167DB802323}"/>
-                    </a:ext>
-                  </a:extLst>
-                </p:cNvPr>
-                <p:cNvSpPr txBox="1"/>
-                <p:nvPr/>
-              </p:nvSpPr>
-              <p:spPr>
-                <a:xfrm>
-                  <a:off x="1941996" y="855314"/>
-                  <a:ext cx="951940" cy="307777"/>
-                </a:xfrm>
-                <a:prstGeom prst="rect">
-                  <a:avLst/>
-                </a:prstGeom>
-                <a:noFill/>
-              </p:spPr>
-              <p:txBody>
-                <a:bodyPr wrap="square" rtlCol="0">
-                  <a:spAutoFit/>
-                </a:bodyPr>
-                <a:lstStyle/>
-                <a:p>
-                  <a:pPr algn="ctr"/>
-                  <a:r>
-                    <a:rPr lang="en-US" sz="1400" b="1" dirty="0"/>
-                    <a:t>Economy</a:t>
-                  </a:r>
-                </a:p>
-              </p:txBody>
-            </p:sp>
-            <p:sp>
-              <p:nvSpPr>
-                <p:cNvPr id="29" name="TextBox 28">
-                  <a:extLst>
-                    <a:ext uri="{FF2B5EF4-FFF2-40B4-BE49-F238E27FC236}">
-                      <a16:creationId xmlns:a16="http://schemas.microsoft.com/office/drawing/2014/main" id="{6D320736-1934-BB43-B32C-8052E2653EAB}"/>
-                    </a:ext>
-                  </a:extLst>
-                </p:cNvPr>
-                <p:cNvSpPr txBox="1"/>
-                <p:nvPr/>
-              </p:nvSpPr>
-              <p:spPr>
-                <a:xfrm>
-                  <a:off x="1786514" y="1208009"/>
-                  <a:ext cx="1486701" cy="261610"/>
-                </a:xfrm>
-                <a:prstGeom prst="rect">
-                  <a:avLst/>
-                </a:prstGeom>
-                <a:noFill/>
-              </p:spPr>
-              <p:txBody>
-                <a:bodyPr wrap="square" rtlCol="0">
-                  <a:spAutoFit/>
-                </a:bodyPr>
-                <a:lstStyle/>
-                <a:p>
-                  <a:r>
-                    <a:rPr lang="en-US" sz="1100" b="1" i="1" dirty="0"/>
-                    <a:t>Consumer spending</a:t>
-                  </a:r>
-                </a:p>
-              </p:txBody>
-            </p:sp>
-            <p:pic>
-              <p:nvPicPr>
-                <p:cNvPr id="80" name="Picture 79" descr="A screenshot of a video game&#10;&#10;Description automatically generated with medium confidence">
-                  <a:extLst>
-                    <a:ext uri="{FF2B5EF4-FFF2-40B4-BE49-F238E27FC236}">
-                      <a16:creationId xmlns:a16="http://schemas.microsoft.com/office/drawing/2014/main" id="{2DC6CC6F-B429-6D4C-BEDD-550B5A2FCE81}"/>
-                    </a:ext>
-                  </a:extLst>
-                </p:cNvPr>
-                <p:cNvPicPr>
-                  <a:picLocks noChangeAspect="1"/>
-                </p:cNvPicPr>
-                <p:nvPr/>
-              </p:nvPicPr>
-              <p:blipFill>
-                <a:blip r:embed="rId5"/>
-                <a:stretch>
-                  <a:fillRect/>
-                </a:stretch>
-              </p:blipFill>
-              <p:spPr>
-                <a:xfrm>
-                  <a:off x="1466227" y="1448852"/>
-                  <a:ext cx="635222" cy="134955"/>
-                </a:xfrm>
-                <a:prstGeom prst="rect">
-                  <a:avLst/>
-                </a:prstGeom>
-              </p:spPr>
-            </p:pic>
-            <p:sp>
-              <p:nvSpPr>
-                <p:cNvPr id="81" name="TextBox 80">
-                  <a:extLst>
-                    <a:ext uri="{FF2B5EF4-FFF2-40B4-BE49-F238E27FC236}">
-                      <a16:creationId xmlns:a16="http://schemas.microsoft.com/office/drawing/2014/main" id="{F8B65C48-456C-404D-9134-4BD7CAEAFDA5}"/>
-                    </a:ext>
-                  </a:extLst>
-                </p:cNvPr>
-                <p:cNvSpPr txBox="1"/>
-                <p:nvPr/>
-              </p:nvSpPr>
-              <p:spPr>
-                <a:xfrm>
-                  <a:off x="1783838" y="1494645"/>
-                  <a:ext cx="1486701" cy="261610"/>
-                </a:xfrm>
-                <a:prstGeom prst="rect">
-                  <a:avLst/>
-                </a:prstGeom>
-                <a:noFill/>
-              </p:spPr>
-              <p:txBody>
-                <a:bodyPr wrap="square" rtlCol="0">
-                  <a:spAutoFit/>
-                </a:bodyPr>
-                <a:lstStyle/>
-                <a:p>
-                  <a:r>
-                    <a:rPr lang="en-US" sz="1100" b="1" i="1" dirty="0"/>
-                    <a:t>Employment</a:t>
-                  </a:r>
-                </a:p>
-              </p:txBody>
-            </p:sp>
-            <p:pic>
-              <p:nvPicPr>
-                <p:cNvPr id="82" name="Picture 81" descr="A screenshot of a video game&#10;&#10;Description automatically generated with medium confidence">
-                  <a:extLst>
-                    <a:ext uri="{FF2B5EF4-FFF2-40B4-BE49-F238E27FC236}">
-                      <a16:creationId xmlns:a16="http://schemas.microsoft.com/office/drawing/2014/main" id="{EDD0E092-CF57-6C44-BF4E-2A0EFCD08B2A}"/>
-                    </a:ext>
-                  </a:extLst>
-                </p:cNvPr>
-                <p:cNvPicPr>
-                  <a:picLocks noChangeAspect="1"/>
-                </p:cNvPicPr>
-                <p:nvPr/>
-              </p:nvPicPr>
-              <p:blipFill>
-                <a:blip r:embed="rId5"/>
-                <a:stretch>
-                  <a:fillRect/>
-                </a:stretch>
-              </p:blipFill>
-              <p:spPr>
-                <a:xfrm>
-                  <a:off x="1466227" y="1746992"/>
-                  <a:ext cx="635222" cy="134955"/>
-                </a:xfrm>
-                <a:prstGeom prst="rect">
-                  <a:avLst/>
-                </a:prstGeom>
-              </p:spPr>
-            </p:pic>
-            <p:sp>
-              <p:nvSpPr>
-                <p:cNvPr id="83" name="TextBox 82">
-                  <a:extLst>
-                    <a:ext uri="{FF2B5EF4-FFF2-40B4-BE49-F238E27FC236}">
-                      <a16:creationId xmlns:a16="http://schemas.microsoft.com/office/drawing/2014/main" id="{BDBD9EB4-2AB7-3B49-88EC-E5C1EC2663F5}"/>
-                    </a:ext>
-                  </a:extLst>
-                </p:cNvPr>
-                <p:cNvSpPr txBox="1"/>
-                <p:nvPr/>
-              </p:nvSpPr>
-              <p:spPr>
-                <a:xfrm>
-                  <a:off x="1783838" y="1792785"/>
-                  <a:ext cx="1486701" cy="261610"/>
-                </a:xfrm>
-                <a:prstGeom prst="rect">
-                  <a:avLst/>
-                </a:prstGeom>
-                <a:noFill/>
-              </p:spPr>
-              <p:txBody>
-                <a:bodyPr wrap="square" rtlCol="0">
-                  <a:spAutoFit/>
-                </a:bodyPr>
-                <a:lstStyle/>
-                <a:p>
-                  <a:r>
-                    <a:rPr lang="en-US" sz="1100" b="1" i="1" dirty="0"/>
-                    <a:t>Job Postings</a:t>
-                  </a:r>
-                </a:p>
-              </p:txBody>
-            </p:sp>
-            <p:pic>
-              <p:nvPicPr>
-                <p:cNvPr id="85" name="Picture 84" descr="A screenshot of a video game&#10;&#10;Description automatically generated with medium confidence">
-                  <a:extLst>
-                    <a:ext uri="{FF2B5EF4-FFF2-40B4-BE49-F238E27FC236}">
-                      <a16:creationId xmlns:a16="http://schemas.microsoft.com/office/drawing/2014/main" id="{E54025FF-F751-5F45-BFC8-10C5FE03C82E}"/>
-                    </a:ext>
-                  </a:extLst>
-                </p:cNvPr>
-                <p:cNvPicPr>
-                  <a:picLocks noChangeAspect="1"/>
-                </p:cNvPicPr>
-                <p:nvPr/>
-              </p:nvPicPr>
-              <p:blipFill>
-                <a:blip r:embed="rId5"/>
-                <a:stretch>
-                  <a:fillRect/>
-                </a:stretch>
-              </p:blipFill>
-              <p:spPr>
-                <a:xfrm>
-                  <a:off x="1466227" y="2047012"/>
-                  <a:ext cx="635222" cy="134955"/>
-                </a:xfrm>
-                <a:prstGeom prst="rect">
-                  <a:avLst/>
-                </a:prstGeom>
-              </p:spPr>
-            </p:pic>
-            <p:sp>
-              <p:nvSpPr>
-                <p:cNvPr id="87" name="TextBox 86">
-                  <a:extLst>
-                    <a:ext uri="{FF2B5EF4-FFF2-40B4-BE49-F238E27FC236}">
-                      <a16:creationId xmlns:a16="http://schemas.microsoft.com/office/drawing/2014/main" id="{D0C01BC5-73B3-DC40-B972-3071591589BA}"/>
-                    </a:ext>
-                  </a:extLst>
-                </p:cNvPr>
-                <p:cNvSpPr txBox="1"/>
-                <p:nvPr/>
-              </p:nvSpPr>
-              <p:spPr>
-                <a:xfrm>
-                  <a:off x="1783838" y="2092805"/>
-                  <a:ext cx="1702638" cy="261610"/>
-                </a:xfrm>
-                <a:prstGeom prst="rect">
-                  <a:avLst/>
-                </a:prstGeom>
-                <a:noFill/>
-              </p:spPr>
-              <p:txBody>
-                <a:bodyPr wrap="square" rtlCol="0">
-                  <a:spAutoFit/>
-                </a:bodyPr>
-                <a:lstStyle/>
-                <a:p>
-                  <a:r>
-                    <a:rPr lang="en-US" sz="1100" b="1" i="1" dirty="0"/>
-                    <a:t>Small business opening</a:t>
-                  </a:r>
-                </a:p>
-              </p:txBody>
-            </p:sp>
-            <p:pic>
-              <p:nvPicPr>
-                <p:cNvPr id="125" name="Picture 124" descr="A screenshot of a video game&#10;&#10;Description automatically generated with medium confidence">
-                  <a:extLst>
-                    <a:ext uri="{FF2B5EF4-FFF2-40B4-BE49-F238E27FC236}">
-                      <a16:creationId xmlns:a16="http://schemas.microsoft.com/office/drawing/2014/main" id="{1A4329DE-06DB-7A47-B449-029C5615A900}"/>
-                    </a:ext>
-                  </a:extLst>
-                </p:cNvPr>
-                <p:cNvPicPr>
-                  <a:picLocks noChangeAspect="1"/>
-                </p:cNvPicPr>
-                <p:nvPr/>
-              </p:nvPicPr>
-              <p:blipFill>
-                <a:blip r:embed="rId5"/>
-                <a:stretch>
-                  <a:fillRect/>
-                </a:stretch>
-              </p:blipFill>
-              <p:spPr>
-                <a:xfrm>
-                  <a:off x="1466227" y="2379936"/>
-                  <a:ext cx="635222" cy="134955"/>
-                </a:xfrm>
-                <a:prstGeom prst="rect">
-                  <a:avLst/>
-                </a:prstGeom>
-              </p:spPr>
-            </p:pic>
-            <p:sp>
-              <p:nvSpPr>
-                <p:cNvPr id="126" name="TextBox 125">
-                  <a:extLst>
-                    <a:ext uri="{FF2B5EF4-FFF2-40B4-BE49-F238E27FC236}">
-                      <a16:creationId xmlns:a16="http://schemas.microsoft.com/office/drawing/2014/main" id="{D8D5AD7B-824E-6947-A050-3F400A344F7D}"/>
-                    </a:ext>
-                  </a:extLst>
-                </p:cNvPr>
-                <p:cNvSpPr txBox="1"/>
-                <p:nvPr/>
-              </p:nvSpPr>
-              <p:spPr>
-                <a:xfrm>
-                  <a:off x="1783838" y="2425729"/>
-                  <a:ext cx="1702638" cy="261610"/>
-                </a:xfrm>
-                <a:prstGeom prst="rect">
-                  <a:avLst/>
-                </a:prstGeom>
-                <a:noFill/>
-              </p:spPr>
-              <p:txBody>
-                <a:bodyPr wrap="square" rtlCol="0">
-                  <a:spAutoFit/>
-                </a:bodyPr>
-                <a:lstStyle/>
-                <a:p>
-                  <a:r>
-                    <a:rPr lang="en-US" sz="1100" b="1" i="1" dirty="0"/>
-                    <a:t>Small business revenue</a:t>
-                  </a:r>
-                </a:p>
-              </p:txBody>
-            </p:sp>
-            <p:sp>
-              <p:nvSpPr>
-                <p:cNvPr id="127" name="TextBox 126">
-                  <a:extLst>
-                    <a:ext uri="{FF2B5EF4-FFF2-40B4-BE49-F238E27FC236}">
-                      <a16:creationId xmlns:a16="http://schemas.microsoft.com/office/drawing/2014/main" id="{D47AFB92-34EB-2748-8847-C27F47BC8444}"/>
-                    </a:ext>
-                  </a:extLst>
-                </p:cNvPr>
-                <p:cNvSpPr txBox="1"/>
-                <p:nvPr/>
-              </p:nvSpPr>
-              <p:spPr>
-                <a:xfrm>
-                  <a:off x="1783838" y="2814229"/>
-                  <a:ext cx="1442216" cy="261610"/>
-                </a:xfrm>
-                <a:prstGeom prst="rect">
-                  <a:avLst/>
-                </a:prstGeom>
-                <a:noFill/>
-              </p:spPr>
-              <p:txBody>
-                <a:bodyPr wrap="square" rtlCol="0">
-                  <a:spAutoFit/>
-                </a:bodyPr>
-                <a:lstStyle/>
-                <a:p>
-                  <a:r>
-                    <a:rPr lang="en-US" sz="1100" b="1" i="1" dirty="0"/>
-                    <a:t>Real estate activity</a:t>
-                  </a:r>
-                </a:p>
-              </p:txBody>
-            </p:sp>
-            <p:sp>
-              <p:nvSpPr>
-                <p:cNvPr id="30" name="Rounded Rectangle 29">
-                  <a:extLst>
-                    <a:ext uri="{FF2B5EF4-FFF2-40B4-BE49-F238E27FC236}">
-                      <a16:creationId xmlns:a16="http://schemas.microsoft.com/office/drawing/2014/main" id="{74736B0A-9345-5B4A-8289-F78AA10C9867}"/>
+                      <a16:creationId xmlns:a16="http://schemas.microsoft.com/office/drawing/2014/main" id="{3D1CF280-4B6B-F342-9D9C-5639BE5F9C5B}"/>
                     </a:ext>
                   </a:extLst>
                 </p:cNvPr>
@@ -4273,10 +3582,10 @@
               </p:nvSpPr>
               <p:spPr>
                 <a:xfrm>
-                  <a:off x="1395925" y="869219"/>
-                  <a:ext cx="2045581" cy="2318129"/>
+                  <a:off x="11028156" y="2931610"/>
+                  <a:ext cx="857617" cy="832671"/>
                 </a:xfrm>
-                <a:prstGeom prst="roundRect">
+                <a:prstGeom prst="rect">
                   <a:avLst/>
                 </a:prstGeom>
                 <a:noFill/>
@@ -4284,7 +3593,6 @@
                   <a:solidFill>
                     <a:schemeClr val="tx1"/>
                   </a:solidFill>
-                  <a:prstDash val="dash"/>
                 </a:ln>
               </p:spPr>
               <p:style>
@@ -4313,12 +3621,82 @@
               </p:txBody>
             </p:sp>
           </p:grpSp>
+          <p:sp>
+            <p:nvSpPr>
+              <p:cNvPr id="194" name="TextBox 193">
+                <a:extLst>
+                  <a:ext uri="{FF2B5EF4-FFF2-40B4-BE49-F238E27FC236}">
+                    <a16:creationId xmlns:a16="http://schemas.microsoft.com/office/drawing/2014/main" id="{C1389E3E-E9B3-764E-8FE5-0E2ABDC20C83}"/>
+                  </a:ext>
+                </a:extLst>
+              </p:cNvPr>
+              <p:cNvSpPr txBox="1"/>
+              <p:nvPr/>
+            </p:nvSpPr>
+            <p:spPr>
+              <a:xfrm>
+                <a:off x="9976553" y="4144976"/>
+                <a:ext cx="1001329" cy="307777"/>
+              </a:xfrm>
+              <a:prstGeom prst="rect">
+                <a:avLst/>
+              </a:prstGeom>
+              <a:noFill/>
+              <a:ln>
+                <a:noFill/>
+              </a:ln>
+            </p:spPr>
+            <p:txBody>
+              <a:bodyPr wrap="square" rtlCol="0">
+                <a:spAutoFit/>
+              </a:bodyPr>
+              <a:lstStyle/>
+              <a:p>
+                <a:pPr algn="ctr"/>
+                <a:r>
+                  <a:rPr lang="en-US" sz="1400" b="1" dirty="0" err="1"/>
+                  <a:t>Streamlit</a:t>
+                </a:r>
+                <a:endParaRPr lang="en-US" sz="1400" b="1" dirty="0"/>
+              </a:p>
+            </p:txBody>
+          </p:sp>
+          <p:pic>
+            <p:nvPicPr>
+              <p:cNvPr id="1074" name="Picture 1073" descr="Shape&#10;&#10;Description automatically generated with low confidence">
+                <a:extLst>
+                  <a:ext uri="{FF2B5EF4-FFF2-40B4-BE49-F238E27FC236}">
+                    <a16:creationId xmlns:a16="http://schemas.microsoft.com/office/drawing/2014/main" id="{29C646F8-0C0F-804D-928F-B7BA1A6F30FA}"/>
+                  </a:ext>
+                </a:extLst>
+              </p:cNvPr>
+              <p:cNvPicPr>
+                <a:picLocks noChangeAspect="1"/>
+              </p:cNvPicPr>
+              <p:nvPr/>
+            </p:nvPicPr>
+            <p:blipFill>
+              <a:blip r:embed="rId3"/>
+              <a:stretch>
+                <a:fillRect/>
+              </a:stretch>
+            </p:blipFill>
+            <p:spPr>
+              <a:xfrm>
+                <a:off x="8149575" y="4291891"/>
+                <a:ext cx="884964" cy="884964"/>
+              </a:xfrm>
+              <a:prstGeom prst="rect">
+                <a:avLst/>
+              </a:prstGeom>
+            </p:spPr>
+          </p:pic>
           <p:grpSp>
             <p:nvGrpSpPr>
-              <p:cNvPr id="36" name="Group 35">
+              <p:cNvPr id="61" name="Group 60">
                 <a:extLst>
                   <a:ext uri="{FF2B5EF4-FFF2-40B4-BE49-F238E27FC236}">
-                    <a16:creationId xmlns:a16="http://schemas.microsoft.com/office/drawing/2014/main" id="{294E9694-69C6-DC4F-9540-FA58E00D5027}"/>
+                    <a16:creationId xmlns:a16="http://schemas.microsoft.com/office/drawing/2014/main" id="{1095C662-3FF1-FF49-93AD-D6881BD20600}"/>
                   </a:ext>
                 </a:extLst>
               </p:cNvPr>
@@ -4327,65 +3705,140 @@
             </p:nvGrpSpPr>
             <p:grpSpPr>
               <a:xfrm>
-                <a:off x="489308" y="3399748"/>
-                <a:ext cx="2045581" cy="792925"/>
-                <a:chOff x="1389790" y="3374341"/>
-                <a:chExt cx="2045581" cy="792925"/>
+                <a:off x="62310" y="85222"/>
+                <a:ext cx="5226778" cy="6541338"/>
+                <a:chOff x="161357" y="15035"/>
+                <a:chExt cx="5226778" cy="6541338"/>
               </a:xfrm>
             </p:grpSpPr>
-            <p:pic>
-              <p:nvPicPr>
-                <p:cNvPr id="1026" name="Picture 2" descr="TCEQ Logo">
+            <p:sp>
+              <p:nvSpPr>
+                <p:cNvPr id="155" name="Rectangle 154">
                   <a:extLst>
                     <a:ext uri="{FF2B5EF4-FFF2-40B4-BE49-F238E27FC236}">
-                      <a16:creationId xmlns:a16="http://schemas.microsoft.com/office/drawing/2014/main" id="{9281F760-C081-444E-8F78-1AB0CD0BDF92}"/>
+                      <a16:creationId xmlns:a16="http://schemas.microsoft.com/office/drawing/2014/main" id="{FE0F141F-8CC7-5D43-B303-9D0A1FAB9220}"/>
                     </a:ext>
                   </a:extLst>
                 </p:cNvPr>
-                <p:cNvPicPr>
-                  <a:picLocks noChangeAspect="1" noChangeArrowheads="1"/>
-                </p:cNvPicPr>
+                <p:cNvSpPr/>
                 <p:nvPr/>
-              </p:nvPicPr>
-              <p:blipFill>
-                <a:blip r:embed="rId7">
+              </p:nvSpPr>
+              <p:spPr>
+                <a:xfrm rot="16200000">
+                  <a:off x="-407587" y="760652"/>
+                  <a:ext cx="6364665" cy="5226778"/>
+                </a:xfrm>
+                <a:prstGeom prst="rect">
+                  <a:avLst/>
+                </a:prstGeom>
+                <a:solidFill>
+                  <a:schemeClr val="bg1"/>
+                </a:solidFill>
+                <a:ln w="28575">
+                  <a:solidFill>
+                    <a:schemeClr val="tx1"/>
+                  </a:solidFill>
+                </a:ln>
+              </p:spPr>
+              <p:style>
+                <a:lnRef idx="2">
+                  <a:schemeClr val="accent1">
+                    <a:shade val="50000"/>
+                  </a:schemeClr>
+                </a:lnRef>
+                <a:fillRef idx="1">
+                  <a:schemeClr val="accent1"/>
+                </a:fillRef>
+                <a:effectRef idx="0">
+                  <a:schemeClr val="accent1"/>
+                </a:effectRef>
+                <a:fontRef idx="minor">
+                  <a:schemeClr val="lt1"/>
+                </a:fontRef>
+              </p:style>
+              <p:txBody>
+                <a:bodyPr rtlCol="0" anchor="ctr"/>
+                <a:lstStyle/>
+                <a:p>
+                  <a:pPr algn="ctr"/>
+                  <a:endParaRPr lang="en-US" dirty="0"/>
+                </a:p>
+              </p:txBody>
+            </p:sp>
+            <p:sp>
+              <p:nvSpPr>
+                <p:cNvPr id="75" name="TextBox 74">
                   <a:extLst>
-                    <a:ext uri="{28A0092B-C50C-407E-A947-70E740481C1C}">
-                      <a14:useLocalDpi xmlns:a14="http://schemas.microsoft.com/office/drawing/2010/main" val="0"/>
+                    <a:ext uri="{FF2B5EF4-FFF2-40B4-BE49-F238E27FC236}">
+                      <a16:creationId xmlns:a16="http://schemas.microsoft.com/office/drawing/2014/main" id="{FC9C4228-2B97-5C43-AA36-43C2B32813FC}"/>
                     </a:ext>
                   </a:extLst>
-                </a:blip>
-                <a:srcRect/>
-                <a:stretch>
-                  <a:fillRect/>
-                </a:stretch>
-              </p:blipFill>
-              <p:spPr bwMode="auto">
+                </p:cNvPr>
+                <p:cNvSpPr txBox="1"/>
+                <p:nvPr/>
+              </p:nvSpPr>
+              <p:spPr>
                 <a:xfrm>
-                  <a:off x="1421005" y="3622340"/>
-                  <a:ext cx="1651245" cy="246981"/>
+                  <a:off x="1799966" y="301627"/>
+                  <a:ext cx="1717380" cy="307777"/>
                 </a:xfrm>
                 <a:prstGeom prst="rect">
                   <a:avLst/>
                 </a:prstGeom>
                 <a:noFill/>
-                <a:extLst>
-                  <a:ext uri="{909E8E84-426E-40DD-AFC4-6F175D3DCCD1}">
-                    <a14:hiddenFill xmlns:a14="http://schemas.microsoft.com/office/drawing/2010/main">
-                      <a:solidFill>
-                        <a:srgbClr val="FFFFFF"/>
-                      </a:solidFill>
-                    </a14:hiddenFill>
-                  </a:ext>
-                </a:extLst>
+              </p:spPr>
+              <p:txBody>
+                <a:bodyPr wrap="square" rtlCol="0">
+                  <a:spAutoFit/>
+                </a:bodyPr>
+                <a:lstStyle/>
+                <a:p>
+                  <a:pPr algn="ctr"/>
+                  <a:r>
+                    <a:rPr lang="en-US" sz="1400" b="1" dirty="0"/>
+                    <a:t>Data Sources</a:t>
+                  </a:r>
+                </a:p>
+              </p:txBody>
+            </p:sp>
+            <p:pic>
+              <p:nvPicPr>
+                <p:cNvPr id="28" name="Picture 27" descr="Shape&#10;&#10;Description automatically generated with low confidence">
+                  <a:extLst>
+                    <a:ext uri="{FF2B5EF4-FFF2-40B4-BE49-F238E27FC236}">
+                      <a16:creationId xmlns:a16="http://schemas.microsoft.com/office/drawing/2014/main" id="{61F333B2-AD46-8A49-833E-0FC335F52645}"/>
+                    </a:ext>
+                  </a:extLst>
+                </p:cNvPr>
+                <p:cNvPicPr>
+                  <a:picLocks noChangeAspect="1"/>
+                </p:cNvPicPr>
+                <p:nvPr/>
+              </p:nvPicPr>
+              <p:blipFill rotWithShape="1">
+                <a:blip r:embed="rId4"/>
+                <a:srcRect t="13638" b="15536"/>
+                <a:stretch/>
+              </p:blipFill>
+              <p:spPr>
+                <a:xfrm>
+                  <a:off x="2438063" y="15035"/>
+                  <a:ext cx="474433" cy="336021"/>
+                </a:xfrm>
+                <a:prstGeom prst="rect">
+                  <a:avLst/>
+                </a:prstGeom>
+                <a:solidFill>
+                  <a:schemeClr val="bg1"/>
+                </a:solidFill>
               </p:spPr>
             </p:pic>
             <p:grpSp>
               <p:nvGrpSpPr>
-                <p:cNvPr id="128" name="Group 127">
+                <p:cNvPr id="34" name="Group 33">
                   <a:extLst>
                     <a:ext uri="{FF2B5EF4-FFF2-40B4-BE49-F238E27FC236}">
-                      <a16:creationId xmlns:a16="http://schemas.microsoft.com/office/drawing/2014/main" id="{B38F9CC2-0188-7846-B585-8B5AB6C3176C}"/>
+                      <a16:creationId xmlns:a16="http://schemas.microsoft.com/office/drawing/2014/main" id="{DBC675C5-2CA1-3F4E-BA90-A28203D9FAE2}"/>
                     </a:ext>
                   </a:extLst>
                 </p:cNvPr>
@@ -4394,18 +3847,78 @@
               </p:nvGrpSpPr>
               <p:grpSpPr>
                 <a:xfrm>
-                  <a:off x="1389790" y="3374341"/>
-                  <a:ext cx="2045581" cy="792925"/>
-                  <a:chOff x="1395925" y="869219"/>
-                  <a:chExt cx="2045581" cy="2318129"/>
+                  <a:off x="483145" y="735722"/>
+                  <a:ext cx="2090551" cy="2332034"/>
+                  <a:chOff x="1395925" y="855314"/>
+                  <a:chExt cx="2090551" cy="2332034"/>
                 </a:xfrm>
               </p:grpSpPr>
+              <p:pic>
+                <p:nvPicPr>
+                  <p:cNvPr id="4" name="Picture 3" descr="A screenshot of a video game&#10;&#10;Description automatically generated with medium confidence">
+                    <a:extLst>
+                      <a:ext uri="{FF2B5EF4-FFF2-40B4-BE49-F238E27FC236}">
+                        <a16:creationId xmlns:a16="http://schemas.microsoft.com/office/drawing/2014/main" id="{F429C94E-327A-E24B-A262-C84031BEF367}"/>
+                      </a:ext>
+                    </a:extLst>
+                  </p:cNvPr>
+                  <p:cNvPicPr>
+                    <a:picLocks noChangeAspect="1"/>
+                  </p:cNvPicPr>
+                  <p:nvPr/>
+                </p:nvPicPr>
+                <p:blipFill>
+                  <a:blip r:embed="rId5"/>
+                  <a:stretch>
+                    <a:fillRect/>
+                  </a:stretch>
+                </p:blipFill>
+                <p:spPr>
+                  <a:xfrm>
+                    <a:off x="1468903" y="1162216"/>
+                    <a:ext cx="635222" cy="134955"/>
+                  </a:xfrm>
+                  <a:prstGeom prst="rect">
+                    <a:avLst/>
+                  </a:prstGeom>
+                </p:spPr>
+              </p:pic>
+              <p:pic>
+                <p:nvPicPr>
+                  <p:cNvPr id="22" name="Picture 21">
+                    <a:extLst>
+                      <a:ext uri="{FF2B5EF4-FFF2-40B4-BE49-F238E27FC236}">
+                        <a16:creationId xmlns:a16="http://schemas.microsoft.com/office/drawing/2014/main" id="{AC7A165E-8B12-0F4D-80D4-F4D81D40366C}"/>
+                      </a:ext>
+                    </a:extLst>
+                  </p:cNvPr>
+                  <p:cNvPicPr>
+                    <a:picLocks noChangeAspect="1"/>
+                  </p:cNvPicPr>
+                  <p:nvPr/>
+                </p:nvPicPr>
+                <p:blipFill>
+                  <a:blip r:embed="rId6"/>
+                  <a:stretch>
+                    <a:fillRect/>
+                  </a:stretch>
+                </p:blipFill>
+                <p:spPr>
+                  <a:xfrm>
+                    <a:off x="1466227" y="2675450"/>
+                    <a:ext cx="1472851" cy="169495"/>
+                  </a:xfrm>
+                  <a:prstGeom prst="rect">
+                    <a:avLst/>
+                  </a:prstGeom>
+                </p:spPr>
+              </p:pic>
               <p:sp>
                 <p:nvSpPr>
-                  <p:cNvPr id="132" name="TextBox 131">
+                  <p:cNvPr id="79" name="TextBox 78">
                     <a:extLst>
                       <a:ext uri="{FF2B5EF4-FFF2-40B4-BE49-F238E27FC236}">
-                        <a16:creationId xmlns:a16="http://schemas.microsoft.com/office/drawing/2014/main" id="{F58967DE-CDD1-0441-AB30-78CF2E182EA2}"/>
+                        <a16:creationId xmlns:a16="http://schemas.microsoft.com/office/drawing/2014/main" id="{094D9467-08B7-9442-9103-0167DB802323}"/>
                       </a:ext>
                     </a:extLst>
                   </p:cNvPr>
@@ -4414,8 +3927,8 @@
                 </p:nvSpPr>
                 <p:spPr>
                   <a:xfrm>
-                    <a:off x="1837455" y="870695"/>
-                    <a:ext cx="1164427" cy="307777"/>
+                    <a:off x="1941996" y="855314"/>
+                    <a:ext cx="951940" cy="307777"/>
                   </a:xfrm>
                   <a:prstGeom prst="rect">
                     <a:avLst/>
@@ -4431,17 +3944,17 @@
                     <a:pPr algn="ctr"/>
                     <a:r>
                       <a:rPr lang="en-US" sz="1400" b="1" dirty="0"/>
-                      <a:t>Environment</a:t>
+                      <a:t>Economy</a:t>
                     </a:r>
                   </a:p>
                 </p:txBody>
               </p:sp>
               <p:sp>
                 <p:nvSpPr>
-                  <p:cNvPr id="133" name="TextBox 132">
+                  <p:cNvPr id="29" name="TextBox 28">
                     <a:extLst>
                       <a:ext uri="{FF2B5EF4-FFF2-40B4-BE49-F238E27FC236}">
-                        <a16:creationId xmlns:a16="http://schemas.microsoft.com/office/drawing/2014/main" id="{7ED85BE2-62C5-3548-8C6E-7084AAB01312}"/>
+                        <a16:creationId xmlns:a16="http://schemas.microsoft.com/office/drawing/2014/main" id="{6D320736-1934-BB43-B32C-8052E2653EAB}"/>
                       </a:ext>
                     </a:extLst>
                   </p:cNvPr>
@@ -4450,8 +3963,8 @@
                 </p:nvSpPr>
                 <p:spPr>
                   <a:xfrm>
-                    <a:off x="1789973" y="2099446"/>
-                    <a:ext cx="1486701" cy="764821"/>
+                    <a:off x="1786514" y="1208009"/>
+                    <a:ext cx="1486701" cy="261610"/>
                   </a:xfrm>
                   <a:prstGeom prst="rect">
                     <a:avLst/>
@@ -4466,17 +3979,312 @@
                   <a:p>
                     <a:r>
                       <a:rPr lang="en-US" sz="1100" b="1" i="1" dirty="0"/>
-                      <a:t>Air quality</a:t>
+                      <a:t>Consumer spending</a:t>
+                    </a:r>
+                  </a:p>
+                </p:txBody>
+              </p:sp>
+              <p:pic>
+                <p:nvPicPr>
+                  <p:cNvPr id="80" name="Picture 79" descr="A screenshot of a video game&#10;&#10;Description automatically generated with medium confidence">
+                    <a:extLst>
+                      <a:ext uri="{FF2B5EF4-FFF2-40B4-BE49-F238E27FC236}">
+                        <a16:creationId xmlns:a16="http://schemas.microsoft.com/office/drawing/2014/main" id="{2DC6CC6F-B429-6D4C-BEDD-550B5A2FCE81}"/>
+                      </a:ext>
+                    </a:extLst>
+                  </p:cNvPr>
+                  <p:cNvPicPr>
+                    <a:picLocks noChangeAspect="1"/>
+                  </p:cNvPicPr>
+                  <p:nvPr/>
+                </p:nvPicPr>
+                <p:blipFill>
+                  <a:blip r:embed="rId5"/>
+                  <a:stretch>
+                    <a:fillRect/>
+                  </a:stretch>
+                </p:blipFill>
+                <p:spPr>
+                  <a:xfrm>
+                    <a:off x="1466227" y="1448852"/>
+                    <a:ext cx="635222" cy="134955"/>
+                  </a:xfrm>
+                  <a:prstGeom prst="rect">
+                    <a:avLst/>
+                  </a:prstGeom>
+                </p:spPr>
+              </p:pic>
+              <p:sp>
+                <p:nvSpPr>
+                  <p:cNvPr id="81" name="TextBox 80">
+                    <a:extLst>
+                      <a:ext uri="{FF2B5EF4-FFF2-40B4-BE49-F238E27FC236}">
+                        <a16:creationId xmlns:a16="http://schemas.microsoft.com/office/drawing/2014/main" id="{F8B65C48-456C-404D-9134-4BD7CAEAFDA5}"/>
+                      </a:ext>
+                    </a:extLst>
+                  </p:cNvPr>
+                  <p:cNvSpPr txBox="1"/>
+                  <p:nvPr/>
+                </p:nvSpPr>
+                <p:spPr>
+                  <a:xfrm>
+                    <a:off x="1783838" y="1494645"/>
+                    <a:ext cx="1486701" cy="261610"/>
+                  </a:xfrm>
+                  <a:prstGeom prst="rect">
+                    <a:avLst/>
+                  </a:prstGeom>
+                  <a:noFill/>
+                </p:spPr>
+                <p:txBody>
+                  <a:bodyPr wrap="square" rtlCol="0">
+                    <a:spAutoFit/>
+                  </a:bodyPr>
+                  <a:lstStyle/>
+                  <a:p>
+                    <a:r>
+                      <a:rPr lang="en-US" sz="1100" b="1" i="1" dirty="0"/>
+                      <a:t>Employment</a:t>
+                    </a:r>
+                  </a:p>
+                </p:txBody>
+              </p:sp>
+              <p:pic>
+                <p:nvPicPr>
+                  <p:cNvPr id="82" name="Picture 81" descr="A screenshot of a video game&#10;&#10;Description automatically generated with medium confidence">
+                    <a:extLst>
+                      <a:ext uri="{FF2B5EF4-FFF2-40B4-BE49-F238E27FC236}">
+                        <a16:creationId xmlns:a16="http://schemas.microsoft.com/office/drawing/2014/main" id="{EDD0E092-CF57-6C44-BF4E-2A0EFCD08B2A}"/>
+                      </a:ext>
+                    </a:extLst>
+                  </p:cNvPr>
+                  <p:cNvPicPr>
+                    <a:picLocks noChangeAspect="1"/>
+                  </p:cNvPicPr>
+                  <p:nvPr/>
+                </p:nvPicPr>
+                <p:blipFill>
+                  <a:blip r:embed="rId5"/>
+                  <a:stretch>
+                    <a:fillRect/>
+                  </a:stretch>
+                </p:blipFill>
+                <p:spPr>
+                  <a:xfrm>
+                    <a:off x="1466227" y="1746992"/>
+                    <a:ext cx="635222" cy="134955"/>
+                  </a:xfrm>
+                  <a:prstGeom prst="rect">
+                    <a:avLst/>
+                  </a:prstGeom>
+                </p:spPr>
+              </p:pic>
+              <p:sp>
+                <p:nvSpPr>
+                  <p:cNvPr id="83" name="TextBox 82">
+                    <a:extLst>
+                      <a:ext uri="{FF2B5EF4-FFF2-40B4-BE49-F238E27FC236}">
+                        <a16:creationId xmlns:a16="http://schemas.microsoft.com/office/drawing/2014/main" id="{BDBD9EB4-2AB7-3B49-88EC-E5C1EC2663F5}"/>
+                      </a:ext>
+                    </a:extLst>
+                  </p:cNvPr>
+                  <p:cNvSpPr txBox="1"/>
+                  <p:nvPr/>
+                </p:nvSpPr>
+                <p:spPr>
+                  <a:xfrm>
+                    <a:off x="1783838" y="1792785"/>
+                    <a:ext cx="1486701" cy="261610"/>
+                  </a:xfrm>
+                  <a:prstGeom prst="rect">
+                    <a:avLst/>
+                  </a:prstGeom>
+                  <a:noFill/>
+                </p:spPr>
+                <p:txBody>
+                  <a:bodyPr wrap="square" rtlCol="0">
+                    <a:spAutoFit/>
+                  </a:bodyPr>
+                  <a:lstStyle/>
+                  <a:p>
+                    <a:r>
+                      <a:rPr lang="en-US" sz="1100" b="1" i="1" dirty="0"/>
+                      <a:t>Job Postings</a:t>
+                    </a:r>
+                  </a:p>
+                </p:txBody>
+              </p:sp>
+              <p:pic>
+                <p:nvPicPr>
+                  <p:cNvPr id="85" name="Picture 84" descr="A screenshot of a video game&#10;&#10;Description automatically generated with medium confidence">
+                    <a:extLst>
+                      <a:ext uri="{FF2B5EF4-FFF2-40B4-BE49-F238E27FC236}">
+                        <a16:creationId xmlns:a16="http://schemas.microsoft.com/office/drawing/2014/main" id="{E54025FF-F751-5F45-BFC8-10C5FE03C82E}"/>
+                      </a:ext>
+                    </a:extLst>
+                  </p:cNvPr>
+                  <p:cNvPicPr>
+                    <a:picLocks noChangeAspect="1"/>
+                  </p:cNvPicPr>
+                  <p:nvPr/>
+                </p:nvPicPr>
+                <p:blipFill>
+                  <a:blip r:embed="rId5"/>
+                  <a:stretch>
+                    <a:fillRect/>
+                  </a:stretch>
+                </p:blipFill>
+                <p:spPr>
+                  <a:xfrm>
+                    <a:off x="1466227" y="2047012"/>
+                    <a:ext cx="635222" cy="134955"/>
+                  </a:xfrm>
+                  <a:prstGeom prst="rect">
+                    <a:avLst/>
+                  </a:prstGeom>
+                </p:spPr>
+              </p:pic>
+              <p:sp>
+                <p:nvSpPr>
+                  <p:cNvPr id="87" name="TextBox 86">
+                    <a:extLst>
+                      <a:ext uri="{FF2B5EF4-FFF2-40B4-BE49-F238E27FC236}">
+                        <a16:creationId xmlns:a16="http://schemas.microsoft.com/office/drawing/2014/main" id="{D0C01BC5-73B3-DC40-B972-3071591589BA}"/>
+                      </a:ext>
+                    </a:extLst>
+                  </p:cNvPr>
+                  <p:cNvSpPr txBox="1"/>
+                  <p:nvPr/>
+                </p:nvSpPr>
+                <p:spPr>
+                  <a:xfrm>
+                    <a:off x="1783838" y="2092805"/>
+                    <a:ext cx="1702638" cy="261610"/>
+                  </a:xfrm>
+                  <a:prstGeom prst="rect">
+                    <a:avLst/>
+                  </a:prstGeom>
+                  <a:noFill/>
+                </p:spPr>
+                <p:txBody>
+                  <a:bodyPr wrap="square" rtlCol="0">
+                    <a:spAutoFit/>
+                  </a:bodyPr>
+                  <a:lstStyle/>
+                  <a:p>
+                    <a:r>
+                      <a:rPr lang="en-US" sz="1100" b="1" i="1" dirty="0"/>
+                      <a:t>Small business opening</a:t>
+                    </a:r>
+                  </a:p>
+                </p:txBody>
+              </p:sp>
+              <p:pic>
+                <p:nvPicPr>
+                  <p:cNvPr id="125" name="Picture 124" descr="A screenshot of a video game&#10;&#10;Description automatically generated with medium confidence">
+                    <a:extLst>
+                      <a:ext uri="{FF2B5EF4-FFF2-40B4-BE49-F238E27FC236}">
+                        <a16:creationId xmlns:a16="http://schemas.microsoft.com/office/drawing/2014/main" id="{1A4329DE-06DB-7A47-B449-029C5615A900}"/>
+                      </a:ext>
+                    </a:extLst>
+                  </p:cNvPr>
+                  <p:cNvPicPr>
+                    <a:picLocks noChangeAspect="1"/>
+                  </p:cNvPicPr>
+                  <p:nvPr/>
+                </p:nvPicPr>
+                <p:blipFill>
+                  <a:blip r:embed="rId5"/>
+                  <a:stretch>
+                    <a:fillRect/>
+                  </a:stretch>
+                </p:blipFill>
+                <p:spPr>
+                  <a:xfrm>
+                    <a:off x="1466227" y="2379936"/>
+                    <a:ext cx="635222" cy="134955"/>
+                  </a:xfrm>
+                  <a:prstGeom prst="rect">
+                    <a:avLst/>
+                  </a:prstGeom>
+                </p:spPr>
+              </p:pic>
+              <p:sp>
+                <p:nvSpPr>
+                  <p:cNvPr id="126" name="TextBox 125">
+                    <a:extLst>
+                      <a:ext uri="{FF2B5EF4-FFF2-40B4-BE49-F238E27FC236}">
+                        <a16:creationId xmlns:a16="http://schemas.microsoft.com/office/drawing/2014/main" id="{D8D5AD7B-824E-6947-A050-3F400A344F7D}"/>
+                      </a:ext>
+                    </a:extLst>
+                  </p:cNvPr>
+                  <p:cNvSpPr txBox="1"/>
+                  <p:nvPr/>
+                </p:nvSpPr>
+                <p:spPr>
+                  <a:xfrm>
+                    <a:off x="1783838" y="2425729"/>
+                    <a:ext cx="1702638" cy="261610"/>
+                  </a:xfrm>
+                  <a:prstGeom prst="rect">
+                    <a:avLst/>
+                  </a:prstGeom>
+                  <a:noFill/>
+                </p:spPr>
+                <p:txBody>
+                  <a:bodyPr wrap="square" rtlCol="0">
+                    <a:spAutoFit/>
+                  </a:bodyPr>
+                  <a:lstStyle/>
+                  <a:p>
+                    <a:r>
+                      <a:rPr lang="en-US" sz="1100" b="1" i="1" dirty="0"/>
+                      <a:t>Small business revenue</a:t>
                     </a:r>
                   </a:p>
                 </p:txBody>
               </p:sp>
               <p:sp>
                 <p:nvSpPr>
-                  <p:cNvPr id="148" name="Rounded Rectangle 147">
+                  <p:cNvPr id="127" name="TextBox 126">
                     <a:extLst>
                       <a:ext uri="{FF2B5EF4-FFF2-40B4-BE49-F238E27FC236}">
-                        <a16:creationId xmlns:a16="http://schemas.microsoft.com/office/drawing/2014/main" id="{8827FE9E-0BA2-3947-B631-2226803E1D66}"/>
+                        <a16:creationId xmlns:a16="http://schemas.microsoft.com/office/drawing/2014/main" id="{D47AFB92-34EB-2748-8847-C27F47BC8444}"/>
+                      </a:ext>
+                    </a:extLst>
+                  </p:cNvPr>
+                  <p:cNvSpPr txBox="1"/>
+                  <p:nvPr/>
+                </p:nvSpPr>
+                <p:spPr>
+                  <a:xfrm>
+                    <a:off x="1783838" y="2814229"/>
+                    <a:ext cx="1442216" cy="261610"/>
+                  </a:xfrm>
+                  <a:prstGeom prst="rect">
+                    <a:avLst/>
+                  </a:prstGeom>
+                  <a:noFill/>
+                </p:spPr>
+                <p:txBody>
+                  <a:bodyPr wrap="square" rtlCol="0">
+                    <a:spAutoFit/>
+                  </a:bodyPr>
+                  <a:lstStyle/>
+                  <a:p>
+                    <a:r>
+                      <a:rPr lang="en-US" sz="1100" b="1" i="1" dirty="0"/>
+                      <a:t>Real estate activity</a:t>
+                    </a:r>
+                  </a:p>
+                </p:txBody>
+              </p:sp>
+              <p:sp>
+                <p:nvSpPr>
+                  <p:cNvPr id="30" name="Rounded Rectangle 29">
+                    <a:extLst>
+                      <a:ext uri="{FF2B5EF4-FFF2-40B4-BE49-F238E27FC236}">
+                        <a16:creationId xmlns:a16="http://schemas.microsoft.com/office/drawing/2014/main" id="{74736B0A-9345-5B4A-8289-F78AA10C9867}"/>
                       </a:ext>
                     </a:extLst>
                   </p:cNvPr>
@@ -4525,1032 +4333,12 @@
                 </p:txBody>
               </p:sp>
             </p:grpSp>
-          </p:grpSp>
-          <p:grpSp>
-            <p:nvGrpSpPr>
-              <p:cNvPr id="151" name="Group 150">
-                <a:extLst>
-                  <a:ext uri="{FF2B5EF4-FFF2-40B4-BE49-F238E27FC236}">
-                    <a16:creationId xmlns:a16="http://schemas.microsoft.com/office/drawing/2014/main" id="{45AFEBDA-0DB8-224D-B0F6-A92632489B8D}"/>
-                  </a:ext>
-                </a:extLst>
-              </p:cNvPr>
-              <p:cNvGrpSpPr/>
-              <p:nvPr/>
-            </p:nvGrpSpPr>
-            <p:grpSpPr>
-              <a:xfrm>
-                <a:off x="1641618" y="5626952"/>
-                <a:ext cx="2045581" cy="802382"/>
-                <a:chOff x="1395925" y="841571"/>
-                <a:chExt cx="2045581" cy="2345777"/>
-              </a:xfrm>
-            </p:grpSpPr>
-            <p:sp>
-              <p:nvSpPr>
-                <p:cNvPr id="152" name="TextBox 151">
+            <p:grpSp>
+              <p:nvGrpSpPr>
+                <p:cNvPr id="36" name="Group 35">
                   <a:extLst>
                     <a:ext uri="{FF2B5EF4-FFF2-40B4-BE49-F238E27FC236}">
-                      <a16:creationId xmlns:a16="http://schemas.microsoft.com/office/drawing/2014/main" id="{E10168BD-3523-7A4D-BE86-1CE0C5457B3D}"/>
-                    </a:ext>
-                  </a:extLst>
-                </p:cNvPr>
-                <p:cNvSpPr txBox="1"/>
-                <p:nvPr/>
-              </p:nvSpPr>
-              <p:spPr>
-                <a:xfrm>
-                  <a:off x="1605533" y="841571"/>
-                  <a:ext cx="1648109" cy="899791"/>
-                </a:xfrm>
-                <a:prstGeom prst="rect">
-                  <a:avLst/>
-                </a:prstGeom>
-                <a:noFill/>
-              </p:spPr>
-              <p:txBody>
-                <a:bodyPr wrap="square" rtlCol="0">
-                  <a:spAutoFit/>
-                </a:bodyPr>
-                <a:lstStyle/>
-                <a:p>
-                  <a:pPr algn="ctr"/>
-                  <a:r>
-                    <a:rPr lang="en-US" sz="1400" b="1" dirty="0"/>
-                    <a:t>Community Needs</a:t>
-                  </a:r>
-                </a:p>
-              </p:txBody>
-            </p:sp>
-            <p:sp>
-              <p:nvSpPr>
-                <p:cNvPr id="153" name="TextBox 152">
-                  <a:extLst>
-                    <a:ext uri="{FF2B5EF4-FFF2-40B4-BE49-F238E27FC236}">
-                      <a16:creationId xmlns:a16="http://schemas.microsoft.com/office/drawing/2014/main" id="{12881349-A790-8A44-997B-BAE032AEAA83}"/>
-                    </a:ext>
-                  </a:extLst>
-                </p:cNvPr>
-                <p:cNvSpPr txBox="1"/>
-                <p:nvPr/>
-              </p:nvSpPr>
-              <p:spPr>
-                <a:xfrm>
-                  <a:off x="1780605" y="2225403"/>
-                  <a:ext cx="1648110" cy="764821"/>
-                </a:xfrm>
-                <a:prstGeom prst="rect">
-                  <a:avLst/>
-                </a:prstGeom>
-                <a:noFill/>
-              </p:spPr>
-              <p:txBody>
-                <a:bodyPr wrap="square" rtlCol="0">
-                  <a:spAutoFit/>
-                </a:bodyPr>
-                <a:lstStyle/>
-                <a:p>
-                  <a:r>
-                    <a:rPr lang="en-US" sz="1100" b="1" i="1" dirty="0"/>
-                    <a:t>211 calls about needs</a:t>
-                  </a:r>
-                </a:p>
-              </p:txBody>
-            </p:sp>
-            <p:sp>
-              <p:nvSpPr>
-                <p:cNvPr id="154" name="Rounded Rectangle 153">
-                  <a:extLst>
-                    <a:ext uri="{FF2B5EF4-FFF2-40B4-BE49-F238E27FC236}">
-                      <a16:creationId xmlns:a16="http://schemas.microsoft.com/office/drawing/2014/main" id="{D2D62831-4E49-9843-9DC2-537BF2642742}"/>
-                    </a:ext>
-                  </a:extLst>
-                </p:cNvPr>
-                <p:cNvSpPr/>
-                <p:nvPr/>
-              </p:nvSpPr>
-              <p:spPr>
-                <a:xfrm>
-                  <a:off x="1395925" y="869219"/>
-                  <a:ext cx="2045581" cy="2318129"/>
-                </a:xfrm>
-                <a:prstGeom prst="roundRect">
-                  <a:avLst/>
-                </a:prstGeom>
-                <a:noFill/>
-                <a:ln w="28575">
-                  <a:solidFill>
-                    <a:schemeClr val="tx1"/>
-                  </a:solidFill>
-                  <a:prstDash val="dash"/>
-                </a:ln>
-              </p:spPr>
-              <p:style>
-                <a:lnRef idx="2">
-                  <a:schemeClr val="accent1">
-                    <a:shade val="50000"/>
-                  </a:schemeClr>
-                </a:lnRef>
-                <a:fillRef idx="1">
-                  <a:schemeClr val="accent1"/>
-                </a:fillRef>
-                <a:effectRef idx="0">
-                  <a:schemeClr val="accent1"/>
-                </a:effectRef>
-                <a:fontRef idx="minor">
-                  <a:schemeClr val="lt1"/>
-                </a:fontRef>
-              </p:style>
-              <p:txBody>
-                <a:bodyPr rtlCol="0" anchor="ctr"/>
-                <a:lstStyle/>
-                <a:p>
-                  <a:pPr algn="ctr"/>
-                  <a:endParaRPr lang="en-US"/>
-                </a:p>
-              </p:txBody>
-            </p:sp>
-          </p:grpSp>
-          <p:grpSp>
-            <p:nvGrpSpPr>
-              <p:cNvPr id="38" name="Group 37">
-                <a:extLst>
-                  <a:ext uri="{FF2B5EF4-FFF2-40B4-BE49-F238E27FC236}">
-                    <a16:creationId xmlns:a16="http://schemas.microsoft.com/office/drawing/2014/main" id="{34A3252B-41BA-B941-881C-45FEF58C3520}"/>
-                  </a:ext>
-                </a:extLst>
-              </p:cNvPr>
-              <p:cNvGrpSpPr/>
-              <p:nvPr/>
-            </p:nvGrpSpPr>
-            <p:grpSpPr>
-              <a:xfrm>
-                <a:off x="2988730" y="744894"/>
-                <a:ext cx="2090551" cy="2611940"/>
-                <a:chOff x="3644001" y="842463"/>
-                <a:chExt cx="2090551" cy="2611940"/>
-              </a:xfrm>
-            </p:grpSpPr>
-            <p:pic>
-              <p:nvPicPr>
-                <p:cNvPr id="8" name="Picture 7">
-                  <a:extLst>
-                    <a:ext uri="{FF2B5EF4-FFF2-40B4-BE49-F238E27FC236}">
-                      <a16:creationId xmlns:a16="http://schemas.microsoft.com/office/drawing/2014/main" id="{DC359AE9-C79C-3F4D-9D83-1E0ECD9BC0A7}"/>
-                    </a:ext>
-                  </a:extLst>
-                </p:cNvPr>
-                <p:cNvPicPr>
-                  <a:picLocks noChangeAspect="1"/>
-                </p:cNvPicPr>
-                <p:nvPr/>
-              </p:nvPicPr>
-              <p:blipFill>
-                <a:blip r:embed="rId8"/>
-                <a:stretch>
-                  <a:fillRect/>
-                </a:stretch>
-              </p:blipFill>
-              <p:spPr>
-                <a:xfrm>
-                  <a:off x="3732564" y="1359128"/>
-                  <a:ext cx="1330090" cy="97840"/>
-                </a:xfrm>
-                <a:prstGeom prst="rect">
-                  <a:avLst/>
-                </a:prstGeom>
-              </p:spPr>
-            </p:pic>
-            <p:pic>
-              <p:nvPicPr>
-                <p:cNvPr id="10" name="Picture 9">
-                  <a:extLst>
-                    <a:ext uri="{FF2B5EF4-FFF2-40B4-BE49-F238E27FC236}">
-                      <a16:creationId xmlns:a16="http://schemas.microsoft.com/office/drawing/2014/main" id="{8BFB3034-79DB-3B49-96ED-6E8DE454F34F}"/>
-                    </a:ext>
-                  </a:extLst>
-                </p:cNvPr>
-                <p:cNvPicPr>
-                  <a:picLocks noChangeAspect="1"/>
-                </p:cNvPicPr>
-                <p:nvPr/>
-              </p:nvPicPr>
-              <p:blipFill rotWithShape="1">
-                <a:blip r:embed="rId9"/>
-                <a:srcRect t="-1" r="79803" b="3903"/>
-                <a:stretch/>
-              </p:blipFill>
-              <p:spPr>
-                <a:xfrm>
-                  <a:off x="3759115" y="2400732"/>
-                  <a:ext cx="726541" cy="245369"/>
-                </a:xfrm>
-                <a:prstGeom prst="rect">
-                  <a:avLst/>
-                </a:prstGeom>
-              </p:spPr>
-            </p:pic>
-            <p:pic>
-              <p:nvPicPr>
-                <p:cNvPr id="12" name="Picture 11" descr="Logo&#10;&#10;Description automatically generated">
-                  <a:extLst>
-                    <a:ext uri="{FF2B5EF4-FFF2-40B4-BE49-F238E27FC236}">
-                      <a16:creationId xmlns:a16="http://schemas.microsoft.com/office/drawing/2014/main" id="{08830DE2-9C30-F54F-8C92-7C525D3326F4}"/>
-                    </a:ext>
-                  </a:extLst>
-                </p:cNvPr>
-                <p:cNvPicPr>
-                  <a:picLocks noChangeAspect="1"/>
-                </p:cNvPicPr>
-                <p:nvPr/>
-              </p:nvPicPr>
-              <p:blipFill>
-                <a:blip r:embed="rId10"/>
-                <a:stretch>
-                  <a:fillRect/>
-                </a:stretch>
-              </p:blipFill>
-              <p:spPr>
-                <a:xfrm>
-                  <a:off x="3725551" y="2929102"/>
-                  <a:ext cx="922919" cy="224948"/>
-                </a:xfrm>
-                <a:prstGeom prst="rect">
-                  <a:avLst/>
-                </a:prstGeom>
-              </p:spPr>
-            </p:pic>
-            <p:pic>
-              <p:nvPicPr>
-                <p:cNvPr id="15" name="Picture 14" descr="A picture containing text, clipart&#10;&#10;Description automatically generated">
-                  <a:extLst>
-                    <a:ext uri="{FF2B5EF4-FFF2-40B4-BE49-F238E27FC236}">
-                      <a16:creationId xmlns:a16="http://schemas.microsoft.com/office/drawing/2014/main" id="{8BC550CD-0143-9A4D-BADC-04F0CD6893AE}"/>
-                    </a:ext>
-                  </a:extLst>
-                </p:cNvPr>
-                <p:cNvPicPr>
-                  <a:picLocks noChangeAspect="1"/>
-                </p:cNvPicPr>
-                <p:nvPr/>
-              </p:nvPicPr>
-              <p:blipFill>
-                <a:blip r:embed="rId11"/>
-                <a:stretch>
-                  <a:fillRect/>
-                </a:stretch>
-              </p:blipFill>
-              <p:spPr>
-                <a:xfrm>
-                  <a:off x="3732564" y="1663848"/>
-                  <a:ext cx="609906" cy="189281"/>
-                </a:xfrm>
-                <a:prstGeom prst="rect">
-                  <a:avLst/>
-                </a:prstGeom>
-              </p:spPr>
-            </p:pic>
-            <p:sp>
-              <p:nvSpPr>
-                <p:cNvPr id="160" name="TextBox 159">
-                  <a:extLst>
-                    <a:ext uri="{FF2B5EF4-FFF2-40B4-BE49-F238E27FC236}">
-                      <a16:creationId xmlns:a16="http://schemas.microsoft.com/office/drawing/2014/main" id="{89209227-5E3C-9C47-92DC-71A7D0F2235F}"/>
-                    </a:ext>
-                  </a:extLst>
-                </p:cNvPr>
-                <p:cNvSpPr txBox="1"/>
-                <p:nvPr/>
-              </p:nvSpPr>
-              <p:spPr>
-                <a:xfrm>
-                  <a:off x="3779299" y="842463"/>
-                  <a:ext cx="1774983" cy="523220"/>
-                </a:xfrm>
-                <a:prstGeom prst="rect">
-                  <a:avLst/>
-                </a:prstGeom>
-                <a:noFill/>
-              </p:spPr>
-              <p:txBody>
-                <a:bodyPr wrap="square" rtlCol="0">
-                  <a:spAutoFit/>
-                </a:bodyPr>
-                <a:lstStyle/>
-                <a:p>
-                  <a:pPr algn="ctr"/>
-                  <a:r>
-                    <a:rPr lang="en-US" sz="1400" b="1" dirty="0"/>
-                    <a:t>Transportation &amp; Mobility</a:t>
-                  </a:r>
-                </a:p>
-              </p:txBody>
-            </p:sp>
-            <p:sp>
-              <p:nvSpPr>
-                <p:cNvPr id="163" name="TextBox 162">
-                  <a:extLst>
-                    <a:ext uri="{FF2B5EF4-FFF2-40B4-BE49-F238E27FC236}">
-                      <a16:creationId xmlns:a16="http://schemas.microsoft.com/office/drawing/2014/main" id="{611B8442-5D90-8B4B-B306-900D1CEC6421}"/>
-                    </a:ext>
-                  </a:extLst>
-                </p:cNvPr>
-                <p:cNvSpPr txBox="1"/>
-                <p:nvPr/>
-              </p:nvSpPr>
-              <p:spPr>
-                <a:xfrm>
-                  <a:off x="4031914" y="1412892"/>
-                  <a:ext cx="1486701" cy="261610"/>
-                </a:xfrm>
-                <a:prstGeom prst="rect">
-                  <a:avLst/>
-                </a:prstGeom>
-                <a:noFill/>
-              </p:spPr>
-              <p:txBody>
-                <a:bodyPr wrap="square" rtlCol="0">
-                  <a:spAutoFit/>
-                </a:bodyPr>
-                <a:lstStyle/>
-                <a:p>
-                  <a:r>
-                    <a:rPr lang="en-US" sz="1100" b="1" i="1" dirty="0"/>
-                    <a:t>Flight departures</a:t>
-                  </a:r>
-                </a:p>
-              </p:txBody>
-            </p:sp>
-            <p:sp>
-              <p:nvSpPr>
-                <p:cNvPr id="166" name="TextBox 165">
-                  <a:extLst>
-                    <a:ext uri="{FF2B5EF4-FFF2-40B4-BE49-F238E27FC236}">
-                      <a16:creationId xmlns:a16="http://schemas.microsoft.com/office/drawing/2014/main" id="{1DB1853B-6968-9B4A-9D15-DA35FBAF5FF6}"/>
-                    </a:ext>
-                  </a:extLst>
-                </p:cNvPr>
-                <p:cNvSpPr txBox="1"/>
-                <p:nvPr/>
-              </p:nvSpPr>
-              <p:spPr>
-                <a:xfrm>
-                  <a:off x="4031914" y="1789050"/>
-                  <a:ext cx="1635765" cy="261610"/>
-                </a:xfrm>
-                <a:prstGeom prst="rect">
-                  <a:avLst/>
-                </a:prstGeom>
-                <a:noFill/>
-              </p:spPr>
-              <p:txBody>
-                <a:bodyPr wrap="square" rtlCol="0">
-                  <a:spAutoFit/>
-                </a:bodyPr>
-                <a:lstStyle/>
-                <a:p>
-                  <a:r>
-                    <a:rPr lang="en-US" sz="1100" b="1" i="1" dirty="0"/>
-                    <a:t>Public transit ridership</a:t>
-                  </a:r>
-                </a:p>
-              </p:txBody>
-            </p:sp>
-            <p:sp>
-              <p:nvSpPr>
-                <p:cNvPr id="170" name="TextBox 169">
-                  <a:extLst>
-                    <a:ext uri="{FF2B5EF4-FFF2-40B4-BE49-F238E27FC236}">
-                      <a16:creationId xmlns:a16="http://schemas.microsoft.com/office/drawing/2014/main" id="{05B648E6-611E-A74D-AB06-A53C201589BB}"/>
-                    </a:ext>
-                  </a:extLst>
-                </p:cNvPr>
-                <p:cNvSpPr txBox="1"/>
-                <p:nvPr/>
-              </p:nvSpPr>
-              <p:spPr>
-                <a:xfrm>
-                  <a:off x="4031914" y="2198647"/>
-                  <a:ext cx="1702638" cy="261610"/>
-                </a:xfrm>
-                <a:prstGeom prst="rect">
-                  <a:avLst/>
-                </a:prstGeom>
-                <a:noFill/>
-              </p:spPr>
-              <p:txBody>
-                <a:bodyPr wrap="square" rtlCol="0">
-                  <a:spAutoFit/>
-                </a:bodyPr>
-                <a:lstStyle/>
-                <a:p>
-                  <a:r>
-                    <a:rPr lang="en-US" sz="1100" b="1" i="1" dirty="0"/>
-                    <a:t>Road traffic</a:t>
-                  </a:r>
-                </a:p>
-              </p:txBody>
-            </p:sp>
-            <p:sp>
-              <p:nvSpPr>
-                <p:cNvPr id="172" name="TextBox 171">
-                  <a:extLst>
-                    <a:ext uri="{FF2B5EF4-FFF2-40B4-BE49-F238E27FC236}">
-                      <a16:creationId xmlns:a16="http://schemas.microsoft.com/office/drawing/2014/main" id="{E4B3C00E-69E1-5943-B925-EE92769C8AA4}"/>
-                    </a:ext>
-                  </a:extLst>
-                </p:cNvPr>
-                <p:cNvSpPr txBox="1"/>
-                <p:nvPr/>
-              </p:nvSpPr>
-              <p:spPr>
-                <a:xfrm>
-                  <a:off x="4031914" y="3126599"/>
-                  <a:ext cx="1702638" cy="261610"/>
-                </a:xfrm>
-                <a:prstGeom prst="rect">
-                  <a:avLst/>
-                </a:prstGeom>
-                <a:noFill/>
-              </p:spPr>
-              <p:txBody>
-                <a:bodyPr wrap="square" rtlCol="0">
-                  <a:spAutoFit/>
-                </a:bodyPr>
-                <a:lstStyle/>
-                <a:p>
-                  <a:r>
-                    <a:rPr lang="en-US" sz="1100" b="1" i="1" dirty="0"/>
-                    <a:t>Transit mode</a:t>
-                  </a:r>
-                </a:p>
-              </p:txBody>
-            </p:sp>
-            <p:sp>
-              <p:nvSpPr>
-                <p:cNvPr id="173" name="TextBox 172">
-                  <a:extLst>
-                    <a:ext uri="{FF2B5EF4-FFF2-40B4-BE49-F238E27FC236}">
-                      <a16:creationId xmlns:a16="http://schemas.microsoft.com/office/drawing/2014/main" id="{EA6392B0-A083-B648-B3F9-70ED001DA628}"/>
-                    </a:ext>
-                  </a:extLst>
-                </p:cNvPr>
-                <p:cNvSpPr txBox="1"/>
-                <p:nvPr/>
-              </p:nvSpPr>
-              <p:spPr>
-                <a:xfrm>
-                  <a:off x="4030189" y="2599019"/>
-                  <a:ext cx="1442216" cy="261610"/>
-                </a:xfrm>
-                <a:prstGeom prst="rect">
-                  <a:avLst/>
-                </a:prstGeom>
-                <a:noFill/>
-              </p:spPr>
-              <p:txBody>
-                <a:bodyPr wrap="square" rtlCol="0">
-                  <a:spAutoFit/>
-                </a:bodyPr>
-                <a:lstStyle/>
-                <a:p>
-                  <a:r>
-                    <a:rPr lang="en-US" sz="1100" b="1" i="1" dirty="0"/>
-                    <a:t>Place stay &amp; visits</a:t>
-                  </a:r>
-                </a:p>
-              </p:txBody>
-            </p:sp>
-            <p:sp>
-              <p:nvSpPr>
-                <p:cNvPr id="174" name="Rounded Rectangle 173">
-                  <a:extLst>
-                    <a:ext uri="{FF2B5EF4-FFF2-40B4-BE49-F238E27FC236}">
-                      <a16:creationId xmlns:a16="http://schemas.microsoft.com/office/drawing/2014/main" id="{9A210CC4-AC54-DB44-A31F-499CAF0606B1}"/>
-                    </a:ext>
-                  </a:extLst>
-                </p:cNvPr>
-                <p:cNvSpPr/>
-                <p:nvPr/>
-              </p:nvSpPr>
-              <p:spPr>
-                <a:xfrm>
-                  <a:off x="3644001" y="865484"/>
-                  <a:ext cx="2045581" cy="2588919"/>
-                </a:xfrm>
-                <a:prstGeom prst="roundRect">
-                  <a:avLst/>
-                </a:prstGeom>
-                <a:noFill/>
-                <a:ln w="28575">
-                  <a:solidFill>
-                    <a:schemeClr val="tx1"/>
-                  </a:solidFill>
-                  <a:prstDash val="dash"/>
-                </a:ln>
-              </p:spPr>
-              <p:style>
-                <a:lnRef idx="2">
-                  <a:schemeClr val="accent1">
-                    <a:shade val="50000"/>
-                  </a:schemeClr>
-                </a:lnRef>
-                <a:fillRef idx="1">
-                  <a:schemeClr val="accent1"/>
-                </a:fillRef>
-                <a:effectRef idx="0">
-                  <a:schemeClr val="accent1"/>
-                </a:effectRef>
-                <a:fontRef idx="minor">
-                  <a:schemeClr val="lt1"/>
-                </a:fontRef>
-              </p:style>
-              <p:txBody>
-                <a:bodyPr rtlCol="0" anchor="ctr"/>
-                <a:lstStyle/>
-                <a:p>
-                  <a:pPr algn="ctr"/>
-                  <a:endParaRPr lang="en-US" dirty="0"/>
-                </a:p>
-              </p:txBody>
-            </p:sp>
-            <p:pic>
-              <p:nvPicPr>
-                <p:cNvPr id="175" name="Picture 4" descr="data.austintexas.gov">
-                  <a:extLst>
-                    <a:ext uri="{FF2B5EF4-FFF2-40B4-BE49-F238E27FC236}">
-                      <a16:creationId xmlns:a16="http://schemas.microsoft.com/office/drawing/2014/main" id="{16DFDFCA-180B-1E43-81C6-250D971A67FA}"/>
-                    </a:ext>
-                  </a:extLst>
-                </p:cNvPr>
-                <p:cNvPicPr>
-                  <a:picLocks noChangeAspect="1" noChangeArrowheads="1"/>
-                </p:cNvPicPr>
-                <p:nvPr/>
-              </p:nvPicPr>
-              <p:blipFill>
-                <a:blip r:embed="rId12">
-                  <a:extLst>
-                    <a:ext uri="{28A0092B-C50C-407E-A947-70E740481C1C}">
-                      <a14:useLocalDpi xmlns:a14="http://schemas.microsoft.com/office/drawing/2010/main" val="0"/>
-                    </a:ext>
-                  </a:extLst>
-                </a:blip>
-                <a:srcRect/>
-                <a:stretch>
-                  <a:fillRect/>
-                </a:stretch>
-              </p:blipFill>
-              <p:spPr bwMode="auto">
-                <a:xfrm>
-                  <a:off x="3764806" y="2035991"/>
-                  <a:ext cx="1247915" cy="193339"/>
-                </a:xfrm>
-                <a:prstGeom prst="rect">
-                  <a:avLst/>
-                </a:prstGeom>
-                <a:noFill/>
-                <a:extLst>
-                  <a:ext uri="{909E8E84-426E-40DD-AFC4-6F175D3DCCD1}">
-                    <a14:hiddenFill xmlns:a14="http://schemas.microsoft.com/office/drawing/2010/main">
-                      <a:solidFill>
-                        <a:srgbClr val="FFFFFF"/>
-                      </a:solidFill>
-                    </a14:hiddenFill>
-                  </a:ext>
-                </a:extLst>
-              </p:spPr>
-            </p:pic>
-          </p:grpSp>
-          <p:grpSp>
-            <p:nvGrpSpPr>
-              <p:cNvPr id="41" name="Group 40">
-                <a:extLst>
-                  <a:ext uri="{FF2B5EF4-FFF2-40B4-BE49-F238E27FC236}">
-                    <a16:creationId xmlns:a16="http://schemas.microsoft.com/office/drawing/2014/main" id="{AFB8F868-E43F-AD46-BCBA-CB0D16467CD6}"/>
-                  </a:ext>
-                </a:extLst>
-              </p:cNvPr>
-              <p:cNvGrpSpPr/>
-              <p:nvPr/>
-            </p:nvGrpSpPr>
-            <p:grpSpPr>
-              <a:xfrm>
-                <a:off x="2959832" y="3681617"/>
-                <a:ext cx="2045581" cy="1727720"/>
-                <a:chOff x="3901510" y="3828674"/>
-                <a:chExt cx="2045581" cy="1727720"/>
-              </a:xfrm>
-            </p:grpSpPr>
-            <p:pic>
-              <p:nvPicPr>
-                <p:cNvPr id="1030" name="Picture 6">
-                  <a:extLst>
-                    <a:ext uri="{FF2B5EF4-FFF2-40B4-BE49-F238E27FC236}">
-                      <a16:creationId xmlns:a16="http://schemas.microsoft.com/office/drawing/2014/main" id="{E5AA07DA-AAF4-7749-AB1A-D9B3B6541C01}"/>
-                    </a:ext>
-                  </a:extLst>
-                </p:cNvPr>
-                <p:cNvPicPr>
-                  <a:picLocks noChangeAspect="1" noChangeArrowheads="1"/>
-                </p:cNvPicPr>
-                <p:nvPr/>
-              </p:nvPicPr>
-              <p:blipFill>
-                <a:blip r:embed="rId13">
-                  <a:extLst>
-                    <a:ext uri="{28A0092B-C50C-407E-A947-70E740481C1C}">
-                      <a14:useLocalDpi xmlns:a14="http://schemas.microsoft.com/office/drawing/2010/main" val="0"/>
-                    </a:ext>
-                  </a:extLst>
-                </a:blip>
-                <a:srcRect/>
-                <a:stretch>
-                  <a:fillRect/>
-                </a:stretch>
-              </p:blipFill>
-              <p:spPr bwMode="auto">
-                <a:xfrm>
-                  <a:off x="4038491" y="4094889"/>
-                  <a:ext cx="393810" cy="393810"/>
-                </a:xfrm>
-                <a:prstGeom prst="rect">
-                  <a:avLst/>
-                </a:prstGeom>
-                <a:noFill/>
-                <a:extLst>
-                  <a:ext uri="{909E8E84-426E-40DD-AFC4-6F175D3DCCD1}">
-                    <a14:hiddenFill xmlns:a14="http://schemas.microsoft.com/office/drawing/2010/main">
-                      <a:solidFill>
-                        <a:srgbClr val="FFFFFF"/>
-                      </a:solidFill>
-                    </a14:hiddenFill>
-                  </a:ext>
-                </a:extLst>
-              </p:spPr>
-            </p:pic>
-            <p:sp>
-              <p:nvSpPr>
-                <p:cNvPr id="179" name="TextBox 178">
-                  <a:extLst>
-                    <a:ext uri="{FF2B5EF4-FFF2-40B4-BE49-F238E27FC236}">
-                      <a16:creationId xmlns:a16="http://schemas.microsoft.com/office/drawing/2014/main" id="{D9F405AB-934C-7647-92F6-E6EC93B58D0D}"/>
-                    </a:ext>
-                  </a:extLst>
-                </p:cNvPr>
-                <p:cNvSpPr txBox="1"/>
-                <p:nvPr/>
-              </p:nvSpPr>
-              <p:spPr>
-                <a:xfrm>
-                  <a:off x="4269344" y="3828674"/>
-                  <a:ext cx="1271437" cy="307777"/>
-                </a:xfrm>
-                <a:prstGeom prst="rect">
-                  <a:avLst/>
-                </a:prstGeom>
-                <a:noFill/>
-              </p:spPr>
-              <p:txBody>
-                <a:bodyPr wrap="square" rtlCol="0">
-                  <a:spAutoFit/>
-                </a:bodyPr>
-                <a:lstStyle/>
-                <a:p>
-                  <a:pPr algn="ctr"/>
-                  <a:r>
-                    <a:rPr lang="en-US" sz="1400" b="1" dirty="0"/>
-                    <a:t>Public Health</a:t>
-                  </a:r>
-                </a:p>
-              </p:txBody>
-            </p:sp>
-            <p:sp>
-              <p:nvSpPr>
-                <p:cNvPr id="183" name="TextBox 182">
-                  <a:extLst>
-                    <a:ext uri="{FF2B5EF4-FFF2-40B4-BE49-F238E27FC236}">
-                      <a16:creationId xmlns:a16="http://schemas.microsoft.com/office/drawing/2014/main" id="{F20FB3CA-FF56-E547-8F99-421D5F4B341E}"/>
-                    </a:ext>
-                  </a:extLst>
-                </p:cNvPr>
-                <p:cNvSpPr txBox="1"/>
-                <p:nvPr/>
-              </p:nvSpPr>
-              <p:spPr>
-                <a:xfrm>
-                  <a:off x="4383113" y="4147749"/>
-                  <a:ext cx="1486701" cy="261610"/>
-                </a:xfrm>
-                <a:prstGeom prst="rect">
-                  <a:avLst/>
-                </a:prstGeom>
-                <a:noFill/>
-              </p:spPr>
-              <p:txBody>
-                <a:bodyPr wrap="square" rtlCol="0">
-                  <a:spAutoFit/>
-                </a:bodyPr>
-                <a:lstStyle/>
-                <a:p>
-                  <a:r>
-                    <a:rPr lang="en-US" sz="1100" b="1" i="1" dirty="0"/>
-                    <a:t>COVID-19 cases</a:t>
-                  </a:r>
-                </a:p>
-              </p:txBody>
-            </p:sp>
-            <p:sp>
-              <p:nvSpPr>
-                <p:cNvPr id="191" name="Rounded Rectangle 190">
-                  <a:extLst>
-                    <a:ext uri="{FF2B5EF4-FFF2-40B4-BE49-F238E27FC236}">
-                      <a16:creationId xmlns:a16="http://schemas.microsoft.com/office/drawing/2014/main" id="{EE877B9B-BB71-4447-B9AD-5187D601B71B}"/>
-                    </a:ext>
-                  </a:extLst>
-                </p:cNvPr>
-                <p:cNvSpPr/>
-                <p:nvPr/>
-              </p:nvSpPr>
-              <p:spPr>
-                <a:xfrm>
-                  <a:off x="3901510" y="3843083"/>
-                  <a:ext cx="2045581" cy="1713311"/>
-                </a:xfrm>
-                <a:prstGeom prst="roundRect">
-                  <a:avLst/>
-                </a:prstGeom>
-                <a:noFill/>
-                <a:ln w="28575">
-                  <a:solidFill>
-                    <a:schemeClr val="tx1"/>
-                  </a:solidFill>
-                  <a:prstDash val="dash"/>
-                </a:ln>
-              </p:spPr>
-              <p:style>
-                <a:lnRef idx="2">
-                  <a:schemeClr val="accent1">
-                    <a:shade val="50000"/>
-                  </a:schemeClr>
-                </a:lnRef>
-                <a:fillRef idx="1">
-                  <a:schemeClr val="accent1"/>
-                </a:fillRef>
-                <a:effectRef idx="0">
-                  <a:schemeClr val="accent1"/>
-                </a:effectRef>
-                <a:fontRef idx="minor">
-                  <a:schemeClr val="lt1"/>
-                </a:fontRef>
-              </p:style>
-              <p:txBody>
-                <a:bodyPr rtlCol="0" anchor="ctr"/>
-                <a:lstStyle/>
-                <a:p>
-                  <a:pPr algn="ctr"/>
-                  <a:endParaRPr lang="en-US"/>
-                </a:p>
-              </p:txBody>
-            </p:sp>
-            <p:pic>
-              <p:nvPicPr>
-                <p:cNvPr id="192" name="Picture 6">
-                  <a:extLst>
-                    <a:ext uri="{FF2B5EF4-FFF2-40B4-BE49-F238E27FC236}">
-                      <a16:creationId xmlns:a16="http://schemas.microsoft.com/office/drawing/2014/main" id="{B5F4A869-A19D-3142-A1FF-0C6115D113C6}"/>
-                    </a:ext>
-                  </a:extLst>
-                </p:cNvPr>
-                <p:cNvPicPr>
-                  <a:picLocks noChangeAspect="1" noChangeArrowheads="1"/>
-                </p:cNvPicPr>
-                <p:nvPr/>
-              </p:nvPicPr>
-              <p:blipFill>
-                <a:blip r:embed="rId13">
-                  <a:extLst>
-                    <a:ext uri="{28A0092B-C50C-407E-A947-70E740481C1C}">
-                      <a14:useLocalDpi xmlns:a14="http://schemas.microsoft.com/office/drawing/2010/main" val="0"/>
-                    </a:ext>
-                  </a:extLst>
-                </a:blip>
-                <a:srcRect/>
-                <a:stretch>
-                  <a:fillRect/>
-                </a:stretch>
-              </p:blipFill>
-              <p:spPr bwMode="auto">
-                <a:xfrm>
-                  <a:off x="4038491" y="4550207"/>
-                  <a:ext cx="393810" cy="393810"/>
-                </a:xfrm>
-                <a:prstGeom prst="rect">
-                  <a:avLst/>
-                </a:prstGeom>
-                <a:noFill/>
-                <a:extLst>
-                  <a:ext uri="{909E8E84-426E-40DD-AFC4-6F175D3DCCD1}">
-                    <a14:hiddenFill xmlns:a14="http://schemas.microsoft.com/office/drawing/2010/main">
-                      <a:solidFill>
-                        <a:srgbClr val="FFFFFF"/>
-                      </a:solidFill>
-                    </a14:hiddenFill>
-                  </a:ext>
-                </a:extLst>
-              </p:spPr>
-            </p:pic>
-            <p:sp>
-              <p:nvSpPr>
-                <p:cNvPr id="193" name="TextBox 192">
-                  <a:extLst>
-                    <a:ext uri="{FF2B5EF4-FFF2-40B4-BE49-F238E27FC236}">
-                      <a16:creationId xmlns:a16="http://schemas.microsoft.com/office/drawing/2014/main" id="{82309925-705A-6D4F-98DB-8B602DAA4D2F}"/>
-                    </a:ext>
-                  </a:extLst>
-                </p:cNvPr>
-                <p:cNvSpPr txBox="1"/>
-                <p:nvPr/>
-              </p:nvSpPr>
-              <p:spPr>
-                <a:xfrm>
-                  <a:off x="4387627" y="4515811"/>
-                  <a:ext cx="1486701" cy="430887"/>
-                </a:xfrm>
-                <a:prstGeom prst="rect">
-                  <a:avLst/>
-                </a:prstGeom>
-                <a:noFill/>
-              </p:spPr>
-              <p:txBody>
-                <a:bodyPr wrap="square" rtlCol="0">
-                  <a:spAutoFit/>
-                </a:bodyPr>
-                <a:lstStyle/>
-                <a:p>
-                  <a:r>
-                    <a:rPr lang="en-US" sz="1100" b="1" i="1" dirty="0"/>
-                    <a:t>COVID-19 policies &amp; information</a:t>
-                  </a:r>
-                </a:p>
-              </p:txBody>
-            </p:sp>
-            <p:pic>
-              <p:nvPicPr>
-                <p:cNvPr id="198" name="Picture 6">
-                  <a:extLst>
-                    <a:ext uri="{FF2B5EF4-FFF2-40B4-BE49-F238E27FC236}">
-                      <a16:creationId xmlns:a16="http://schemas.microsoft.com/office/drawing/2014/main" id="{FFA7AFBE-734B-7D42-92AC-CFBE688DDAC1}"/>
-                    </a:ext>
-                  </a:extLst>
-                </p:cNvPr>
-                <p:cNvPicPr>
-                  <a:picLocks noChangeAspect="1" noChangeArrowheads="1"/>
-                </p:cNvPicPr>
-                <p:nvPr/>
-              </p:nvPicPr>
-              <p:blipFill>
-                <a:blip r:embed="rId13">
-                  <a:extLst>
-                    <a:ext uri="{28A0092B-C50C-407E-A947-70E740481C1C}">
-                      <a14:useLocalDpi xmlns:a14="http://schemas.microsoft.com/office/drawing/2010/main" val="0"/>
-                    </a:ext>
-                  </a:extLst>
-                </a:blip>
-                <a:srcRect/>
-                <a:stretch>
-                  <a:fillRect/>
-                </a:stretch>
-              </p:blipFill>
-              <p:spPr bwMode="auto">
-                <a:xfrm>
-                  <a:off x="4033977" y="5036762"/>
-                  <a:ext cx="393810" cy="393810"/>
-                </a:xfrm>
-                <a:prstGeom prst="rect">
-                  <a:avLst/>
-                </a:prstGeom>
-                <a:noFill/>
-                <a:extLst>
-                  <a:ext uri="{909E8E84-426E-40DD-AFC4-6F175D3DCCD1}">
-                    <a14:hiddenFill xmlns:a14="http://schemas.microsoft.com/office/drawing/2010/main">
-                      <a:solidFill>
-                        <a:srgbClr val="FFFFFF"/>
-                      </a:solidFill>
-                    </a14:hiddenFill>
-                  </a:ext>
-                </a:extLst>
-              </p:spPr>
-            </p:pic>
-            <p:sp>
-              <p:nvSpPr>
-                <p:cNvPr id="199" name="TextBox 198">
-                  <a:extLst>
-                    <a:ext uri="{FF2B5EF4-FFF2-40B4-BE49-F238E27FC236}">
-                      <a16:creationId xmlns:a16="http://schemas.microsoft.com/office/drawing/2014/main" id="{423A394E-239D-244C-B8C6-EDD162EC4DBB}"/>
-                    </a:ext>
-                  </a:extLst>
-                </p:cNvPr>
-                <p:cNvSpPr txBox="1"/>
-                <p:nvPr/>
-              </p:nvSpPr>
-              <p:spPr>
-                <a:xfrm>
-                  <a:off x="4383113" y="5080423"/>
-                  <a:ext cx="1563978" cy="261610"/>
-                </a:xfrm>
-                <a:prstGeom prst="rect">
-                  <a:avLst/>
-                </a:prstGeom>
-                <a:noFill/>
-              </p:spPr>
-              <p:txBody>
-                <a:bodyPr wrap="square" rtlCol="0">
-                  <a:spAutoFit/>
-                </a:bodyPr>
-                <a:lstStyle/>
-                <a:p>
-                  <a:r>
-                    <a:rPr lang="en-US" sz="1100" b="1" i="1" dirty="0"/>
-                    <a:t>COVID-19 vaccination</a:t>
-                  </a:r>
-                </a:p>
-              </p:txBody>
-            </p:sp>
-          </p:grpSp>
-          <p:grpSp>
-            <p:nvGrpSpPr>
-              <p:cNvPr id="200" name="Group 199">
-                <a:extLst>
-                  <a:ext uri="{FF2B5EF4-FFF2-40B4-BE49-F238E27FC236}">
-                    <a16:creationId xmlns:a16="http://schemas.microsoft.com/office/drawing/2014/main" id="{EB4880B7-F059-E64D-990E-658310C6A48B}"/>
-                  </a:ext>
-                </a:extLst>
-              </p:cNvPr>
-              <p:cNvGrpSpPr/>
-              <p:nvPr/>
-            </p:nvGrpSpPr>
-            <p:grpSpPr>
-              <a:xfrm>
-                <a:off x="483145" y="4533791"/>
-                <a:ext cx="2045581" cy="813349"/>
-                <a:chOff x="1393142" y="4383426"/>
-                <a:chExt cx="2045581" cy="813349"/>
-              </a:xfrm>
-            </p:grpSpPr>
-            <p:pic>
-              <p:nvPicPr>
-                <p:cNvPr id="201" name="Picture 4" descr="data.austintexas.gov">
-                  <a:extLst>
-                    <a:ext uri="{FF2B5EF4-FFF2-40B4-BE49-F238E27FC236}">
-                      <a16:creationId xmlns:a16="http://schemas.microsoft.com/office/drawing/2014/main" id="{4BFCF52F-86C1-4643-89BA-CBF99CCF1235}"/>
-                    </a:ext>
-                  </a:extLst>
-                </p:cNvPr>
-                <p:cNvPicPr>
-                  <a:picLocks noChangeAspect="1" noChangeArrowheads="1"/>
-                </p:cNvPicPr>
-                <p:nvPr/>
-              </p:nvPicPr>
-              <p:blipFill>
-                <a:blip r:embed="rId12">
-                  <a:extLst>
-                    <a:ext uri="{28A0092B-C50C-407E-A947-70E740481C1C}">
-                      <a14:useLocalDpi xmlns:a14="http://schemas.microsoft.com/office/drawing/2010/main" val="0"/>
-                    </a:ext>
-                  </a:extLst>
-                </a:blip>
-                <a:srcRect/>
-                <a:stretch>
-                  <a:fillRect/>
-                </a:stretch>
-              </p:blipFill>
-              <p:spPr bwMode="auto">
-                <a:xfrm>
-                  <a:off x="1484134" y="4637829"/>
-                  <a:ext cx="1247915" cy="193339"/>
-                </a:xfrm>
-                <a:prstGeom prst="rect">
-                  <a:avLst/>
-                </a:prstGeom>
-                <a:noFill/>
-                <a:extLst>
-                  <a:ext uri="{909E8E84-426E-40DD-AFC4-6F175D3DCCD1}">
-                    <a14:hiddenFill xmlns:a14="http://schemas.microsoft.com/office/drawing/2010/main">
-                      <a:solidFill>
-                        <a:srgbClr val="FFFFFF"/>
-                      </a:solidFill>
-                    </a14:hiddenFill>
-                  </a:ext>
-                </a:extLst>
-              </p:spPr>
-            </p:pic>
-            <p:grpSp>
-              <p:nvGrpSpPr>
-                <p:cNvPr id="202" name="Group 201">
-                  <a:extLst>
-                    <a:ext uri="{FF2B5EF4-FFF2-40B4-BE49-F238E27FC236}">
-                      <a16:creationId xmlns:a16="http://schemas.microsoft.com/office/drawing/2014/main" id="{4676945D-8462-284F-AB3D-7299D8BD1640}"/>
+                      <a16:creationId xmlns:a16="http://schemas.microsoft.com/office/drawing/2014/main" id="{294E9694-69C6-DC4F-9540-FA58E00D5027}"/>
                     </a:ext>
                   </a:extLst>
                 </p:cNvPr>
@@ -5559,18 +4347,231 @@
               </p:nvGrpSpPr>
               <p:grpSpPr>
                 <a:xfrm>
-                  <a:off x="1393142" y="4383426"/>
-                  <a:ext cx="2045581" cy="813349"/>
-                  <a:chOff x="1395925" y="809509"/>
-                  <a:chExt cx="2045581" cy="2377839"/>
+                  <a:off x="489308" y="3399748"/>
+                  <a:ext cx="2045581" cy="792925"/>
+                  <a:chOff x="1389790" y="3374341"/>
+                  <a:chExt cx="2045581" cy="792925"/>
+                </a:xfrm>
+              </p:grpSpPr>
+              <p:pic>
+                <p:nvPicPr>
+                  <p:cNvPr id="1026" name="Picture 2" descr="TCEQ Logo">
+                    <a:extLst>
+                      <a:ext uri="{FF2B5EF4-FFF2-40B4-BE49-F238E27FC236}">
+                        <a16:creationId xmlns:a16="http://schemas.microsoft.com/office/drawing/2014/main" id="{9281F760-C081-444E-8F78-1AB0CD0BDF92}"/>
+                      </a:ext>
+                    </a:extLst>
+                  </p:cNvPr>
+                  <p:cNvPicPr>
+                    <a:picLocks noChangeAspect="1" noChangeArrowheads="1"/>
+                  </p:cNvPicPr>
+                  <p:nvPr/>
+                </p:nvPicPr>
+                <p:blipFill>
+                  <a:blip r:embed="rId7">
+                    <a:extLst>
+                      <a:ext uri="{28A0092B-C50C-407E-A947-70E740481C1C}">
+                        <a14:useLocalDpi xmlns:a14="http://schemas.microsoft.com/office/drawing/2010/main" val="0"/>
+                      </a:ext>
+                    </a:extLst>
+                  </a:blip>
+                  <a:srcRect/>
+                  <a:stretch>
+                    <a:fillRect/>
+                  </a:stretch>
+                </p:blipFill>
+                <p:spPr bwMode="auto">
+                  <a:xfrm>
+                    <a:off x="1421005" y="3622340"/>
+                    <a:ext cx="1651245" cy="246981"/>
+                  </a:xfrm>
+                  <a:prstGeom prst="rect">
+                    <a:avLst/>
+                  </a:prstGeom>
+                  <a:noFill/>
+                  <a:extLst>
+                    <a:ext uri="{909E8E84-426E-40DD-AFC4-6F175D3DCCD1}">
+                      <a14:hiddenFill xmlns:a14="http://schemas.microsoft.com/office/drawing/2010/main">
+                        <a:solidFill>
+                          <a:srgbClr val="FFFFFF"/>
+                        </a:solidFill>
+                      </a14:hiddenFill>
+                    </a:ext>
+                  </a:extLst>
+                </p:spPr>
+              </p:pic>
+              <p:grpSp>
+                <p:nvGrpSpPr>
+                  <p:cNvPr id="128" name="Group 127">
+                    <a:extLst>
+                      <a:ext uri="{FF2B5EF4-FFF2-40B4-BE49-F238E27FC236}">
+                        <a16:creationId xmlns:a16="http://schemas.microsoft.com/office/drawing/2014/main" id="{B38F9CC2-0188-7846-B585-8B5AB6C3176C}"/>
+                      </a:ext>
+                    </a:extLst>
+                  </p:cNvPr>
+                  <p:cNvGrpSpPr/>
+                  <p:nvPr/>
+                </p:nvGrpSpPr>
+                <p:grpSpPr>
+                  <a:xfrm>
+                    <a:off x="1389790" y="3374341"/>
+                    <a:ext cx="2045581" cy="792925"/>
+                    <a:chOff x="1395925" y="869219"/>
+                    <a:chExt cx="2045581" cy="2318129"/>
+                  </a:xfrm>
+                </p:grpSpPr>
+                <p:sp>
+                  <p:nvSpPr>
+                    <p:cNvPr id="132" name="TextBox 131">
+                      <a:extLst>
+                        <a:ext uri="{FF2B5EF4-FFF2-40B4-BE49-F238E27FC236}">
+                          <a16:creationId xmlns:a16="http://schemas.microsoft.com/office/drawing/2014/main" id="{F58967DE-CDD1-0441-AB30-78CF2E182EA2}"/>
+                        </a:ext>
+                      </a:extLst>
+                    </p:cNvPr>
+                    <p:cNvSpPr txBox="1"/>
+                    <p:nvPr/>
+                  </p:nvSpPr>
+                  <p:spPr>
+                    <a:xfrm>
+                      <a:off x="1837455" y="870695"/>
+                      <a:ext cx="1164427" cy="307777"/>
+                    </a:xfrm>
+                    <a:prstGeom prst="rect">
+                      <a:avLst/>
+                    </a:prstGeom>
+                    <a:noFill/>
+                  </p:spPr>
+                  <p:txBody>
+                    <a:bodyPr wrap="square" rtlCol="0">
+                      <a:spAutoFit/>
+                    </a:bodyPr>
+                    <a:lstStyle/>
+                    <a:p>
+                      <a:pPr algn="ctr"/>
+                      <a:r>
+                        <a:rPr lang="en-US" sz="1400" b="1" dirty="0"/>
+                        <a:t>Environment</a:t>
+                      </a:r>
+                    </a:p>
+                  </p:txBody>
+                </p:sp>
+                <p:sp>
+                  <p:nvSpPr>
+                    <p:cNvPr id="133" name="TextBox 132">
+                      <a:extLst>
+                        <a:ext uri="{FF2B5EF4-FFF2-40B4-BE49-F238E27FC236}">
+                          <a16:creationId xmlns:a16="http://schemas.microsoft.com/office/drawing/2014/main" id="{7ED85BE2-62C5-3548-8C6E-7084AAB01312}"/>
+                        </a:ext>
+                      </a:extLst>
+                    </p:cNvPr>
+                    <p:cNvSpPr txBox="1"/>
+                    <p:nvPr/>
+                  </p:nvSpPr>
+                  <p:spPr>
+                    <a:xfrm>
+                      <a:off x="1789973" y="2099446"/>
+                      <a:ext cx="1486701" cy="764821"/>
+                    </a:xfrm>
+                    <a:prstGeom prst="rect">
+                      <a:avLst/>
+                    </a:prstGeom>
+                    <a:noFill/>
+                  </p:spPr>
+                  <p:txBody>
+                    <a:bodyPr wrap="square" rtlCol="0">
+                      <a:spAutoFit/>
+                    </a:bodyPr>
+                    <a:lstStyle/>
+                    <a:p>
+                      <a:r>
+                        <a:rPr lang="en-US" sz="1100" b="1" i="1" dirty="0"/>
+                        <a:t>Air quality</a:t>
+                      </a:r>
+                    </a:p>
+                  </p:txBody>
+                </p:sp>
+                <p:sp>
+                  <p:nvSpPr>
+                    <p:cNvPr id="148" name="Rounded Rectangle 147">
+                      <a:extLst>
+                        <a:ext uri="{FF2B5EF4-FFF2-40B4-BE49-F238E27FC236}">
+                          <a16:creationId xmlns:a16="http://schemas.microsoft.com/office/drawing/2014/main" id="{8827FE9E-0BA2-3947-B631-2226803E1D66}"/>
+                        </a:ext>
+                      </a:extLst>
+                    </p:cNvPr>
+                    <p:cNvSpPr/>
+                    <p:nvPr/>
+                  </p:nvSpPr>
+                  <p:spPr>
+                    <a:xfrm>
+                      <a:off x="1395925" y="869219"/>
+                      <a:ext cx="2045581" cy="2318129"/>
+                    </a:xfrm>
+                    <a:prstGeom prst="roundRect">
+                      <a:avLst/>
+                    </a:prstGeom>
+                    <a:noFill/>
+                    <a:ln w="28575">
+                      <a:solidFill>
+                        <a:schemeClr val="tx1"/>
+                      </a:solidFill>
+                      <a:prstDash val="dash"/>
+                    </a:ln>
+                  </p:spPr>
+                  <p:style>
+                    <a:lnRef idx="2">
+                      <a:schemeClr val="accent1">
+                        <a:shade val="50000"/>
+                      </a:schemeClr>
+                    </a:lnRef>
+                    <a:fillRef idx="1">
+                      <a:schemeClr val="accent1"/>
+                    </a:fillRef>
+                    <a:effectRef idx="0">
+                      <a:schemeClr val="accent1"/>
+                    </a:effectRef>
+                    <a:fontRef idx="minor">
+                      <a:schemeClr val="lt1"/>
+                    </a:fontRef>
+                  </p:style>
+                  <p:txBody>
+                    <a:bodyPr rtlCol="0" anchor="ctr"/>
+                    <a:lstStyle/>
+                    <a:p>
+                      <a:pPr algn="ctr"/>
+                      <a:endParaRPr lang="en-US"/>
+                    </a:p>
+                  </p:txBody>
+                </p:sp>
+              </p:grpSp>
+            </p:grpSp>
+            <p:grpSp>
+              <p:nvGrpSpPr>
+                <p:cNvPr id="151" name="Group 150">
+                  <a:extLst>
+                    <a:ext uri="{FF2B5EF4-FFF2-40B4-BE49-F238E27FC236}">
+                      <a16:creationId xmlns:a16="http://schemas.microsoft.com/office/drawing/2014/main" id="{45AFEBDA-0DB8-224D-B0F6-A92632489B8D}"/>
+                    </a:ext>
+                  </a:extLst>
+                </p:cNvPr>
+                <p:cNvGrpSpPr/>
+                <p:nvPr/>
+              </p:nvGrpSpPr>
+              <p:grpSpPr>
+                <a:xfrm>
+                  <a:off x="1641618" y="5626952"/>
+                  <a:ext cx="2045581" cy="802382"/>
+                  <a:chOff x="1395925" y="841571"/>
+                  <a:chExt cx="2045581" cy="2345777"/>
                 </a:xfrm>
               </p:grpSpPr>
               <p:sp>
                 <p:nvSpPr>
-                  <p:cNvPr id="203" name="TextBox 202">
+                  <p:cNvPr id="152" name="TextBox 151">
                     <a:extLst>
                       <a:ext uri="{FF2B5EF4-FFF2-40B4-BE49-F238E27FC236}">
-                        <a16:creationId xmlns:a16="http://schemas.microsoft.com/office/drawing/2014/main" id="{91B27409-458D-9D48-88F9-0E6186338F6E}"/>
+                        <a16:creationId xmlns:a16="http://schemas.microsoft.com/office/drawing/2014/main" id="{E10168BD-3523-7A4D-BE86-1CE0C5457B3D}"/>
                       </a:ext>
                     </a:extLst>
                   </p:cNvPr>
@@ -5579,8 +4580,8 @@
                 </p:nvSpPr>
                 <p:spPr>
                   <a:xfrm>
-                    <a:off x="1737059" y="809509"/>
-                    <a:ext cx="1356466" cy="899791"/>
+                    <a:off x="1605533" y="841571"/>
+                    <a:ext cx="1648109" cy="899791"/>
                   </a:xfrm>
                   <a:prstGeom prst="rect">
                     <a:avLst/>
@@ -5596,17 +4597,17 @@
                     <a:pPr algn="ctr"/>
                     <a:r>
                       <a:rPr lang="en-US" sz="1400" b="1" dirty="0"/>
-                      <a:t>Energy &amp; Water</a:t>
+                      <a:t>Community Needs</a:t>
                     </a:r>
                   </a:p>
                 </p:txBody>
               </p:sp>
               <p:sp>
                 <p:nvSpPr>
-                  <p:cNvPr id="204" name="TextBox 203">
+                  <p:cNvPr id="153" name="TextBox 152">
                     <a:extLst>
                       <a:ext uri="{FF2B5EF4-FFF2-40B4-BE49-F238E27FC236}">
-                        <a16:creationId xmlns:a16="http://schemas.microsoft.com/office/drawing/2014/main" id="{1B160A60-5F8B-E444-8395-74A86967F6EB}"/>
+                        <a16:creationId xmlns:a16="http://schemas.microsoft.com/office/drawing/2014/main" id="{12881349-A790-8A44-997B-BAE032AEAA83}"/>
                       </a:ext>
                     </a:extLst>
                   </p:cNvPr>
@@ -5615,7 +4616,7 @@
                 </p:nvSpPr>
                 <p:spPr>
                   <a:xfrm>
-                    <a:off x="1789973" y="2099446"/>
+                    <a:off x="1780605" y="2225403"/>
                     <a:ext cx="1648110" cy="764821"/>
                   </a:xfrm>
                   <a:prstGeom prst="rect">
@@ -5631,17 +4632,17 @@
                   <a:p>
                     <a:r>
                       <a:rPr lang="en-US" sz="1100" b="1" i="1" dirty="0"/>
-                      <a:t>Water energy demand</a:t>
+                      <a:t>211 calls about needs</a:t>
                     </a:r>
                   </a:p>
                 </p:txBody>
               </p:sp>
               <p:sp>
                 <p:nvSpPr>
-                  <p:cNvPr id="205" name="Rounded Rectangle 204">
+                  <p:cNvPr id="154" name="Rounded Rectangle 153">
                     <a:extLst>
                       <a:ext uri="{FF2B5EF4-FFF2-40B4-BE49-F238E27FC236}">
-                        <a16:creationId xmlns:a16="http://schemas.microsoft.com/office/drawing/2014/main" id="{7C89B2E6-9B7C-CA4E-AAF3-F580ACACC79C}"/>
+                        <a16:creationId xmlns:a16="http://schemas.microsoft.com/office/drawing/2014/main" id="{D2D62831-4E49-9843-9DC2-537BF2642742}"/>
                       </a:ext>
                     </a:extLst>
                   </p:cNvPr>
@@ -5690,13 +4691,1583 @@
                 </p:txBody>
               </p:sp>
             </p:grpSp>
+            <p:grpSp>
+              <p:nvGrpSpPr>
+                <p:cNvPr id="38" name="Group 37">
+                  <a:extLst>
+                    <a:ext uri="{FF2B5EF4-FFF2-40B4-BE49-F238E27FC236}">
+                      <a16:creationId xmlns:a16="http://schemas.microsoft.com/office/drawing/2014/main" id="{34A3252B-41BA-B941-881C-45FEF58C3520}"/>
+                    </a:ext>
+                  </a:extLst>
+                </p:cNvPr>
+                <p:cNvGrpSpPr/>
+                <p:nvPr/>
+              </p:nvGrpSpPr>
+              <p:grpSpPr>
+                <a:xfrm>
+                  <a:off x="2988730" y="744894"/>
+                  <a:ext cx="2090551" cy="2611940"/>
+                  <a:chOff x="3644001" y="842463"/>
+                  <a:chExt cx="2090551" cy="2611940"/>
+                </a:xfrm>
+              </p:grpSpPr>
+              <p:pic>
+                <p:nvPicPr>
+                  <p:cNvPr id="8" name="Picture 7">
+                    <a:extLst>
+                      <a:ext uri="{FF2B5EF4-FFF2-40B4-BE49-F238E27FC236}">
+                        <a16:creationId xmlns:a16="http://schemas.microsoft.com/office/drawing/2014/main" id="{DC359AE9-C79C-3F4D-9D83-1E0ECD9BC0A7}"/>
+                      </a:ext>
+                    </a:extLst>
+                  </p:cNvPr>
+                  <p:cNvPicPr>
+                    <a:picLocks noChangeAspect="1"/>
+                  </p:cNvPicPr>
+                  <p:nvPr/>
+                </p:nvPicPr>
+                <p:blipFill>
+                  <a:blip r:embed="rId8"/>
+                  <a:stretch>
+                    <a:fillRect/>
+                  </a:stretch>
+                </p:blipFill>
+                <p:spPr>
+                  <a:xfrm>
+                    <a:off x="3732564" y="1359128"/>
+                    <a:ext cx="1330090" cy="97840"/>
+                  </a:xfrm>
+                  <a:prstGeom prst="rect">
+                    <a:avLst/>
+                  </a:prstGeom>
+                </p:spPr>
+              </p:pic>
+              <p:pic>
+                <p:nvPicPr>
+                  <p:cNvPr id="10" name="Picture 9">
+                    <a:extLst>
+                      <a:ext uri="{FF2B5EF4-FFF2-40B4-BE49-F238E27FC236}">
+                        <a16:creationId xmlns:a16="http://schemas.microsoft.com/office/drawing/2014/main" id="{8BFB3034-79DB-3B49-96ED-6E8DE454F34F}"/>
+                      </a:ext>
+                    </a:extLst>
+                  </p:cNvPr>
+                  <p:cNvPicPr>
+                    <a:picLocks noChangeAspect="1"/>
+                  </p:cNvPicPr>
+                  <p:nvPr/>
+                </p:nvPicPr>
+                <p:blipFill rotWithShape="1">
+                  <a:blip r:embed="rId9"/>
+                  <a:srcRect t="-1" r="79803" b="3903"/>
+                  <a:stretch/>
+                </p:blipFill>
+                <p:spPr>
+                  <a:xfrm>
+                    <a:off x="3759115" y="2400732"/>
+                    <a:ext cx="726541" cy="245369"/>
+                  </a:xfrm>
+                  <a:prstGeom prst="rect">
+                    <a:avLst/>
+                  </a:prstGeom>
+                </p:spPr>
+              </p:pic>
+              <p:pic>
+                <p:nvPicPr>
+                  <p:cNvPr id="12" name="Picture 11" descr="Logo&#10;&#10;Description automatically generated">
+                    <a:extLst>
+                      <a:ext uri="{FF2B5EF4-FFF2-40B4-BE49-F238E27FC236}">
+                        <a16:creationId xmlns:a16="http://schemas.microsoft.com/office/drawing/2014/main" id="{08830DE2-9C30-F54F-8C92-7C525D3326F4}"/>
+                      </a:ext>
+                    </a:extLst>
+                  </p:cNvPr>
+                  <p:cNvPicPr>
+                    <a:picLocks noChangeAspect="1"/>
+                  </p:cNvPicPr>
+                  <p:nvPr/>
+                </p:nvPicPr>
+                <p:blipFill>
+                  <a:blip r:embed="rId10"/>
+                  <a:stretch>
+                    <a:fillRect/>
+                  </a:stretch>
+                </p:blipFill>
+                <p:spPr>
+                  <a:xfrm>
+                    <a:off x="3725551" y="2929102"/>
+                    <a:ext cx="922919" cy="224948"/>
+                  </a:xfrm>
+                  <a:prstGeom prst="rect">
+                    <a:avLst/>
+                  </a:prstGeom>
+                </p:spPr>
+              </p:pic>
+              <p:pic>
+                <p:nvPicPr>
+                  <p:cNvPr id="15" name="Picture 14" descr="A picture containing text, clipart&#10;&#10;Description automatically generated">
+                    <a:extLst>
+                      <a:ext uri="{FF2B5EF4-FFF2-40B4-BE49-F238E27FC236}">
+                        <a16:creationId xmlns:a16="http://schemas.microsoft.com/office/drawing/2014/main" id="{8BC550CD-0143-9A4D-BADC-04F0CD6893AE}"/>
+                      </a:ext>
+                    </a:extLst>
+                  </p:cNvPr>
+                  <p:cNvPicPr>
+                    <a:picLocks noChangeAspect="1"/>
+                  </p:cNvPicPr>
+                  <p:nvPr/>
+                </p:nvPicPr>
+                <p:blipFill>
+                  <a:blip r:embed="rId11"/>
+                  <a:stretch>
+                    <a:fillRect/>
+                  </a:stretch>
+                </p:blipFill>
+                <p:spPr>
+                  <a:xfrm>
+                    <a:off x="3732564" y="1663848"/>
+                    <a:ext cx="609906" cy="189281"/>
+                  </a:xfrm>
+                  <a:prstGeom prst="rect">
+                    <a:avLst/>
+                  </a:prstGeom>
+                </p:spPr>
+              </p:pic>
+              <p:sp>
+                <p:nvSpPr>
+                  <p:cNvPr id="160" name="TextBox 159">
+                    <a:extLst>
+                      <a:ext uri="{FF2B5EF4-FFF2-40B4-BE49-F238E27FC236}">
+                        <a16:creationId xmlns:a16="http://schemas.microsoft.com/office/drawing/2014/main" id="{89209227-5E3C-9C47-92DC-71A7D0F2235F}"/>
+                      </a:ext>
+                    </a:extLst>
+                  </p:cNvPr>
+                  <p:cNvSpPr txBox="1"/>
+                  <p:nvPr/>
+                </p:nvSpPr>
+                <p:spPr>
+                  <a:xfrm>
+                    <a:off x="3779299" y="842463"/>
+                    <a:ext cx="1774983" cy="523220"/>
+                  </a:xfrm>
+                  <a:prstGeom prst="rect">
+                    <a:avLst/>
+                  </a:prstGeom>
+                  <a:noFill/>
+                </p:spPr>
+                <p:txBody>
+                  <a:bodyPr wrap="square" rtlCol="0">
+                    <a:spAutoFit/>
+                  </a:bodyPr>
+                  <a:lstStyle/>
+                  <a:p>
+                    <a:pPr algn="ctr"/>
+                    <a:r>
+                      <a:rPr lang="en-US" sz="1400" b="1" dirty="0"/>
+                      <a:t>Transportation &amp; Mobility</a:t>
+                    </a:r>
+                  </a:p>
+                </p:txBody>
+              </p:sp>
+              <p:sp>
+                <p:nvSpPr>
+                  <p:cNvPr id="163" name="TextBox 162">
+                    <a:extLst>
+                      <a:ext uri="{FF2B5EF4-FFF2-40B4-BE49-F238E27FC236}">
+                        <a16:creationId xmlns:a16="http://schemas.microsoft.com/office/drawing/2014/main" id="{611B8442-5D90-8B4B-B306-900D1CEC6421}"/>
+                      </a:ext>
+                    </a:extLst>
+                  </p:cNvPr>
+                  <p:cNvSpPr txBox="1"/>
+                  <p:nvPr/>
+                </p:nvSpPr>
+                <p:spPr>
+                  <a:xfrm>
+                    <a:off x="4031914" y="1412892"/>
+                    <a:ext cx="1486701" cy="261610"/>
+                  </a:xfrm>
+                  <a:prstGeom prst="rect">
+                    <a:avLst/>
+                  </a:prstGeom>
+                  <a:noFill/>
+                </p:spPr>
+                <p:txBody>
+                  <a:bodyPr wrap="square" rtlCol="0">
+                    <a:spAutoFit/>
+                  </a:bodyPr>
+                  <a:lstStyle/>
+                  <a:p>
+                    <a:r>
+                      <a:rPr lang="en-US" sz="1100" b="1" i="1" dirty="0"/>
+                      <a:t>Flight departures</a:t>
+                    </a:r>
+                  </a:p>
+                </p:txBody>
+              </p:sp>
+              <p:sp>
+                <p:nvSpPr>
+                  <p:cNvPr id="166" name="TextBox 165">
+                    <a:extLst>
+                      <a:ext uri="{FF2B5EF4-FFF2-40B4-BE49-F238E27FC236}">
+                        <a16:creationId xmlns:a16="http://schemas.microsoft.com/office/drawing/2014/main" id="{1DB1853B-6968-9B4A-9D15-DA35FBAF5FF6}"/>
+                      </a:ext>
+                    </a:extLst>
+                  </p:cNvPr>
+                  <p:cNvSpPr txBox="1"/>
+                  <p:nvPr/>
+                </p:nvSpPr>
+                <p:spPr>
+                  <a:xfrm>
+                    <a:off x="4031914" y="1789050"/>
+                    <a:ext cx="1635765" cy="261610"/>
+                  </a:xfrm>
+                  <a:prstGeom prst="rect">
+                    <a:avLst/>
+                  </a:prstGeom>
+                  <a:noFill/>
+                </p:spPr>
+                <p:txBody>
+                  <a:bodyPr wrap="square" rtlCol="0">
+                    <a:spAutoFit/>
+                  </a:bodyPr>
+                  <a:lstStyle/>
+                  <a:p>
+                    <a:r>
+                      <a:rPr lang="en-US" sz="1100" b="1" i="1" dirty="0"/>
+                      <a:t>Public transit ridership</a:t>
+                    </a:r>
+                  </a:p>
+                </p:txBody>
+              </p:sp>
+              <p:sp>
+                <p:nvSpPr>
+                  <p:cNvPr id="170" name="TextBox 169">
+                    <a:extLst>
+                      <a:ext uri="{FF2B5EF4-FFF2-40B4-BE49-F238E27FC236}">
+                        <a16:creationId xmlns:a16="http://schemas.microsoft.com/office/drawing/2014/main" id="{05B648E6-611E-A74D-AB06-A53C201589BB}"/>
+                      </a:ext>
+                    </a:extLst>
+                  </p:cNvPr>
+                  <p:cNvSpPr txBox="1"/>
+                  <p:nvPr/>
+                </p:nvSpPr>
+                <p:spPr>
+                  <a:xfrm>
+                    <a:off x="4031914" y="2198647"/>
+                    <a:ext cx="1702638" cy="261610"/>
+                  </a:xfrm>
+                  <a:prstGeom prst="rect">
+                    <a:avLst/>
+                  </a:prstGeom>
+                  <a:noFill/>
+                </p:spPr>
+                <p:txBody>
+                  <a:bodyPr wrap="square" rtlCol="0">
+                    <a:spAutoFit/>
+                  </a:bodyPr>
+                  <a:lstStyle/>
+                  <a:p>
+                    <a:r>
+                      <a:rPr lang="en-US" sz="1100" b="1" i="1" dirty="0"/>
+                      <a:t>Road traffic</a:t>
+                    </a:r>
+                  </a:p>
+                </p:txBody>
+              </p:sp>
+              <p:sp>
+                <p:nvSpPr>
+                  <p:cNvPr id="172" name="TextBox 171">
+                    <a:extLst>
+                      <a:ext uri="{FF2B5EF4-FFF2-40B4-BE49-F238E27FC236}">
+                        <a16:creationId xmlns:a16="http://schemas.microsoft.com/office/drawing/2014/main" id="{E4B3C00E-69E1-5943-B925-EE92769C8AA4}"/>
+                      </a:ext>
+                    </a:extLst>
+                  </p:cNvPr>
+                  <p:cNvSpPr txBox="1"/>
+                  <p:nvPr/>
+                </p:nvSpPr>
+                <p:spPr>
+                  <a:xfrm>
+                    <a:off x="4031914" y="3126599"/>
+                    <a:ext cx="1702638" cy="261610"/>
+                  </a:xfrm>
+                  <a:prstGeom prst="rect">
+                    <a:avLst/>
+                  </a:prstGeom>
+                  <a:noFill/>
+                </p:spPr>
+                <p:txBody>
+                  <a:bodyPr wrap="square" rtlCol="0">
+                    <a:spAutoFit/>
+                  </a:bodyPr>
+                  <a:lstStyle/>
+                  <a:p>
+                    <a:r>
+                      <a:rPr lang="en-US" sz="1100" b="1" i="1" dirty="0"/>
+                      <a:t>Transit mode</a:t>
+                    </a:r>
+                  </a:p>
+                </p:txBody>
+              </p:sp>
+              <p:sp>
+                <p:nvSpPr>
+                  <p:cNvPr id="173" name="TextBox 172">
+                    <a:extLst>
+                      <a:ext uri="{FF2B5EF4-FFF2-40B4-BE49-F238E27FC236}">
+                        <a16:creationId xmlns:a16="http://schemas.microsoft.com/office/drawing/2014/main" id="{EA6392B0-A083-B648-B3F9-70ED001DA628}"/>
+                      </a:ext>
+                    </a:extLst>
+                  </p:cNvPr>
+                  <p:cNvSpPr txBox="1"/>
+                  <p:nvPr/>
+                </p:nvSpPr>
+                <p:spPr>
+                  <a:xfrm>
+                    <a:off x="4030189" y="2599019"/>
+                    <a:ext cx="1442216" cy="261610"/>
+                  </a:xfrm>
+                  <a:prstGeom prst="rect">
+                    <a:avLst/>
+                  </a:prstGeom>
+                  <a:noFill/>
+                </p:spPr>
+                <p:txBody>
+                  <a:bodyPr wrap="square" rtlCol="0">
+                    <a:spAutoFit/>
+                  </a:bodyPr>
+                  <a:lstStyle/>
+                  <a:p>
+                    <a:r>
+                      <a:rPr lang="en-US" sz="1100" b="1" i="1" dirty="0"/>
+                      <a:t>Place stay &amp; visits</a:t>
+                    </a:r>
+                  </a:p>
+                </p:txBody>
+              </p:sp>
+              <p:sp>
+                <p:nvSpPr>
+                  <p:cNvPr id="174" name="Rounded Rectangle 173">
+                    <a:extLst>
+                      <a:ext uri="{FF2B5EF4-FFF2-40B4-BE49-F238E27FC236}">
+                        <a16:creationId xmlns:a16="http://schemas.microsoft.com/office/drawing/2014/main" id="{9A210CC4-AC54-DB44-A31F-499CAF0606B1}"/>
+                      </a:ext>
+                    </a:extLst>
+                  </p:cNvPr>
+                  <p:cNvSpPr/>
+                  <p:nvPr/>
+                </p:nvSpPr>
+                <p:spPr>
+                  <a:xfrm>
+                    <a:off x="3644001" y="865484"/>
+                    <a:ext cx="2045581" cy="2588919"/>
+                  </a:xfrm>
+                  <a:prstGeom prst="roundRect">
+                    <a:avLst/>
+                  </a:prstGeom>
+                  <a:noFill/>
+                  <a:ln w="28575">
+                    <a:solidFill>
+                      <a:schemeClr val="tx1"/>
+                    </a:solidFill>
+                    <a:prstDash val="dash"/>
+                  </a:ln>
+                </p:spPr>
+                <p:style>
+                  <a:lnRef idx="2">
+                    <a:schemeClr val="accent1">
+                      <a:shade val="50000"/>
+                    </a:schemeClr>
+                  </a:lnRef>
+                  <a:fillRef idx="1">
+                    <a:schemeClr val="accent1"/>
+                  </a:fillRef>
+                  <a:effectRef idx="0">
+                    <a:schemeClr val="accent1"/>
+                  </a:effectRef>
+                  <a:fontRef idx="minor">
+                    <a:schemeClr val="lt1"/>
+                  </a:fontRef>
+                </p:style>
+                <p:txBody>
+                  <a:bodyPr rtlCol="0" anchor="ctr"/>
+                  <a:lstStyle/>
+                  <a:p>
+                    <a:pPr algn="ctr"/>
+                    <a:endParaRPr lang="en-US" dirty="0"/>
+                  </a:p>
+                </p:txBody>
+              </p:sp>
+              <p:pic>
+                <p:nvPicPr>
+                  <p:cNvPr id="175" name="Picture 4" descr="data.austintexas.gov">
+                    <a:extLst>
+                      <a:ext uri="{FF2B5EF4-FFF2-40B4-BE49-F238E27FC236}">
+                        <a16:creationId xmlns:a16="http://schemas.microsoft.com/office/drawing/2014/main" id="{16DFDFCA-180B-1E43-81C6-250D971A67FA}"/>
+                      </a:ext>
+                    </a:extLst>
+                  </p:cNvPr>
+                  <p:cNvPicPr>
+                    <a:picLocks noChangeAspect="1" noChangeArrowheads="1"/>
+                  </p:cNvPicPr>
+                  <p:nvPr/>
+                </p:nvPicPr>
+                <p:blipFill>
+                  <a:blip r:embed="rId12">
+                    <a:extLst>
+                      <a:ext uri="{28A0092B-C50C-407E-A947-70E740481C1C}">
+                        <a14:useLocalDpi xmlns:a14="http://schemas.microsoft.com/office/drawing/2010/main" val="0"/>
+                      </a:ext>
+                    </a:extLst>
+                  </a:blip>
+                  <a:srcRect/>
+                  <a:stretch>
+                    <a:fillRect/>
+                  </a:stretch>
+                </p:blipFill>
+                <p:spPr bwMode="auto">
+                  <a:xfrm>
+                    <a:off x="3764806" y="2035991"/>
+                    <a:ext cx="1247915" cy="193339"/>
+                  </a:xfrm>
+                  <a:prstGeom prst="rect">
+                    <a:avLst/>
+                  </a:prstGeom>
+                  <a:noFill/>
+                  <a:extLst>
+                    <a:ext uri="{909E8E84-426E-40DD-AFC4-6F175D3DCCD1}">
+                      <a14:hiddenFill xmlns:a14="http://schemas.microsoft.com/office/drawing/2010/main">
+                        <a:solidFill>
+                          <a:srgbClr val="FFFFFF"/>
+                        </a:solidFill>
+                      </a14:hiddenFill>
+                    </a:ext>
+                  </a:extLst>
+                </p:spPr>
+              </p:pic>
+            </p:grpSp>
+            <p:grpSp>
+              <p:nvGrpSpPr>
+                <p:cNvPr id="41" name="Group 40">
+                  <a:extLst>
+                    <a:ext uri="{FF2B5EF4-FFF2-40B4-BE49-F238E27FC236}">
+                      <a16:creationId xmlns:a16="http://schemas.microsoft.com/office/drawing/2014/main" id="{AFB8F868-E43F-AD46-BCBA-CB0D16467CD6}"/>
+                    </a:ext>
+                  </a:extLst>
+                </p:cNvPr>
+                <p:cNvGrpSpPr/>
+                <p:nvPr/>
+              </p:nvGrpSpPr>
+              <p:grpSpPr>
+                <a:xfrm>
+                  <a:off x="2959832" y="3681617"/>
+                  <a:ext cx="2045581" cy="1727720"/>
+                  <a:chOff x="3901510" y="3828674"/>
+                  <a:chExt cx="2045581" cy="1727720"/>
+                </a:xfrm>
+              </p:grpSpPr>
+              <p:pic>
+                <p:nvPicPr>
+                  <p:cNvPr id="1030" name="Picture 6">
+                    <a:extLst>
+                      <a:ext uri="{FF2B5EF4-FFF2-40B4-BE49-F238E27FC236}">
+                        <a16:creationId xmlns:a16="http://schemas.microsoft.com/office/drawing/2014/main" id="{E5AA07DA-AAF4-7749-AB1A-D9B3B6541C01}"/>
+                      </a:ext>
+                    </a:extLst>
+                  </p:cNvPr>
+                  <p:cNvPicPr>
+                    <a:picLocks noChangeAspect="1" noChangeArrowheads="1"/>
+                  </p:cNvPicPr>
+                  <p:nvPr/>
+                </p:nvPicPr>
+                <p:blipFill>
+                  <a:blip r:embed="rId13">
+                    <a:extLst>
+                      <a:ext uri="{28A0092B-C50C-407E-A947-70E740481C1C}">
+                        <a14:useLocalDpi xmlns:a14="http://schemas.microsoft.com/office/drawing/2010/main" val="0"/>
+                      </a:ext>
+                    </a:extLst>
+                  </a:blip>
+                  <a:srcRect/>
+                  <a:stretch>
+                    <a:fillRect/>
+                  </a:stretch>
+                </p:blipFill>
+                <p:spPr bwMode="auto">
+                  <a:xfrm>
+                    <a:off x="4038491" y="4094889"/>
+                    <a:ext cx="393810" cy="393810"/>
+                  </a:xfrm>
+                  <a:prstGeom prst="rect">
+                    <a:avLst/>
+                  </a:prstGeom>
+                  <a:noFill/>
+                  <a:extLst>
+                    <a:ext uri="{909E8E84-426E-40DD-AFC4-6F175D3DCCD1}">
+                      <a14:hiddenFill xmlns:a14="http://schemas.microsoft.com/office/drawing/2010/main">
+                        <a:solidFill>
+                          <a:srgbClr val="FFFFFF"/>
+                        </a:solidFill>
+                      </a14:hiddenFill>
+                    </a:ext>
+                  </a:extLst>
+                </p:spPr>
+              </p:pic>
+              <p:sp>
+                <p:nvSpPr>
+                  <p:cNvPr id="179" name="TextBox 178">
+                    <a:extLst>
+                      <a:ext uri="{FF2B5EF4-FFF2-40B4-BE49-F238E27FC236}">
+                        <a16:creationId xmlns:a16="http://schemas.microsoft.com/office/drawing/2014/main" id="{D9F405AB-934C-7647-92F6-E6EC93B58D0D}"/>
+                      </a:ext>
+                    </a:extLst>
+                  </p:cNvPr>
+                  <p:cNvSpPr txBox="1"/>
+                  <p:nvPr/>
+                </p:nvSpPr>
+                <p:spPr>
+                  <a:xfrm>
+                    <a:off x="4269344" y="3828674"/>
+                    <a:ext cx="1271437" cy="307777"/>
+                  </a:xfrm>
+                  <a:prstGeom prst="rect">
+                    <a:avLst/>
+                  </a:prstGeom>
+                  <a:noFill/>
+                </p:spPr>
+                <p:txBody>
+                  <a:bodyPr wrap="square" rtlCol="0">
+                    <a:spAutoFit/>
+                  </a:bodyPr>
+                  <a:lstStyle/>
+                  <a:p>
+                    <a:pPr algn="ctr"/>
+                    <a:r>
+                      <a:rPr lang="en-US" sz="1400" b="1" dirty="0"/>
+                      <a:t>Public Health</a:t>
+                    </a:r>
+                  </a:p>
+                </p:txBody>
+              </p:sp>
+              <p:sp>
+                <p:nvSpPr>
+                  <p:cNvPr id="183" name="TextBox 182">
+                    <a:extLst>
+                      <a:ext uri="{FF2B5EF4-FFF2-40B4-BE49-F238E27FC236}">
+                        <a16:creationId xmlns:a16="http://schemas.microsoft.com/office/drawing/2014/main" id="{F20FB3CA-FF56-E547-8F99-421D5F4B341E}"/>
+                      </a:ext>
+                    </a:extLst>
+                  </p:cNvPr>
+                  <p:cNvSpPr txBox="1"/>
+                  <p:nvPr/>
+                </p:nvSpPr>
+                <p:spPr>
+                  <a:xfrm>
+                    <a:off x="4383113" y="4147749"/>
+                    <a:ext cx="1486701" cy="261610"/>
+                  </a:xfrm>
+                  <a:prstGeom prst="rect">
+                    <a:avLst/>
+                  </a:prstGeom>
+                  <a:noFill/>
+                </p:spPr>
+                <p:txBody>
+                  <a:bodyPr wrap="square" rtlCol="0">
+                    <a:spAutoFit/>
+                  </a:bodyPr>
+                  <a:lstStyle/>
+                  <a:p>
+                    <a:r>
+                      <a:rPr lang="en-US" sz="1100" b="1" i="1" dirty="0"/>
+                      <a:t>COVID-19 cases</a:t>
+                    </a:r>
+                  </a:p>
+                </p:txBody>
+              </p:sp>
+              <p:sp>
+                <p:nvSpPr>
+                  <p:cNvPr id="191" name="Rounded Rectangle 190">
+                    <a:extLst>
+                      <a:ext uri="{FF2B5EF4-FFF2-40B4-BE49-F238E27FC236}">
+                        <a16:creationId xmlns:a16="http://schemas.microsoft.com/office/drawing/2014/main" id="{EE877B9B-BB71-4447-B9AD-5187D601B71B}"/>
+                      </a:ext>
+                    </a:extLst>
+                  </p:cNvPr>
+                  <p:cNvSpPr/>
+                  <p:nvPr/>
+                </p:nvSpPr>
+                <p:spPr>
+                  <a:xfrm>
+                    <a:off x="3901510" y="3843083"/>
+                    <a:ext cx="2045581" cy="1713311"/>
+                  </a:xfrm>
+                  <a:prstGeom prst="roundRect">
+                    <a:avLst/>
+                  </a:prstGeom>
+                  <a:noFill/>
+                  <a:ln w="28575">
+                    <a:solidFill>
+                      <a:schemeClr val="tx1"/>
+                    </a:solidFill>
+                    <a:prstDash val="dash"/>
+                  </a:ln>
+                </p:spPr>
+                <p:style>
+                  <a:lnRef idx="2">
+                    <a:schemeClr val="accent1">
+                      <a:shade val="50000"/>
+                    </a:schemeClr>
+                  </a:lnRef>
+                  <a:fillRef idx="1">
+                    <a:schemeClr val="accent1"/>
+                  </a:fillRef>
+                  <a:effectRef idx="0">
+                    <a:schemeClr val="accent1"/>
+                  </a:effectRef>
+                  <a:fontRef idx="minor">
+                    <a:schemeClr val="lt1"/>
+                  </a:fontRef>
+                </p:style>
+                <p:txBody>
+                  <a:bodyPr rtlCol="0" anchor="ctr"/>
+                  <a:lstStyle/>
+                  <a:p>
+                    <a:pPr algn="ctr"/>
+                    <a:endParaRPr lang="en-US"/>
+                  </a:p>
+                </p:txBody>
+              </p:sp>
+              <p:pic>
+                <p:nvPicPr>
+                  <p:cNvPr id="192" name="Picture 6">
+                    <a:extLst>
+                      <a:ext uri="{FF2B5EF4-FFF2-40B4-BE49-F238E27FC236}">
+                        <a16:creationId xmlns:a16="http://schemas.microsoft.com/office/drawing/2014/main" id="{B5F4A869-A19D-3142-A1FF-0C6115D113C6}"/>
+                      </a:ext>
+                    </a:extLst>
+                  </p:cNvPr>
+                  <p:cNvPicPr>
+                    <a:picLocks noChangeAspect="1" noChangeArrowheads="1"/>
+                  </p:cNvPicPr>
+                  <p:nvPr/>
+                </p:nvPicPr>
+                <p:blipFill>
+                  <a:blip r:embed="rId13">
+                    <a:extLst>
+                      <a:ext uri="{28A0092B-C50C-407E-A947-70E740481C1C}">
+                        <a14:useLocalDpi xmlns:a14="http://schemas.microsoft.com/office/drawing/2010/main" val="0"/>
+                      </a:ext>
+                    </a:extLst>
+                  </a:blip>
+                  <a:srcRect/>
+                  <a:stretch>
+                    <a:fillRect/>
+                  </a:stretch>
+                </p:blipFill>
+                <p:spPr bwMode="auto">
+                  <a:xfrm>
+                    <a:off x="4038491" y="4550207"/>
+                    <a:ext cx="393810" cy="393810"/>
+                  </a:xfrm>
+                  <a:prstGeom prst="rect">
+                    <a:avLst/>
+                  </a:prstGeom>
+                  <a:noFill/>
+                  <a:extLst>
+                    <a:ext uri="{909E8E84-426E-40DD-AFC4-6F175D3DCCD1}">
+                      <a14:hiddenFill xmlns:a14="http://schemas.microsoft.com/office/drawing/2010/main">
+                        <a:solidFill>
+                          <a:srgbClr val="FFFFFF"/>
+                        </a:solidFill>
+                      </a14:hiddenFill>
+                    </a:ext>
+                  </a:extLst>
+                </p:spPr>
+              </p:pic>
+              <p:sp>
+                <p:nvSpPr>
+                  <p:cNvPr id="193" name="TextBox 192">
+                    <a:extLst>
+                      <a:ext uri="{FF2B5EF4-FFF2-40B4-BE49-F238E27FC236}">
+                        <a16:creationId xmlns:a16="http://schemas.microsoft.com/office/drawing/2014/main" id="{82309925-705A-6D4F-98DB-8B602DAA4D2F}"/>
+                      </a:ext>
+                    </a:extLst>
+                  </p:cNvPr>
+                  <p:cNvSpPr txBox="1"/>
+                  <p:nvPr/>
+                </p:nvSpPr>
+                <p:spPr>
+                  <a:xfrm>
+                    <a:off x="4387627" y="4515811"/>
+                    <a:ext cx="1486701" cy="430887"/>
+                  </a:xfrm>
+                  <a:prstGeom prst="rect">
+                    <a:avLst/>
+                  </a:prstGeom>
+                  <a:noFill/>
+                </p:spPr>
+                <p:txBody>
+                  <a:bodyPr wrap="square" rtlCol="0">
+                    <a:spAutoFit/>
+                  </a:bodyPr>
+                  <a:lstStyle/>
+                  <a:p>
+                    <a:r>
+                      <a:rPr lang="en-US" sz="1100" b="1" i="1" dirty="0"/>
+                      <a:t>COVID-19 policies &amp; information</a:t>
+                    </a:r>
+                  </a:p>
+                </p:txBody>
+              </p:sp>
+              <p:sp>
+                <p:nvSpPr>
+                  <p:cNvPr id="199" name="TextBox 198">
+                    <a:extLst>
+                      <a:ext uri="{FF2B5EF4-FFF2-40B4-BE49-F238E27FC236}">
+                        <a16:creationId xmlns:a16="http://schemas.microsoft.com/office/drawing/2014/main" id="{423A394E-239D-244C-B8C6-EDD162EC4DBB}"/>
+                      </a:ext>
+                    </a:extLst>
+                  </p:cNvPr>
+                  <p:cNvSpPr txBox="1"/>
+                  <p:nvPr/>
+                </p:nvSpPr>
+                <p:spPr>
+                  <a:xfrm>
+                    <a:off x="4383113" y="5174339"/>
+                    <a:ext cx="1563978" cy="261610"/>
+                  </a:xfrm>
+                  <a:prstGeom prst="rect">
+                    <a:avLst/>
+                  </a:prstGeom>
+                  <a:noFill/>
+                </p:spPr>
+                <p:txBody>
+                  <a:bodyPr wrap="square" rtlCol="0">
+                    <a:spAutoFit/>
+                  </a:bodyPr>
+                  <a:lstStyle/>
+                  <a:p>
+                    <a:r>
+                      <a:rPr lang="en-US" sz="1100" b="1" i="1" dirty="0"/>
+                      <a:t>COVID-19 vaccination</a:t>
+                    </a:r>
+                  </a:p>
+                </p:txBody>
+              </p:sp>
+            </p:grpSp>
+            <p:grpSp>
+              <p:nvGrpSpPr>
+                <p:cNvPr id="200" name="Group 199">
+                  <a:extLst>
+                    <a:ext uri="{FF2B5EF4-FFF2-40B4-BE49-F238E27FC236}">
+                      <a16:creationId xmlns:a16="http://schemas.microsoft.com/office/drawing/2014/main" id="{EB4880B7-F059-E64D-990E-658310C6A48B}"/>
+                    </a:ext>
+                  </a:extLst>
+                </p:cNvPr>
+                <p:cNvGrpSpPr/>
+                <p:nvPr/>
+              </p:nvGrpSpPr>
+              <p:grpSpPr>
+                <a:xfrm>
+                  <a:off x="483145" y="4533791"/>
+                  <a:ext cx="2045581" cy="813349"/>
+                  <a:chOff x="1393142" y="4383426"/>
+                  <a:chExt cx="2045581" cy="813349"/>
+                </a:xfrm>
+              </p:grpSpPr>
+              <p:pic>
+                <p:nvPicPr>
+                  <p:cNvPr id="201" name="Picture 4" descr="data.austintexas.gov">
+                    <a:extLst>
+                      <a:ext uri="{FF2B5EF4-FFF2-40B4-BE49-F238E27FC236}">
+                        <a16:creationId xmlns:a16="http://schemas.microsoft.com/office/drawing/2014/main" id="{4BFCF52F-86C1-4643-89BA-CBF99CCF1235}"/>
+                      </a:ext>
+                    </a:extLst>
+                  </p:cNvPr>
+                  <p:cNvPicPr>
+                    <a:picLocks noChangeAspect="1" noChangeArrowheads="1"/>
+                  </p:cNvPicPr>
+                  <p:nvPr/>
+                </p:nvPicPr>
+                <p:blipFill>
+                  <a:blip r:embed="rId12">
+                    <a:extLst>
+                      <a:ext uri="{28A0092B-C50C-407E-A947-70E740481C1C}">
+                        <a14:useLocalDpi xmlns:a14="http://schemas.microsoft.com/office/drawing/2010/main" val="0"/>
+                      </a:ext>
+                    </a:extLst>
+                  </a:blip>
+                  <a:srcRect/>
+                  <a:stretch>
+                    <a:fillRect/>
+                  </a:stretch>
+                </p:blipFill>
+                <p:spPr bwMode="auto">
+                  <a:xfrm>
+                    <a:off x="1484134" y="4637829"/>
+                    <a:ext cx="1247915" cy="193339"/>
+                  </a:xfrm>
+                  <a:prstGeom prst="rect">
+                    <a:avLst/>
+                  </a:prstGeom>
+                  <a:noFill/>
+                  <a:extLst>
+                    <a:ext uri="{909E8E84-426E-40DD-AFC4-6F175D3DCCD1}">
+                      <a14:hiddenFill xmlns:a14="http://schemas.microsoft.com/office/drawing/2010/main">
+                        <a:solidFill>
+                          <a:srgbClr val="FFFFFF"/>
+                        </a:solidFill>
+                      </a14:hiddenFill>
+                    </a:ext>
+                  </a:extLst>
+                </p:spPr>
+              </p:pic>
+              <p:grpSp>
+                <p:nvGrpSpPr>
+                  <p:cNvPr id="202" name="Group 201">
+                    <a:extLst>
+                      <a:ext uri="{FF2B5EF4-FFF2-40B4-BE49-F238E27FC236}">
+                        <a16:creationId xmlns:a16="http://schemas.microsoft.com/office/drawing/2014/main" id="{4676945D-8462-284F-AB3D-7299D8BD1640}"/>
+                      </a:ext>
+                    </a:extLst>
+                  </p:cNvPr>
+                  <p:cNvGrpSpPr/>
+                  <p:nvPr/>
+                </p:nvGrpSpPr>
+                <p:grpSpPr>
+                  <a:xfrm>
+                    <a:off x="1393142" y="4383426"/>
+                    <a:ext cx="2045581" cy="813349"/>
+                    <a:chOff x="1395925" y="809509"/>
+                    <a:chExt cx="2045581" cy="2377839"/>
+                  </a:xfrm>
+                </p:grpSpPr>
+                <p:sp>
+                  <p:nvSpPr>
+                    <p:cNvPr id="203" name="TextBox 202">
+                      <a:extLst>
+                        <a:ext uri="{FF2B5EF4-FFF2-40B4-BE49-F238E27FC236}">
+                          <a16:creationId xmlns:a16="http://schemas.microsoft.com/office/drawing/2014/main" id="{91B27409-458D-9D48-88F9-0E6186338F6E}"/>
+                        </a:ext>
+                      </a:extLst>
+                    </p:cNvPr>
+                    <p:cNvSpPr txBox="1"/>
+                    <p:nvPr/>
+                  </p:nvSpPr>
+                  <p:spPr>
+                    <a:xfrm>
+                      <a:off x="1737059" y="809509"/>
+                      <a:ext cx="1356466" cy="899791"/>
+                    </a:xfrm>
+                    <a:prstGeom prst="rect">
+                      <a:avLst/>
+                    </a:prstGeom>
+                    <a:noFill/>
+                  </p:spPr>
+                  <p:txBody>
+                    <a:bodyPr wrap="square" rtlCol="0">
+                      <a:spAutoFit/>
+                    </a:bodyPr>
+                    <a:lstStyle/>
+                    <a:p>
+                      <a:pPr algn="ctr"/>
+                      <a:r>
+                        <a:rPr lang="en-US" sz="1400" b="1" dirty="0"/>
+                        <a:t>Energy &amp; Water</a:t>
+                      </a:r>
+                    </a:p>
+                  </p:txBody>
+                </p:sp>
+                <p:sp>
+                  <p:nvSpPr>
+                    <p:cNvPr id="204" name="TextBox 203">
+                      <a:extLst>
+                        <a:ext uri="{FF2B5EF4-FFF2-40B4-BE49-F238E27FC236}">
+                          <a16:creationId xmlns:a16="http://schemas.microsoft.com/office/drawing/2014/main" id="{1B160A60-5F8B-E444-8395-74A86967F6EB}"/>
+                        </a:ext>
+                      </a:extLst>
+                    </p:cNvPr>
+                    <p:cNvSpPr txBox="1"/>
+                    <p:nvPr/>
+                  </p:nvSpPr>
+                  <p:spPr>
+                    <a:xfrm>
+                      <a:off x="1789973" y="2099446"/>
+                      <a:ext cx="1648110" cy="764821"/>
+                    </a:xfrm>
+                    <a:prstGeom prst="rect">
+                      <a:avLst/>
+                    </a:prstGeom>
+                    <a:noFill/>
+                  </p:spPr>
+                  <p:txBody>
+                    <a:bodyPr wrap="square" rtlCol="0">
+                      <a:spAutoFit/>
+                    </a:bodyPr>
+                    <a:lstStyle/>
+                    <a:p>
+                      <a:r>
+                        <a:rPr lang="en-US" sz="1100" b="1" i="1" dirty="0"/>
+                        <a:t>Water energy demand</a:t>
+                      </a:r>
+                    </a:p>
+                  </p:txBody>
+                </p:sp>
+                <p:sp>
+                  <p:nvSpPr>
+                    <p:cNvPr id="205" name="Rounded Rectangle 204">
+                      <a:extLst>
+                        <a:ext uri="{FF2B5EF4-FFF2-40B4-BE49-F238E27FC236}">
+                          <a16:creationId xmlns:a16="http://schemas.microsoft.com/office/drawing/2014/main" id="{7C89B2E6-9B7C-CA4E-AAF3-F580ACACC79C}"/>
+                        </a:ext>
+                      </a:extLst>
+                    </p:cNvPr>
+                    <p:cNvSpPr/>
+                    <p:nvPr/>
+                  </p:nvSpPr>
+                  <p:spPr>
+                    <a:xfrm>
+                      <a:off x="1395925" y="869219"/>
+                      <a:ext cx="2045581" cy="2318129"/>
+                    </a:xfrm>
+                    <a:prstGeom prst="roundRect">
+                      <a:avLst/>
+                    </a:prstGeom>
+                    <a:noFill/>
+                    <a:ln w="28575">
+                      <a:solidFill>
+                        <a:schemeClr val="tx1"/>
+                      </a:solidFill>
+                      <a:prstDash val="dash"/>
+                    </a:ln>
+                  </p:spPr>
+                  <p:style>
+                    <a:lnRef idx="2">
+                      <a:schemeClr val="accent1">
+                        <a:shade val="50000"/>
+                      </a:schemeClr>
+                    </a:lnRef>
+                    <a:fillRef idx="1">
+                      <a:schemeClr val="accent1"/>
+                    </a:fillRef>
+                    <a:effectRef idx="0">
+                      <a:schemeClr val="accent1"/>
+                    </a:effectRef>
+                    <a:fontRef idx="minor">
+                      <a:schemeClr val="lt1"/>
+                    </a:fontRef>
+                  </p:style>
+                  <p:txBody>
+                    <a:bodyPr rtlCol="0" anchor="ctr"/>
+                    <a:lstStyle/>
+                    <a:p>
+                      <a:pPr algn="ctr"/>
+                      <a:endParaRPr lang="en-US"/>
+                    </a:p>
+                  </p:txBody>
+                </p:sp>
+              </p:grpSp>
+            </p:grpSp>
+            <p:pic>
+              <p:nvPicPr>
+                <p:cNvPr id="44" name="Graphic 43">
+                  <a:extLst>
+                    <a:ext uri="{FF2B5EF4-FFF2-40B4-BE49-F238E27FC236}">
+                      <a16:creationId xmlns:a16="http://schemas.microsoft.com/office/drawing/2014/main" id="{DC03EC87-7221-1A4D-B059-6597CDB8AE6B}"/>
+                    </a:ext>
+                  </a:extLst>
+                </p:cNvPr>
+                <p:cNvPicPr>
+                  <a:picLocks noChangeAspect="1"/>
+                </p:cNvPicPr>
+                <p:nvPr/>
+              </p:nvPicPr>
+              <p:blipFill>
+                <a:blip r:embed="rId14">
+                  <a:extLst>
+                    <a:ext uri="{96DAC541-7B7A-43D3-8B79-37D633B846F1}">
+                      <asvg:svgBlip xmlns:asvg="http://schemas.microsoft.com/office/drawing/2016/SVG/main" r:embed="rId15"/>
+                    </a:ext>
+                  </a:extLst>
+                </a:blip>
+                <a:stretch>
+                  <a:fillRect/>
+                </a:stretch>
+              </p:blipFill>
+              <p:spPr>
+                <a:xfrm>
+                  <a:off x="1806680" y="5902132"/>
+                  <a:ext cx="1237455" cy="260369"/>
+                </a:xfrm>
+                <a:prstGeom prst="rect">
+                  <a:avLst/>
+                </a:prstGeom>
+              </p:spPr>
+            </p:pic>
           </p:grpSp>
+          <p:grpSp>
+            <p:nvGrpSpPr>
+              <p:cNvPr id="76" name="Group 75">
+                <a:extLst>
+                  <a:ext uri="{FF2B5EF4-FFF2-40B4-BE49-F238E27FC236}">
+                    <a16:creationId xmlns:a16="http://schemas.microsoft.com/office/drawing/2014/main" id="{FCD46858-9086-1747-822D-ACE6996790C3}"/>
+                  </a:ext>
+                </a:extLst>
+              </p:cNvPr>
+              <p:cNvGrpSpPr/>
+              <p:nvPr/>
+            </p:nvGrpSpPr>
+            <p:grpSpPr>
+              <a:xfrm>
+                <a:off x="5924040" y="11601"/>
+                <a:ext cx="2927549" cy="3268386"/>
+                <a:chOff x="6014302" y="1706633"/>
+                <a:chExt cx="2927549" cy="3268386"/>
+              </a:xfrm>
+            </p:grpSpPr>
+            <p:sp>
+              <p:nvSpPr>
+                <p:cNvPr id="72" name="TextBox 71">
+                  <a:extLst>
+                    <a:ext uri="{FF2B5EF4-FFF2-40B4-BE49-F238E27FC236}">
+                      <a16:creationId xmlns:a16="http://schemas.microsoft.com/office/drawing/2014/main" id="{A6CC3937-CCD8-F141-9CB8-526A7A5DA01F}"/>
+                    </a:ext>
+                  </a:extLst>
+                </p:cNvPr>
+                <p:cNvSpPr txBox="1"/>
+                <p:nvPr/>
+              </p:nvSpPr>
+              <p:spPr>
+                <a:xfrm>
+                  <a:off x="6388373" y="2776939"/>
+                  <a:ext cx="1150525" cy="307777"/>
+                </a:xfrm>
+                <a:prstGeom prst="rect">
+                  <a:avLst/>
+                </a:prstGeom>
+                <a:noFill/>
+              </p:spPr>
+              <p:txBody>
+                <a:bodyPr wrap="square" rtlCol="0">
+                  <a:spAutoFit/>
+                </a:bodyPr>
+                <a:lstStyle/>
+                <a:p>
+                  <a:pPr algn="ctr"/>
+                  <a:r>
+                    <a:rPr lang="en-US" sz="1400" b="1" dirty="0"/>
+                    <a:t>Actions</a:t>
+                  </a:r>
+                </a:p>
+              </p:txBody>
+            </p:sp>
+            <p:grpSp>
+              <p:nvGrpSpPr>
+                <p:cNvPr id="68" name="Group 67">
+                  <a:extLst>
+                    <a:ext uri="{FF2B5EF4-FFF2-40B4-BE49-F238E27FC236}">
+                      <a16:creationId xmlns:a16="http://schemas.microsoft.com/office/drawing/2014/main" id="{30B4F5E5-2A15-1A40-BA6B-3FA98F66433A}"/>
+                    </a:ext>
+                  </a:extLst>
+                </p:cNvPr>
+                <p:cNvGrpSpPr/>
+                <p:nvPr/>
+              </p:nvGrpSpPr>
+              <p:grpSpPr>
+                <a:xfrm>
+                  <a:off x="8064042" y="3068170"/>
+                  <a:ext cx="877809" cy="888723"/>
+                  <a:chOff x="5875613" y="3301105"/>
+                  <a:chExt cx="877809" cy="888723"/>
+                </a:xfrm>
+              </p:grpSpPr>
+              <p:pic>
+                <p:nvPicPr>
+                  <p:cNvPr id="58" name="Picture 57" descr="Shape&#10;&#10;Description automatically generated with low confidence">
+                    <a:extLst>
+                      <a:ext uri="{FF2B5EF4-FFF2-40B4-BE49-F238E27FC236}">
+                        <a16:creationId xmlns:a16="http://schemas.microsoft.com/office/drawing/2014/main" id="{859779B6-C4A8-DB44-966F-A8FF54AEC929}"/>
+                      </a:ext>
+                    </a:extLst>
+                  </p:cNvPr>
+                  <p:cNvPicPr>
+                    <a:picLocks noChangeAspect="1"/>
+                  </p:cNvPicPr>
+                  <p:nvPr/>
+                </p:nvPicPr>
+                <p:blipFill>
+                  <a:blip r:embed="rId16"/>
+                  <a:stretch>
+                    <a:fillRect/>
+                  </a:stretch>
+                </p:blipFill>
+                <p:spPr>
+                  <a:xfrm>
+                    <a:off x="6019696" y="3600186"/>
+                    <a:ext cx="589642" cy="589642"/>
+                  </a:xfrm>
+                  <a:prstGeom prst="rect">
+                    <a:avLst/>
+                  </a:prstGeom>
+                </p:spPr>
+              </p:pic>
+              <p:sp>
+                <p:nvSpPr>
+                  <p:cNvPr id="73" name="TextBox 72">
+                    <a:extLst>
+                      <a:ext uri="{FF2B5EF4-FFF2-40B4-BE49-F238E27FC236}">
+                        <a16:creationId xmlns:a16="http://schemas.microsoft.com/office/drawing/2014/main" id="{60A4C613-DE70-794B-B317-20C1DE15B5C4}"/>
+                      </a:ext>
+                    </a:extLst>
+                  </p:cNvPr>
+                  <p:cNvSpPr txBox="1"/>
+                  <p:nvPr/>
+                </p:nvSpPr>
+                <p:spPr>
+                  <a:xfrm>
+                    <a:off x="5875613" y="3301105"/>
+                    <a:ext cx="877809" cy="307777"/>
+                  </a:xfrm>
+                  <a:prstGeom prst="rect">
+                    <a:avLst/>
+                  </a:prstGeom>
+                  <a:noFill/>
+                </p:spPr>
+                <p:txBody>
+                  <a:bodyPr wrap="square" rtlCol="0">
+                    <a:spAutoFit/>
+                  </a:bodyPr>
+                  <a:lstStyle/>
+                  <a:p>
+                    <a:pPr algn="ctr"/>
+                    <a:r>
+                      <a:rPr lang="en-US" sz="1400" b="1" dirty="0"/>
+                      <a:t>Database</a:t>
+                    </a:r>
+                  </a:p>
+                </p:txBody>
+              </p:sp>
+            </p:grpSp>
+            <p:sp>
+              <p:nvSpPr>
+                <p:cNvPr id="70" name="Rectangle 69">
+                  <a:extLst>
+                    <a:ext uri="{FF2B5EF4-FFF2-40B4-BE49-F238E27FC236}">
+                      <a16:creationId xmlns:a16="http://schemas.microsoft.com/office/drawing/2014/main" id="{D26BB2A7-2F96-1A49-9E53-F9C90571A338}"/>
+                    </a:ext>
+                  </a:extLst>
+                </p:cNvPr>
+                <p:cNvSpPr/>
+                <p:nvPr/>
+              </p:nvSpPr>
+              <p:spPr>
+                <a:xfrm>
+                  <a:off x="6014302" y="1960129"/>
+                  <a:ext cx="2914737" cy="3014890"/>
+                </a:xfrm>
+                <a:prstGeom prst="rect">
+                  <a:avLst/>
+                </a:prstGeom>
+                <a:noFill/>
+                <a:ln w="28575">
+                  <a:solidFill>
+                    <a:schemeClr val="tx1"/>
+                  </a:solidFill>
+                </a:ln>
+              </p:spPr>
+              <p:style>
+                <a:lnRef idx="2">
+                  <a:schemeClr val="accent1">
+                    <a:shade val="50000"/>
+                  </a:schemeClr>
+                </a:lnRef>
+                <a:fillRef idx="1">
+                  <a:schemeClr val="accent1"/>
+                </a:fillRef>
+                <a:effectRef idx="0">
+                  <a:schemeClr val="accent1"/>
+                </a:effectRef>
+                <a:fontRef idx="minor">
+                  <a:schemeClr val="lt1"/>
+                </a:fontRef>
+              </p:style>
+              <p:txBody>
+                <a:bodyPr rtlCol="0" anchor="ctr"/>
+                <a:lstStyle/>
+                <a:p>
+                  <a:pPr algn="ctr"/>
+                  <a:endParaRPr lang="en-US"/>
+                </a:p>
+              </p:txBody>
+            </p:sp>
+            <p:pic>
+              <p:nvPicPr>
+                <p:cNvPr id="1034" name="Picture 10" descr="@github-actions">
+                  <a:extLst>
+                    <a:ext uri="{FF2B5EF4-FFF2-40B4-BE49-F238E27FC236}">
+                      <a16:creationId xmlns:a16="http://schemas.microsoft.com/office/drawing/2014/main" id="{333E1CD5-750D-9341-9E04-4521F6E7C37A}"/>
+                    </a:ext>
+                  </a:extLst>
+                </p:cNvPr>
+                <p:cNvPicPr>
+                  <a:picLocks noChangeAspect="1" noChangeArrowheads="1"/>
+                </p:cNvPicPr>
+                <p:nvPr/>
+              </p:nvPicPr>
+              <p:blipFill>
+                <a:blip r:embed="rId17">
+                  <a:extLst>
+                    <a:ext uri="{28A0092B-C50C-407E-A947-70E740481C1C}">
+                      <a14:useLocalDpi xmlns:a14="http://schemas.microsoft.com/office/drawing/2010/main" val="0"/>
+                    </a:ext>
+                  </a:extLst>
+                </a:blip>
+                <a:srcRect/>
+                <a:stretch>
+                  <a:fillRect/>
+                </a:stretch>
+              </p:blipFill>
+              <p:spPr bwMode="auto">
+                <a:xfrm>
+                  <a:off x="7290477" y="1706633"/>
+                  <a:ext cx="362386" cy="362386"/>
+                </a:xfrm>
+                <a:prstGeom prst="rect">
+                  <a:avLst/>
+                </a:prstGeom>
+                <a:noFill/>
+                <a:extLst>
+                  <a:ext uri="{909E8E84-426E-40DD-AFC4-6F175D3DCCD1}">
+                    <a14:hiddenFill xmlns:a14="http://schemas.microsoft.com/office/drawing/2010/main">
+                      <a:solidFill>
+                        <a:srgbClr val="FFFFFF"/>
+                      </a:solidFill>
+                    </a14:hiddenFill>
+                  </a:ext>
+                </a:extLst>
+              </p:spPr>
+            </p:pic>
+            <p:sp>
+              <p:nvSpPr>
+                <p:cNvPr id="78" name="TextBox 77">
+                  <a:extLst>
+                    <a:ext uri="{FF2B5EF4-FFF2-40B4-BE49-F238E27FC236}">
+                      <a16:creationId xmlns:a16="http://schemas.microsoft.com/office/drawing/2014/main" id="{50ECC6E9-53DD-F84D-A0BC-87BF41698CED}"/>
+                    </a:ext>
+                  </a:extLst>
+                </p:cNvPr>
+                <p:cNvSpPr txBox="1"/>
+                <p:nvPr/>
+              </p:nvSpPr>
+              <p:spPr>
+                <a:xfrm>
+                  <a:off x="6385789" y="2093670"/>
+                  <a:ext cx="2168535" cy="307777"/>
+                </a:xfrm>
+                <a:prstGeom prst="rect">
+                  <a:avLst/>
+                </a:prstGeom>
+                <a:noFill/>
+              </p:spPr>
+              <p:txBody>
+                <a:bodyPr wrap="square" rtlCol="0">
+                  <a:spAutoFit/>
+                </a:bodyPr>
+                <a:lstStyle/>
+                <a:p>
+                  <a:pPr algn="ctr"/>
+                  <a:r>
+                    <a:rPr lang="en-US" sz="1400" b="1" dirty="0"/>
+                    <a:t>Private GitHub Repository</a:t>
+                  </a:r>
+                </a:p>
+              </p:txBody>
+            </p:sp>
+            <p:cxnSp>
+              <p:nvCxnSpPr>
+                <p:cNvPr id="169" name="Straight Arrow Connector 168">
+                  <a:extLst>
+                    <a:ext uri="{FF2B5EF4-FFF2-40B4-BE49-F238E27FC236}">
+                      <a16:creationId xmlns:a16="http://schemas.microsoft.com/office/drawing/2014/main" id="{A2706074-DC40-4041-A4FF-A6A2FDB92080}"/>
+                    </a:ext>
+                  </a:extLst>
+                </p:cNvPr>
+                <p:cNvCxnSpPr>
+                  <a:cxnSpLocks/>
+                  <a:stCxn id="58" idx="1"/>
+                  <a:endCxn id="229" idx="3"/>
+                </p:cNvCxnSpPr>
+                <p:nvPr/>
+              </p:nvCxnSpPr>
+              <p:spPr>
+                <a:xfrm flipH="1">
+                  <a:off x="7732862" y="3662072"/>
+                  <a:ext cx="475263" cy="3743"/>
+                </a:xfrm>
+                <a:prstGeom prst="straightConnector1">
+                  <a:avLst/>
+                </a:prstGeom>
+                <a:ln w="28575">
+                  <a:solidFill>
+                    <a:schemeClr val="tx1"/>
+                  </a:solidFill>
+                  <a:prstDash val="sysDash"/>
+                  <a:headEnd type="triangle" w="med" len="med"/>
+                  <a:tailEnd type="triangle" w="med" len="med"/>
+                </a:ln>
+              </p:spPr>
+              <p:style>
+                <a:lnRef idx="1">
+                  <a:schemeClr val="accent1"/>
+                </a:lnRef>
+                <a:fillRef idx="0">
+                  <a:schemeClr val="accent1"/>
+                </a:fillRef>
+                <a:effectRef idx="0">
+                  <a:schemeClr val="accent1"/>
+                </a:effectRef>
+                <a:fontRef idx="minor">
+                  <a:schemeClr val="tx1"/>
+                </a:fontRef>
+              </p:style>
+            </p:cxnSp>
+            <p:sp>
+              <p:nvSpPr>
+                <p:cNvPr id="229" name="Rounded Rectangle 228">
+                  <a:extLst>
+                    <a:ext uri="{FF2B5EF4-FFF2-40B4-BE49-F238E27FC236}">
+                      <a16:creationId xmlns:a16="http://schemas.microsoft.com/office/drawing/2014/main" id="{61753DD6-EB96-854A-B4AD-CB91E904DB71}"/>
+                    </a:ext>
+                  </a:extLst>
+                </p:cNvPr>
+                <p:cNvSpPr/>
+                <p:nvPr/>
+              </p:nvSpPr>
+              <p:spPr>
+                <a:xfrm>
+                  <a:off x="6163087" y="2685201"/>
+                  <a:ext cx="1569775" cy="1961227"/>
+                </a:xfrm>
+                <a:prstGeom prst="roundRect">
+                  <a:avLst/>
+                </a:prstGeom>
+                <a:noFill/>
+                <a:ln w="28575">
+                  <a:solidFill>
+                    <a:schemeClr val="tx1"/>
+                  </a:solidFill>
+                  <a:prstDash val="dash"/>
+                </a:ln>
+              </p:spPr>
+              <p:style>
+                <a:lnRef idx="2">
+                  <a:schemeClr val="accent1">
+                    <a:shade val="50000"/>
+                  </a:schemeClr>
+                </a:lnRef>
+                <a:fillRef idx="1">
+                  <a:schemeClr val="accent1"/>
+                </a:fillRef>
+                <a:effectRef idx="0">
+                  <a:schemeClr val="accent1"/>
+                </a:effectRef>
+                <a:fontRef idx="minor">
+                  <a:schemeClr val="lt1"/>
+                </a:fontRef>
+              </p:style>
+              <p:txBody>
+                <a:bodyPr rtlCol="0" anchor="ctr"/>
+                <a:lstStyle/>
+                <a:p>
+                  <a:pPr algn="ctr"/>
+                  <a:endParaRPr lang="en-US"/>
+                </a:p>
+              </p:txBody>
+            </p:sp>
+            <p:pic>
+              <p:nvPicPr>
+                <p:cNvPr id="56" name="Picture 55" descr="Shape&#10;&#10;Description automatically generated with low confidence">
+                  <a:extLst>
+                    <a:ext uri="{FF2B5EF4-FFF2-40B4-BE49-F238E27FC236}">
+                      <a16:creationId xmlns:a16="http://schemas.microsoft.com/office/drawing/2014/main" id="{170F0680-CE67-9F40-BA61-BB914AC01A1B}"/>
+                    </a:ext>
+                  </a:extLst>
+                </p:cNvPr>
+                <p:cNvPicPr>
+                  <a:picLocks noChangeAspect="1"/>
+                </p:cNvPicPr>
+                <p:nvPr/>
+              </p:nvPicPr>
+              <p:blipFill>
+                <a:blip r:embed="rId18"/>
+                <a:stretch>
+                  <a:fillRect/>
+                </a:stretch>
+              </p:blipFill>
+              <p:spPr>
+                <a:xfrm>
+                  <a:off x="6726077" y="2420836"/>
+                  <a:ext cx="437008" cy="437008"/>
+                </a:xfrm>
+                <a:prstGeom prst="rect">
+                  <a:avLst/>
+                </a:prstGeom>
+                <a:solidFill>
+                  <a:schemeClr val="bg1"/>
+                </a:solidFill>
+              </p:spPr>
+            </p:pic>
+            <p:sp>
+              <p:nvSpPr>
+                <p:cNvPr id="67" name="TextBox 66">
+                  <a:extLst>
+                    <a:ext uri="{FF2B5EF4-FFF2-40B4-BE49-F238E27FC236}">
+                      <a16:creationId xmlns:a16="http://schemas.microsoft.com/office/drawing/2014/main" id="{30F50D8C-197C-7D49-B811-CDED55FED946}"/>
+                    </a:ext>
+                  </a:extLst>
+                </p:cNvPr>
+                <p:cNvSpPr txBox="1"/>
+                <p:nvPr/>
+              </p:nvSpPr>
+              <p:spPr>
+                <a:xfrm>
+                  <a:off x="6172556" y="2930827"/>
+                  <a:ext cx="1607403" cy="1725729"/>
+                </a:xfrm>
+                <a:prstGeom prst="rect">
+                  <a:avLst/>
+                </a:prstGeom>
+                <a:noFill/>
+              </p:spPr>
+              <p:txBody>
+                <a:bodyPr wrap="square" rtlCol="0">
+                  <a:spAutoFit/>
+                </a:bodyPr>
+                <a:lstStyle/>
+                <a:p>
+                  <a:pPr marL="342900" indent="-342900">
+                    <a:lnSpc>
+                      <a:spcPct val="150000"/>
+                    </a:lnSpc>
+                    <a:buFont typeface="+mj-lt"/>
+                    <a:buAutoNum type="arabicPeriod"/>
+                  </a:pPr>
+                  <a:r>
+                    <a:rPr lang="en-US" sz="1200" b="1" i="1" dirty="0"/>
+                    <a:t>Update data</a:t>
+                  </a:r>
+                </a:p>
+                <a:p>
+                  <a:pPr marL="342900" indent="-342900">
+                    <a:lnSpc>
+                      <a:spcPct val="150000"/>
+                    </a:lnSpc>
+                    <a:buFont typeface="+mj-lt"/>
+                    <a:buAutoNum type="arabicPeriod"/>
+                  </a:pPr>
+                  <a:r>
+                    <a:rPr lang="en-US" sz="1200" b="1" i="1" dirty="0"/>
+                    <a:t>Preprocess data</a:t>
+                  </a:r>
+                </a:p>
+                <a:p>
+                  <a:pPr marL="342900" indent="-342900">
+                    <a:lnSpc>
+                      <a:spcPct val="150000"/>
+                    </a:lnSpc>
+                    <a:buFont typeface="+mj-lt"/>
+                    <a:buAutoNum type="arabicPeriod"/>
+                  </a:pPr>
+                  <a:r>
+                    <a:rPr lang="en-US" sz="1200" b="1" i="1" dirty="0"/>
+                    <a:t>Generate figures</a:t>
+                  </a:r>
+                </a:p>
+                <a:p>
+                  <a:pPr marL="342900" indent="-342900">
+                    <a:lnSpc>
+                      <a:spcPct val="150000"/>
+                    </a:lnSpc>
+                    <a:buFont typeface="+mj-lt"/>
+                    <a:buAutoNum type="arabicPeriod"/>
+                  </a:pPr>
+                  <a:r>
+                    <a:rPr lang="en-US" sz="1200" b="1" i="1" dirty="0"/>
+                    <a:t>Store data</a:t>
+                  </a:r>
+                </a:p>
+                <a:p>
+                  <a:pPr marL="342900" indent="-342900">
+                    <a:lnSpc>
+                      <a:spcPct val="150000"/>
+                    </a:lnSpc>
+                    <a:buFont typeface="+mj-lt"/>
+                    <a:buAutoNum type="arabicPeriod"/>
+                  </a:pPr>
+                  <a:r>
+                    <a:rPr lang="en-US" sz="1200" b="1" i="1" dirty="0"/>
+                    <a:t>Store figures</a:t>
+                  </a:r>
+                  <a:br>
+                    <a:rPr lang="en-US" sz="1200" b="1" i="1" dirty="0"/>
+                  </a:br>
+                  <a:r>
+                    <a:rPr lang="en-US" sz="1200" b="1" i="1" dirty="0"/>
+                    <a:t>&amp; metadata</a:t>
+                  </a:r>
+                </a:p>
+              </p:txBody>
+            </p:sp>
+          </p:grpSp>
+          <p:cxnSp>
+            <p:nvCxnSpPr>
+              <p:cNvPr id="165" name="Straight Arrow Connector 164">
+                <a:extLst>
+                  <a:ext uri="{FF2B5EF4-FFF2-40B4-BE49-F238E27FC236}">
+                    <a16:creationId xmlns:a16="http://schemas.microsoft.com/office/drawing/2014/main" id="{AACCC932-60D4-3941-8C94-4F4F39791FDC}"/>
+                  </a:ext>
+                </a:extLst>
+              </p:cNvPr>
+              <p:cNvCxnSpPr>
+                <a:cxnSpLocks/>
+                <a:stCxn id="70" idx="1"/>
+              </p:cNvCxnSpPr>
+              <p:nvPr/>
+            </p:nvCxnSpPr>
+            <p:spPr>
+              <a:xfrm flipH="1">
+                <a:off x="5289088" y="1772542"/>
+                <a:ext cx="634952" cy="0"/>
+              </a:xfrm>
+              <a:prstGeom prst="straightConnector1">
+                <a:avLst/>
+              </a:prstGeom>
+              <a:ln w="28575">
+                <a:solidFill>
+                  <a:schemeClr val="tx1"/>
+                </a:solidFill>
+                <a:prstDash val="sysDash"/>
+                <a:headEnd type="triangle" w="med" len="med"/>
+                <a:tailEnd type="none" w="med" len="med"/>
+              </a:ln>
+            </p:spPr>
+            <p:style>
+              <a:lnRef idx="1">
+                <a:schemeClr val="accent1"/>
+              </a:lnRef>
+              <a:fillRef idx="0">
+                <a:schemeClr val="accent1"/>
+              </a:fillRef>
+              <a:effectRef idx="0">
+                <a:schemeClr val="accent1"/>
+              </a:effectRef>
+              <a:fontRef idx="minor">
+                <a:schemeClr val="tx1"/>
+              </a:fontRef>
+            </p:style>
+          </p:cxnSp>
           <p:pic>
             <p:nvPicPr>
-              <p:cNvPr id="44" name="Graphic 43">
+              <p:cNvPr id="1029" name="Picture 1028" descr="Shape&#10;&#10;Description automatically generated with low confidence">
                 <a:extLst>
                   <a:ext uri="{FF2B5EF4-FFF2-40B4-BE49-F238E27FC236}">
-                    <a16:creationId xmlns:a16="http://schemas.microsoft.com/office/drawing/2014/main" id="{DC03EC87-7221-1A4D-B059-6597CDB8AE6B}"/>
+                    <a16:creationId xmlns:a16="http://schemas.microsoft.com/office/drawing/2014/main" id="{FFB49B51-9537-884B-8A56-21473EBF99D6}"/>
                   </a:ext>
                 </a:extLst>
               </p:cNvPr>
@@ -5706,54 +6277,30 @@
               <p:nvPr/>
             </p:nvPicPr>
             <p:blipFill>
-              <a:blip r:embed="rId14">
-                <a:extLst>
-                  <a:ext uri="{96DAC541-7B7A-43D3-8B79-37D633B846F1}">
-                    <asvg:svgBlip xmlns:asvg="http://schemas.microsoft.com/office/drawing/2016/SVG/main" r:embed="rId15"/>
-                  </a:ext>
-                </a:extLst>
-              </a:blip>
+              <a:blip r:embed="rId19"/>
               <a:stretch>
                 <a:fillRect/>
               </a:stretch>
             </p:blipFill>
             <p:spPr>
               <a:xfrm>
-                <a:off x="1806680" y="5902132"/>
-                <a:ext cx="1237455" cy="260369"/>
+                <a:off x="5455467" y="1646734"/>
+                <a:ext cx="246461" cy="246461"/>
               </a:xfrm>
               <a:prstGeom prst="rect">
                 <a:avLst/>
               </a:prstGeom>
+              <a:solidFill>
+                <a:schemeClr val="bg1"/>
+              </a:solidFill>
             </p:spPr>
           </p:pic>
-        </p:grpSp>
-        <p:grpSp>
-          <p:nvGrpSpPr>
-            <p:cNvPr id="76" name="Group 75">
-              <a:extLst>
-                <a:ext uri="{FF2B5EF4-FFF2-40B4-BE49-F238E27FC236}">
-                  <a16:creationId xmlns:a16="http://schemas.microsoft.com/office/drawing/2014/main" id="{FCD46858-9086-1747-822D-ACE6996790C3}"/>
-                </a:ext>
-              </a:extLst>
-            </p:cNvPr>
-            <p:cNvGrpSpPr/>
-            <p:nvPr/>
-          </p:nvGrpSpPr>
-          <p:grpSpPr>
-            <a:xfrm>
-              <a:off x="5924040" y="11601"/>
-              <a:ext cx="2927549" cy="3268386"/>
-              <a:chOff x="6014302" y="1706633"/>
-              <a:chExt cx="2927549" cy="3268386"/>
-            </a:xfrm>
-          </p:grpSpPr>
           <p:sp>
             <p:nvSpPr>
-              <p:cNvPr id="72" name="TextBox 71">
+              <p:cNvPr id="1031" name="TextBox 1030">
                 <a:extLst>
                   <a:ext uri="{FF2B5EF4-FFF2-40B4-BE49-F238E27FC236}">
-                    <a16:creationId xmlns:a16="http://schemas.microsoft.com/office/drawing/2014/main" id="{A6CC3937-CCD8-F141-9CB8-526A7A5DA01F}"/>
+                    <a16:creationId xmlns:a16="http://schemas.microsoft.com/office/drawing/2014/main" id="{878876C0-1A4F-8C42-BA89-071CCC9D3461}"/>
                   </a:ext>
                 </a:extLst>
               </p:cNvPr>
@@ -5762,7 +6309,72 @@
             </p:nvSpPr>
             <p:spPr>
               <a:xfrm>
-                <a:off x="6388373" y="2776939"/>
+                <a:off x="5346357" y="1430607"/>
+                <a:ext cx="462319" cy="253916"/>
+              </a:xfrm>
+              <a:prstGeom prst="rect">
+                <a:avLst/>
+              </a:prstGeom>
+              <a:noFill/>
+            </p:spPr>
+            <p:txBody>
+              <a:bodyPr wrap="square" rtlCol="0">
+                <a:spAutoFit/>
+              </a:bodyPr>
+              <a:lstStyle/>
+              <a:p>
+                <a:pPr algn="ctr"/>
+                <a:r>
+                  <a:rPr lang="en-US" sz="1050" b="1" dirty="0"/>
+                  <a:t>24H</a:t>
+                </a:r>
+              </a:p>
+            </p:txBody>
+          </p:sp>
+          <p:pic>
+            <p:nvPicPr>
+              <p:cNvPr id="1035" name="Picture 1034" descr="Icon&#10;&#10;Description automatically generated">
+                <a:extLst>
+                  <a:ext uri="{FF2B5EF4-FFF2-40B4-BE49-F238E27FC236}">
+                    <a16:creationId xmlns:a16="http://schemas.microsoft.com/office/drawing/2014/main" id="{954C7E24-D921-9243-8CD4-3A722894BB2D}"/>
+                  </a:ext>
+                </a:extLst>
+              </p:cNvPr>
+              <p:cNvPicPr>
+                <a:picLocks noChangeAspect="1"/>
+              </p:cNvPicPr>
+              <p:nvPr/>
+            </p:nvPicPr>
+            <p:blipFill rotWithShape="1">
+              <a:blip r:embed="rId20"/>
+              <a:srcRect t="12708" b="11909"/>
+              <a:stretch/>
+            </p:blipFill>
+            <p:spPr>
+              <a:xfrm>
+                <a:off x="10156278" y="3796590"/>
+                <a:ext cx="674864" cy="331262"/>
+              </a:xfrm>
+              <a:prstGeom prst="rect">
+                <a:avLst/>
+              </a:prstGeom>
+            </p:spPr>
+          </p:pic>
+          <p:sp>
+            <p:nvSpPr>
+              <p:cNvPr id="267" name="TextBox 266">
+                <a:extLst>
+                  <a:ext uri="{FF2B5EF4-FFF2-40B4-BE49-F238E27FC236}">
+                    <a16:creationId xmlns:a16="http://schemas.microsoft.com/office/drawing/2014/main" id="{A152ED09-F987-604F-A76E-F289CC4D6E9C}"/>
+                  </a:ext>
+                </a:extLst>
+              </p:cNvPr>
+              <p:cNvSpPr txBox="1"/>
+              <p:nvPr/>
+            </p:nvSpPr>
+            <p:spPr>
+              <a:xfrm>
+                <a:off x="9929659" y="1106912"/>
                 <a:ext cx="1150525" cy="307777"/>
               </a:xfrm>
               <a:prstGeom prst="rect">
@@ -5784,99 +6396,12 @@
               </a:p>
             </p:txBody>
           </p:sp>
-          <p:grpSp>
-            <p:nvGrpSpPr>
-              <p:cNvPr id="68" name="Group 67">
+          <p:sp>
+            <p:nvSpPr>
+              <p:cNvPr id="269" name="Rectangle 268">
                 <a:extLst>
                   <a:ext uri="{FF2B5EF4-FFF2-40B4-BE49-F238E27FC236}">
-                    <a16:creationId xmlns:a16="http://schemas.microsoft.com/office/drawing/2014/main" id="{30B4F5E5-2A15-1A40-BA6B-3FA98F66433A}"/>
-                  </a:ext>
-                </a:extLst>
-              </p:cNvPr>
-              <p:cNvGrpSpPr/>
-              <p:nvPr/>
-            </p:nvGrpSpPr>
-            <p:grpSpPr>
-              <a:xfrm>
-                <a:off x="8064042" y="3068170"/>
-                <a:ext cx="877809" cy="888723"/>
-                <a:chOff x="5875613" y="3301105"/>
-                <a:chExt cx="877809" cy="888723"/>
-              </a:xfrm>
-            </p:grpSpPr>
-            <p:pic>
-              <p:nvPicPr>
-                <p:cNvPr id="58" name="Picture 57" descr="Shape&#10;&#10;Description automatically generated with low confidence">
-                  <a:extLst>
-                    <a:ext uri="{FF2B5EF4-FFF2-40B4-BE49-F238E27FC236}">
-                      <a16:creationId xmlns:a16="http://schemas.microsoft.com/office/drawing/2014/main" id="{859779B6-C4A8-DB44-966F-A8FF54AEC929}"/>
-                    </a:ext>
-                  </a:extLst>
-                </p:cNvPr>
-                <p:cNvPicPr>
-                  <a:picLocks noChangeAspect="1"/>
-                </p:cNvPicPr>
-                <p:nvPr/>
-              </p:nvPicPr>
-              <p:blipFill>
-                <a:blip r:embed="rId16"/>
-                <a:stretch>
-                  <a:fillRect/>
-                </a:stretch>
-              </p:blipFill>
-              <p:spPr>
-                <a:xfrm>
-                  <a:off x="6019696" y="3600186"/>
-                  <a:ext cx="589642" cy="589642"/>
-                </a:xfrm>
-                <a:prstGeom prst="rect">
-                  <a:avLst/>
-                </a:prstGeom>
-              </p:spPr>
-            </p:pic>
-            <p:sp>
-              <p:nvSpPr>
-                <p:cNvPr id="73" name="TextBox 72">
-                  <a:extLst>
-                    <a:ext uri="{FF2B5EF4-FFF2-40B4-BE49-F238E27FC236}">
-                      <a16:creationId xmlns:a16="http://schemas.microsoft.com/office/drawing/2014/main" id="{60A4C613-DE70-794B-B317-20C1DE15B5C4}"/>
-                    </a:ext>
-                  </a:extLst>
-                </p:cNvPr>
-                <p:cNvSpPr txBox="1"/>
-                <p:nvPr/>
-              </p:nvSpPr>
-              <p:spPr>
-                <a:xfrm>
-                  <a:off x="5875613" y="3301105"/>
-                  <a:ext cx="877809" cy="307777"/>
-                </a:xfrm>
-                <a:prstGeom prst="rect">
-                  <a:avLst/>
-                </a:prstGeom>
-                <a:noFill/>
-              </p:spPr>
-              <p:txBody>
-                <a:bodyPr wrap="square" rtlCol="0">
-                  <a:spAutoFit/>
-                </a:bodyPr>
-                <a:lstStyle/>
-                <a:p>
-                  <a:pPr algn="ctr"/>
-                  <a:r>
-                    <a:rPr lang="en-US" sz="1400" b="1" dirty="0"/>
-                    <a:t>Database</a:t>
-                  </a:r>
-                </a:p>
-              </p:txBody>
-            </p:sp>
-          </p:grpSp>
-          <p:sp>
-            <p:nvSpPr>
-              <p:cNvPr id="70" name="Rectangle 69">
-                <a:extLst>
-                  <a:ext uri="{FF2B5EF4-FFF2-40B4-BE49-F238E27FC236}">
-                    <a16:creationId xmlns:a16="http://schemas.microsoft.com/office/drawing/2014/main" id="{D26BB2A7-2F96-1A49-9E53-F9C90571A338}"/>
+                    <a16:creationId xmlns:a16="http://schemas.microsoft.com/office/drawing/2014/main" id="{D1CAA592-4076-224A-BEF9-26D143EEE459}"/>
                   </a:ext>
                 </a:extLst>
               </p:cNvPr>
@@ -5885,8 +6410,8 @@
             </p:nvSpPr>
             <p:spPr>
               <a:xfrm>
-                <a:off x="6014302" y="1960129"/>
-                <a:ext cx="2914737" cy="3014890"/>
+                <a:off x="9445179" y="261894"/>
+                <a:ext cx="2097066" cy="3014889"/>
               </a:xfrm>
               <a:prstGeom prst="rect">
                 <a:avLst/>
@@ -5925,10 +6450,10 @@
           </p:sp>
           <p:pic>
             <p:nvPicPr>
-              <p:cNvPr id="1034" name="Picture 10" descr="@github-actions">
+              <p:cNvPr id="270" name="Picture 10" descr="@github-actions">
                 <a:extLst>
                   <a:ext uri="{FF2B5EF4-FFF2-40B4-BE49-F238E27FC236}">
-                    <a16:creationId xmlns:a16="http://schemas.microsoft.com/office/drawing/2014/main" id="{333E1CD5-750D-9341-9E04-4521F6E7C37A}"/>
+                    <a16:creationId xmlns:a16="http://schemas.microsoft.com/office/drawing/2014/main" id="{A9D102C4-2B2B-254B-B625-7E234E8E0F54}"/>
                   </a:ext>
                 </a:extLst>
               </p:cNvPr>
@@ -5952,7 +6477,7 @@
             </p:blipFill>
             <p:spPr bwMode="auto">
               <a:xfrm>
-                <a:off x="7290477" y="1706633"/>
+                <a:off x="10272534" y="7515"/>
                 <a:ext cx="362386" cy="362386"/>
               </a:xfrm>
               <a:prstGeom prst="rect">
@@ -5972,10 +6497,10 @@
           </p:pic>
           <p:sp>
             <p:nvSpPr>
-              <p:cNvPr id="78" name="TextBox 77">
+              <p:cNvPr id="271" name="TextBox 270">
                 <a:extLst>
                   <a:ext uri="{FF2B5EF4-FFF2-40B4-BE49-F238E27FC236}">
-                    <a16:creationId xmlns:a16="http://schemas.microsoft.com/office/drawing/2014/main" id="{50ECC6E9-53DD-F84D-A0BC-87BF41698CED}"/>
+                    <a16:creationId xmlns:a16="http://schemas.microsoft.com/office/drawing/2014/main" id="{DA019649-227D-5348-8EC7-735F9F0F310B}"/>
                   </a:ext>
                 </a:extLst>
               </p:cNvPr>
@@ -5984,8 +6509,8 @@
             </p:nvSpPr>
             <p:spPr>
               <a:xfrm>
-                <a:off x="6385789" y="2093670"/>
-                <a:ext cx="2168535" cy="307777"/>
+                <a:off x="8930013" y="393247"/>
+                <a:ext cx="3089765" cy="307777"/>
               </a:xfrm>
               <a:prstGeom prst="rect">
                 <a:avLst/>
@@ -6001,65 +6526,17 @@
                 <a:pPr algn="ctr"/>
                 <a:r>
                   <a:rPr lang="en-US" sz="1400" b="1" dirty="0"/>
-                  <a:t>Private GitHub Repository</a:t>
+                  <a:t>Public GitHub Repository</a:t>
                 </a:r>
               </a:p>
             </p:txBody>
           </p:sp>
-          <p:cxnSp>
-            <p:nvCxnSpPr>
-              <p:cNvPr id="169" name="Straight Arrow Connector 168">
+          <p:sp>
+            <p:nvSpPr>
+              <p:cNvPr id="273" name="Rounded Rectangle 272">
                 <a:extLst>
                   <a:ext uri="{FF2B5EF4-FFF2-40B4-BE49-F238E27FC236}">
-                    <a16:creationId xmlns:a16="http://schemas.microsoft.com/office/drawing/2014/main" id="{A2706074-DC40-4041-A4FF-A6A2FDB92080}"/>
-                  </a:ext>
-                </a:extLst>
-              </p:cNvPr>
-              <p:cNvCxnSpPr>
-                <a:cxnSpLocks/>
-                <a:stCxn id="58" idx="1"/>
-                <a:endCxn id="229" idx="3"/>
-              </p:cNvCxnSpPr>
-              <p:nvPr/>
-            </p:nvCxnSpPr>
-            <p:spPr>
-              <a:xfrm flipH="1">
-                <a:off x="7732862" y="3662072"/>
-                <a:ext cx="475263" cy="3743"/>
-              </a:xfrm>
-              <a:prstGeom prst="straightConnector1">
-                <a:avLst/>
-              </a:prstGeom>
-              <a:ln w="28575">
-                <a:solidFill>
-                  <a:schemeClr val="tx1"/>
-                </a:solidFill>
-                <a:prstDash val="sysDash"/>
-                <a:headEnd type="triangle" w="med" len="med"/>
-                <a:tailEnd type="triangle" w="med" len="med"/>
-              </a:ln>
-            </p:spPr>
-            <p:style>
-              <a:lnRef idx="1">
-                <a:schemeClr val="accent1"/>
-              </a:lnRef>
-              <a:fillRef idx="0">
-                <a:schemeClr val="accent1"/>
-              </a:fillRef>
-              <a:effectRef idx="0">
-                <a:schemeClr val="accent1"/>
-              </a:effectRef>
-              <a:fontRef idx="minor">
-                <a:schemeClr val="tx1"/>
-              </a:fontRef>
-            </p:style>
-          </p:cxnSp>
-          <p:sp>
-            <p:nvSpPr>
-              <p:cNvPr id="229" name="Rounded Rectangle 228">
-                <a:extLst>
-                  <a:ext uri="{FF2B5EF4-FFF2-40B4-BE49-F238E27FC236}">
-                    <a16:creationId xmlns:a16="http://schemas.microsoft.com/office/drawing/2014/main" id="{61753DD6-EB96-854A-B4AD-CB91E904DB71}"/>
+                    <a16:creationId xmlns:a16="http://schemas.microsoft.com/office/drawing/2014/main" id="{EB60D01D-0CD8-F24B-8922-63C750B16204}"/>
                   </a:ext>
                 </a:extLst>
               </p:cNvPr>
@@ -6068,8 +6545,8 @@
             </p:nvSpPr>
             <p:spPr>
               <a:xfrm>
-                <a:off x="6163087" y="2685201"/>
-                <a:ext cx="1569775" cy="1961227"/>
+                <a:off x="9708823" y="1008478"/>
+                <a:ext cx="1569775" cy="1368467"/>
               </a:xfrm>
               <a:prstGeom prst="roundRect">
                 <a:avLst/>
@@ -6109,10 +6586,10 @@
           </p:sp>
           <p:pic>
             <p:nvPicPr>
-              <p:cNvPr id="56" name="Picture 55" descr="Shape&#10;&#10;Description automatically generated with low confidence">
+              <p:cNvPr id="274" name="Picture 273" descr="Shape&#10;&#10;Description automatically generated with low confidence">
                 <a:extLst>
                   <a:ext uri="{FF2B5EF4-FFF2-40B4-BE49-F238E27FC236}">
-                    <a16:creationId xmlns:a16="http://schemas.microsoft.com/office/drawing/2014/main" id="{170F0680-CE67-9F40-BA61-BB914AC01A1B}"/>
+                    <a16:creationId xmlns:a16="http://schemas.microsoft.com/office/drawing/2014/main" id="{6D09E01B-3F68-AF4F-896E-8B9EC0903B5D}"/>
                   </a:ext>
                 </a:extLst>
               </p:cNvPr>
@@ -6129,7 +6606,7 @@
             </p:blipFill>
             <p:spPr>
               <a:xfrm>
-                <a:off x="6726077" y="2420836"/>
+                <a:off x="10257168" y="736131"/>
                 <a:ext cx="437008" cy="437008"/>
               </a:xfrm>
               <a:prstGeom prst="rect">
@@ -6142,10 +6619,10 @@
           </p:pic>
           <p:sp>
             <p:nvSpPr>
-              <p:cNvPr id="67" name="TextBox 66">
+              <p:cNvPr id="275" name="TextBox 274">
                 <a:extLst>
                   <a:ext uri="{FF2B5EF4-FFF2-40B4-BE49-F238E27FC236}">
-                    <a16:creationId xmlns:a16="http://schemas.microsoft.com/office/drawing/2014/main" id="{30F50D8C-197C-7D49-B811-CDED55FED946}"/>
+                    <a16:creationId xmlns:a16="http://schemas.microsoft.com/office/drawing/2014/main" id="{0BDE77A8-38C7-D24F-B152-71F56B290934}"/>
                   </a:ext>
                 </a:extLst>
               </p:cNvPr>
@@ -6154,8 +6631,8 @@
             </p:nvSpPr>
             <p:spPr>
               <a:xfrm>
-                <a:off x="6172556" y="2930827"/>
-                <a:ext cx="1607403" cy="1725729"/>
+                <a:off x="9671195" y="1357820"/>
+                <a:ext cx="1607403" cy="830997"/>
               </a:xfrm>
               <a:prstGeom prst="rect">
                 <a:avLst/>
@@ -6168,319 +6645,504 @@
               </a:bodyPr>
               <a:lstStyle/>
               <a:p>
-                <a:pPr marL="342900" indent="-342900">
-                  <a:lnSpc>
-                    <a:spcPct val="150000"/>
-                  </a:lnSpc>
-                  <a:buFont typeface="+mj-lt"/>
-                  <a:buAutoNum type="arabicPeriod"/>
-                </a:pPr>
+                <a:pPr algn="ctr"/>
                 <a:r>
                   <a:rPr lang="en-US" sz="1200" b="1" i="1" dirty="0"/>
-                  <a:t>Update data</a:t>
-                </a:r>
-              </a:p>
-              <a:p>
-                <a:pPr marL="342900" indent="-342900">
-                  <a:lnSpc>
-                    <a:spcPct val="150000"/>
-                  </a:lnSpc>
-                  <a:buFont typeface="+mj-lt"/>
-                  <a:buAutoNum type="arabicPeriod"/>
-                </a:pPr>
-                <a:r>
-                  <a:rPr lang="en-US" sz="1200" b="1" i="1" dirty="0"/>
-                  <a:t>Preprocess data</a:t>
-                </a:r>
-              </a:p>
-              <a:p>
-                <a:pPr marL="342900" indent="-342900">
-                  <a:lnSpc>
-                    <a:spcPct val="150000"/>
-                  </a:lnSpc>
-                  <a:buFont typeface="+mj-lt"/>
-                  <a:buAutoNum type="arabicPeriod"/>
-                </a:pPr>
-                <a:r>
-                  <a:rPr lang="en-US" sz="1200" b="1" i="1" dirty="0"/>
-                  <a:t>Generate figures</a:t>
-                </a:r>
-              </a:p>
-              <a:p>
-                <a:pPr marL="342900" indent="-342900">
-                  <a:lnSpc>
-                    <a:spcPct val="150000"/>
-                  </a:lnSpc>
-                  <a:buFont typeface="+mj-lt"/>
-                  <a:buAutoNum type="arabicPeriod"/>
-                </a:pPr>
-                <a:r>
-                  <a:rPr lang="en-US" sz="1200" b="1" i="1" dirty="0"/>
-                  <a:t>Store data</a:t>
-                </a:r>
-              </a:p>
-              <a:p>
-                <a:pPr marL="342900" indent="-342900">
-                  <a:lnSpc>
-                    <a:spcPct val="150000"/>
-                  </a:lnSpc>
-                  <a:buFont typeface="+mj-lt"/>
-                  <a:buAutoNum type="arabicPeriod"/>
-                </a:pPr>
-                <a:r>
-                  <a:rPr lang="en-US" sz="1200" b="1" i="1" dirty="0"/>
-                  <a:t>Store figures</a:t>
-                </a:r>
-                <a:br>
-                  <a:rPr lang="en-US" sz="1200" b="1" i="1" dirty="0"/>
-                </a:br>
-                <a:r>
-                  <a:rPr lang="en-US" sz="1200" b="1" i="1" dirty="0"/>
-                  <a:t>&amp; metadata</a:t>
+                  <a:t>Copy updated figures and metadata from private GitHub repository</a:t>
                 </a:r>
               </a:p>
             </p:txBody>
           </p:sp>
+          <p:cxnSp>
+            <p:nvCxnSpPr>
+              <p:cNvPr id="280" name="Straight Arrow Connector 279">
+                <a:extLst>
+                  <a:ext uri="{FF2B5EF4-FFF2-40B4-BE49-F238E27FC236}">
+                    <a16:creationId xmlns:a16="http://schemas.microsoft.com/office/drawing/2014/main" id="{4C7925E2-D020-9E4D-BC5B-498B82898AD6}"/>
+                  </a:ext>
+                </a:extLst>
+              </p:cNvPr>
+              <p:cNvCxnSpPr>
+                <a:cxnSpLocks/>
+                <a:stCxn id="269" idx="1"/>
+                <a:endCxn id="70" idx="3"/>
+              </p:cNvCxnSpPr>
+              <p:nvPr/>
+            </p:nvCxnSpPr>
+            <p:spPr>
+              <a:xfrm flipH="1">
+                <a:off x="8838777" y="1769339"/>
+                <a:ext cx="606402" cy="3203"/>
+              </a:xfrm>
+              <a:prstGeom prst="straightConnector1">
+                <a:avLst/>
+              </a:prstGeom>
+              <a:ln w="28575">
+                <a:solidFill>
+                  <a:schemeClr val="tx1"/>
+                </a:solidFill>
+                <a:prstDash val="sysDash"/>
+                <a:headEnd type="triangle" w="med" len="med"/>
+                <a:tailEnd type="none" w="med" len="med"/>
+              </a:ln>
+            </p:spPr>
+            <p:style>
+              <a:lnRef idx="1">
+                <a:schemeClr val="accent1"/>
+              </a:lnRef>
+              <a:fillRef idx="0">
+                <a:schemeClr val="accent1"/>
+              </a:fillRef>
+              <a:effectRef idx="0">
+                <a:schemeClr val="accent1"/>
+              </a:effectRef>
+              <a:fontRef idx="minor">
+                <a:schemeClr val="tx1"/>
+              </a:fontRef>
+            </p:style>
+          </p:cxnSp>
+          <p:pic>
+            <p:nvPicPr>
+              <p:cNvPr id="281" name="Picture 280" descr="Shape&#10;&#10;Description automatically generated with low confidence">
+                <a:extLst>
+                  <a:ext uri="{FF2B5EF4-FFF2-40B4-BE49-F238E27FC236}">
+                    <a16:creationId xmlns:a16="http://schemas.microsoft.com/office/drawing/2014/main" id="{B50236A4-A69E-6347-B260-F872041AB7A7}"/>
+                  </a:ext>
+                </a:extLst>
+              </p:cNvPr>
+              <p:cNvPicPr>
+                <a:picLocks noChangeAspect="1"/>
+              </p:cNvPicPr>
+              <p:nvPr/>
+            </p:nvPicPr>
+            <p:blipFill>
+              <a:blip r:embed="rId19"/>
+              <a:stretch>
+                <a:fillRect/>
+              </a:stretch>
+            </p:blipFill>
+            <p:spPr>
+              <a:xfrm>
+                <a:off x="8982860" y="1637011"/>
+                <a:ext cx="246461" cy="246461"/>
+              </a:xfrm>
+              <a:prstGeom prst="rect">
+                <a:avLst/>
+              </a:prstGeom>
+              <a:solidFill>
+                <a:schemeClr val="bg1"/>
+              </a:solidFill>
+            </p:spPr>
+          </p:pic>
+          <p:sp>
+            <p:nvSpPr>
+              <p:cNvPr id="282" name="TextBox 281">
+                <a:extLst>
+                  <a:ext uri="{FF2B5EF4-FFF2-40B4-BE49-F238E27FC236}">
+                    <a16:creationId xmlns:a16="http://schemas.microsoft.com/office/drawing/2014/main" id="{A9E5ACF7-DC25-D842-95FB-4264624B2510}"/>
+                  </a:ext>
+                </a:extLst>
+              </p:cNvPr>
+              <p:cNvSpPr txBox="1"/>
+              <p:nvPr/>
+            </p:nvSpPr>
+            <p:spPr>
+              <a:xfrm>
+                <a:off x="8873750" y="1420884"/>
+                <a:ext cx="462319" cy="253916"/>
+              </a:xfrm>
+              <a:prstGeom prst="rect">
+                <a:avLst/>
+              </a:prstGeom>
+              <a:noFill/>
+            </p:spPr>
+            <p:txBody>
+              <a:bodyPr wrap="square" rtlCol="0">
+                <a:spAutoFit/>
+              </a:bodyPr>
+              <a:lstStyle/>
+              <a:p>
+                <a:pPr algn="ctr"/>
+                <a:r>
+                  <a:rPr lang="en-US" sz="1050" b="1" dirty="0"/>
+                  <a:t>24H</a:t>
+                </a:r>
+              </a:p>
+            </p:txBody>
+          </p:sp>
+          <p:sp>
+            <p:nvSpPr>
+              <p:cNvPr id="290" name="TextBox 289">
+                <a:extLst>
+                  <a:ext uri="{FF2B5EF4-FFF2-40B4-BE49-F238E27FC236}">
+                    <a16:creationId xmlns:a16="http://schemas.microsoft.com/office/drawing/2014/main" id="{A57DDE6D-823B-5341-A8F0-C949B9E154B2}"/>
+                  </a:ext>
+                </a:extLst>
+              </p:cNvPr>
+              <p:cNvSpPr txBox="1"/>
+              <p:nvPr/>
+            </p:nvSpPr>
+            <p:spPr>
+              <a:xfrm>
+                <a:off x="9946417" y="2650617"/>
+                <a:ext cx="1150525" cy="307777"/>
+              </a:xfrm>
+              <a:prstGeom prst="rect">
+                <a:avLst/>
+              </a:prstGeom>
+              <a:noFill/>
+            </p:spPr>
+            <p:txBody>
+              <a:bodyPr wrap="square" rtlCol="0">
+                <a:spAutoFit/>
+              </a:bodyPr>
+              <a:lstStyle/>
+              <a:p>
+                <a:pPr algn="ctr"/>
+                <a:r>
+                  <a:rPr lang="en-US" sz="1400" b="1" dirty="0">
+                    <a:solidFill>
+                      <a:srgbClr val="FF0000"/>
+                    </a:solidFill>
+                  </a:rPr>
+                  <a:t>app.py</a:t>
+                </a:r>
+              </a:p>
+            </p:txBody>
+          </p:sp>
+          <p:sp>
+            <p:nvSpPr>
+              <p:cNvPr id="291" name="Rounded Rectangle 290">
+                <a:extLst>
+                  <a:ext uri="{FF2B5EF4-FFF2-40B4-BE49-F238E27FC236}">
+                    <a16:creationId xmlns:a16="http://schemas.microsoft.com/office/drawing/2014/main" id="{2EAEF4F9-0F9B-2644-8916-B87E34805E69}"/>
+                  </a:ext>
+                </a:extLst>
+              </p:cNvPr>
+              <p:cNvSpPr/>
+              <p:nvPr/>
+            </p:nvSpPr>
+            <p:spPr>
+              <a:xfrm>
+                <a:off x="9725581" y="2552184"/>
+                <a:ext cx="1569775" cy="527234"/>
+              </a:xfrm>
+              <a:prstGeom prst="roundRect">
+                <a:avLst/>
+              </a:prstGeom>
+              <a:noFill/>
+              <a:ln w="28575">
+                <a:solidFill>
+                  <a:schemeClr val="tx1"/>
+                </a:solidFill>
+                <a:prstDash val="dash"/>
+              </a:ln>
+            </p:spPr>
+            <p:style>
+              <a:lnRef idx="2">
+                <a:schemeClr val="accent1">
+                  <a:shade val="50000"/>
+                </a:schemeClr>
+              </a:lnRef>
+              <a:fillRef idx="1">
+                <a:schemeClr val="accent1"/>
+              </a:fillRef>
+              <a:effectRef idx="0">
+                <a:schemeClr val="accent1"/>
+              </a:effectRef>
+              <a:fontRef idx="minor">
+                <a:schemeClr val="lt1"/>
+              </a:fontRef>
+            </p:style>
+            <p:txBody>
+              <a:bodyPr rtlCol="0" anchor="ctr"/>
+              <a:lstStyle/>
+              <a:p>
+                <a:pPr algn="ctr"/>
+                <a:endParaRPr lang="en-US"/>
+              </a:p>
+            </p:txBody>
+          </p:sp>
+          <p:cxnSp>
+            <p:nvCxnSpPr>
+              <p:cNvPr id="296" name="Straight Arrow Connector 295">
+                <a:extLst>
+                  <a:ext uri="{FF2B5EF4-FFF2-40B4-BE49-F238E27FC236}">
+                    <a16:creationId xmlns:a16="http://schemas.microsoft.com/office/drawing/2014/main" id="{FC380A84-3B59-A04D-BB46-64DDEEAD140D}"/>
+                  </a:ext>
+                </a:extLst>
+              </p:cNvPr>
+              <p:cNvCxnSpPr>
+                <a:cxnSpLocks/>
+                <a:stCxn id="1035" idx="0"/>
+                <a:endCxn id="269" idx="2"/>
+              </p:cNvCxnSpPr>
+              <p:nvPr/>
+            </p:nvCxnSpPr>
+            <p:spPr>
+              <a:xfrm flipV="1">
+                <a:off x="10493710" y="3276783"/>
+                <a:ext cx="2" cy="519807"/>
+              </a:xfrm>
+              <a:prstGeom prst="straightConnector1">
+                <a:avLst/>
+              </a:prstGeom>
+              <a:ln w="28575">
+                <a:solidFill>
+                  <a:schemeClr val="tx1"/>
+                </a:solidFill>
+                <a:prstDash val="sysDash"/>
+                <a:headEnd type="triangle" w="med" len="med"/>
+                <a:tailEnd type="none" w="med" len="med"/>
+              </a:ln>
+            </p:spPr>
+            <p:style>
+              <a:lnRef idx="1">
+                <a:schemeClr val="accent1"/>
+              </a:lnRef>
+              <a:fillRef idx="0">
+                <a:schemeClr val="accent1"/>
+              </a:fillRef>
+              <a:effectRef idx="0">
+                <a:schemeClr val="accent1"/>
+              </a:effectRef>
+              <a:fontRef idx="minor">
+                <a:schemeClr val="tx1"/>
+              </a:fontRef>
+            </p:style>
+          </p:cxnSp>
+          <p:sp>
+            <p:nvSpPr>
+              <p:cNvPr id="300" name="Rounded Rectangle 299">
+                <a:extLst>
+                  <a:ext uri="{FF2B5EF4-FFF2-40B4-BE49-F238E27FC236}">
+                    <a16:creationId xmlns:a16="http://schemas.microsoft.com/office/drawing/2014/main" id="{210840C8-4686-2443-8DEB-A10DD692A239}"/>
+                  </a:ext>
+                </a:extLst>
+              </p:cNvPr>
+              <p:cNvSpPr/>
+              <p:nvPr/>
+            </p:nvSpPr>
+            <p:spPr>
+              <a:xfrm>
+                <a:off x="9720033" y="4573784"/>
+                <a:ext cx="1569775" cy="307778"/>
+              </a:xfrm>
+              <a:prstGeom prst="roundRect">
+                <a:avLst/>
+              </a:prstGeom>
+              <a:noFill/>
+              <a:ln w="28575">
+                <a:solidFill>
+                  <a:schemeClr val="tx1"/>
+                </a:solidFill>
+                <a:prstDash val="dash"/>
+              </a:ln>
+            </p:spPr>
+            <p:style>
+              <a:lnRef idx="2">
+                <a:schemeClr val="accent1">
+                  <a:shade val="50000"/>
+                </a:schemeClr>
+              </a:lnRef>
+              <a:fillRef idx="1">
+                <a:schemeClr val="accent1"/>
+              </a:fillRef>
+              <a:effectRef idx="0">
+                <a:schemeClr val="accent1"/>
+              </a:effectRef>
+              <a:fontRef idx="minor">
+                <a:schemeClr val="lt1"/>
+              </a:fontRef>
+            </p:style>
+            <p:txBody>
+              <a:bodyPr rtlCol="0" anchor="ctr"/>
+              <a:lstStyle/>
+              <a:p>
+                <a:pPr algn="ctr"/>
+                <a:endParaRPr lang="en-US"/>
+              </a:p>
+            </p:txBody>
+          </p:sp>
+          <p:sp>
+            <p:nvSpPr>
+              <p:cNvPr id="301" name="TextBox 300">
+                <a:extLst>
+                  <a:ext uri="{FF2B5EF4-FFF2-40B4-BE49-F238E27FC236}">
+                    <a16:creationId xmlns:a16="http://schemas.microsoft.com/office/drawing/2014/main" id="{FBD307CA-7549-F14B-A21E-337A0F94ED5E}"/>
+                  </a:ext>
+                </a:extLst>
+              </p:cNvPr>
+              <p:cNvSpPr txBox="1"/>
+              <p:nvPr/>
+            </p:nvSpPr>
+            <p:spPr>
+              <a:xfrm>
+                <a:off x="9701218" y="4595874"/>
+                <a:ext cx="1607403" cy="276999"/>
+              </a:xfrm>
+              <a:prstGeom prst="rect">
+                <a:avLst/>
+              </a:prstGeom>
+              <a:noFill/>
+            </p:spPr>
+            <p:txBody>
+              <a:bodyPr wrap="square" rtlCol="0">
+                <a:spAutoFit/>
+              </a:bodyPr>
+              <a:lstStyle/>
+              <a:p>
+                <a:pPr algn="ctr"/>
+                <a:r>
+                  <a:rPr lang="en-US" sz="1200" b="1" i="1" dirty="0"/>
+                  <a:t>app hosting</a:t>
+                </a:r>
+              </a:p>
+            </p:txBody>
+          </p:sp>
+          <p:cxnSp>
+            <p:nvCxnSpPr>
+              <p:cNvPr id="302" name="Straight Arrow Connector 301">
+                <a:extLst>
+                  <a:ext uri="{FF2B5EF4-FFF2-40B4-BE49-F238E27FC236}">
+                    <a16:creationId xmlns:a16="http://schemas.microsoft.com/office/drawing/2014/main" id="{E5411B8E-74E5-6D40-B1CD-BC6DB402F8F0}"/>
+                  </a:ext>
+                </a:extLst>
+              </p:cNvPr>
+              <p:cNvCxnSpPr>
+                <a:cxnSpLocks/>
+              </p:cNvCxnSpPr>
+              <p:nvPr/>
+            </p:nvCxnSpPr>
+            <p:spPr>
+              <a:xfrm flipH="1" flipV="1">
+                <a:off x="9002640" y="4734373"/>
+                <a:ext cx="666679" cy="1"/>
+              </a:xfrm>
+              <a:prstGeom prst="straightConnector1">
+                <a:avLst/>
+              </a:prstGeom>
+              <a:ln w="28575">
+                <a:solidFill>
+                  <a:schemeClr val="tx1"/>
+                </a:solidFill>
+                <a:prstDash val="sysDash"/>
+                <a:headEnd type="arrow" w="med" len="med"/>
+                <a:tailEnd type="arrow" w="med" len="med"/>
+              </a:ln>
+            </p:spPr>
+            <p:style>
+              <a:lnRef idx="1">
+                <a:schemeClr val="accent1"/>
+              </a:lnRef>
+              <a:fillRef idx="0">
+                <a:schemeClr val="accent1"/>
+              </a:fillRef>
+              <a:effectRef idx="0">
+                <a:schemeClr val="accent1"/>
+              </a:effectRef>
+              <a:fontRef idx="minor">
+                <a:schemeClr val="tx1"/>
+              </a:fontRef>
+            </p:style>
+          </p:cxnSp>
+          <p:sp>
+            <p:nvSpPr>
+              <p:cNvPr id="303" name="TextBox 302">
+                <a:extLst>
+                  <a:ext uri="{FF2B5EF4-FFF2-40B4-BE49-F238E27FC236}">
+                    <a16:creationId xmlns:a16="http://schemas.microsoft.com/office/drawing/2014/main" id="{D2E11049-C69A-AD4F-AFB8-E226CC808750}"/>
+                  </a:ext>
+                </a:extLst>
+              </p:cNvPr>
+              <p:cNvSpPr txBox="1"/>
+              <p:nvPr/>
+            </p:nvSpPr>
+            <p:spPr>
+              <a:xfrm>
+                <a:off x="7837611" y="3782111"/>
+                <a:ext cx="1607404" cy="307777"/>
+              </a:xfrm>
+              <a:prstGeom prst="rect">
+                <a:avLst/>
+              </a:prstGeom>
+              <a:solidFill>
+                <a:schemeClr val="bg1"/>
+              </a:solidFill>
+            </p:spPr>
+            <p:txBody>
+              <a:bodyPr wrap="square" rtlCol="0">
+                <a:spAutoFit/>
+              </a:bodyPr>
+              <a:lstStyle/>
+              <a:p>
+                <a:pPr algn="ctr"/>
+                <a:r>
+                  <a:rPr lang="en-US" sz="1400" b="1" dirty="0">
+                    <a:solidFill>
+                      <a:srgbClr val="FF0000"/>
+                    </a:solidFill>
+                  </a:rPr>
+                  <a:t>www.covidatx.net</a:t>
+                </a:r>
+              </a:p>
+            </p:txBody>
+          </p:sp>
+          <p:cxnSp>
+            <p:nvCxnSpPr>
+              <p:cNvPr id="307" name="Straight Arrow Connector 306">
+                <a:extLst>
+                  <a:ext uri="{FF2B5EF4-FFF2-40B4-BE49-F238E27FC236}">
+                    <a16:creationId xmlns:a16="http://schemas.microsoft.com/office/drawing/2014/main" id="{D7E7B511-4721-7E45-95F3-94BF72F5541F}"/>
+                  </a:ext>
+                </a:extLst>
+              </p:cNvPr>
+              <p:cNvCxnSpPr>
+                <a:cxnSpLocks/>
+                <a:stCxn id="90" idx="2"/>
+                <a:endCxn id="1052" idx="0"/>
+              </p:cNvCxnSpPr>
+              <p:nvPr/>
+            </p:nvCxnSpPr>
+            <p:spPr>
+              <a:xfrm>
+                <a:off x="9758013" y="5285601"/>
+                <a:ext cx="4502" cy="487666"/>
+              </a:xfrm>
+              <a:prstGeom prst="straightConnector1">
+                <a:avLst/>
+              </a:prstGeom>
+              <a:ln w="28575">
+                <a:solidFill>
+                  <a:schemeClr val="tx1"/>
+                </a:solidFill>
+                <a:prstDash val="sysDash"/>
+                <a:headEnd type="triangle" w="med" len="med"/>
+                <a:tailEnd type="none" w="med" len="med"/>
+              </a:ln>
+            </p:spPr>
+            <p:style>
+              <a:lnRef idx="1">
+                <a:schemeClr val="accent1"/>
+              </a:lnRef>
+              <a:fillRef idx="0">
+                <a:schemeClr val="accent1"/>
+              </a:fillRef>
+              <a:effectRef idx="0">
+                <a:schemeClr val="accent1"/>
+              </a:effectRef>
+              <a:fontRef idx="minor">
+                <a:schemeClr val="tx1"/>
+              </a:fontRef>
+            </p:style>
+          </p:cxnSp>
         </p:grpSp>
-        <p:cxnSp>
-          <p:nvCxnSpPr>
-            <p:cNvPr id="165" name="Straight Arrow Connector 164">
+        <p:pic>
+          <p:nvPicPr>
+            <p:cNvPr id="2" name="Picture 2" descr="Texas Department of State Health Services">
               <a:extLst>
                 <a:ext uri="{FF2B5EF4-FFF2-40B4-BE49-F238E27FC236}">
-                  <a16:creationId xmlns:a16="http://schemas.microsoft.com/office/drawing/2014/main" id="{AACCC932-60D4-3941-8C94-4F4F39791FDC}"/>
-                </a:ext>
-              </a:extLst>
-            </p:cNvPr>
-            <p:cNvCxnSpPr>
-              <a:cxnSpLocks/>
-              <a:stCxn id="70" idx="1"/>
-            </p:cNvCxnSpPr>
-            <p:nvPr/>
-          </p:nvCxnSpPr>
-          <p:spPr>
-            <a:xfrm flipH="1">
-              <a:off x="5289088" y="1772542"/>
-              <a:ext cx="634952" cy="0"/>
-            </a:xfrm>
-            <a:prstGeom prst="straightConnector1">
-              <a:avLst/>
-            </a:prstGeom>
-            <a:ln w="28575">
-              <a:solidFill>
-                <a:schemeClr val="tx1"/>
-              </a:solidFill>
-              <a:prstDash val="sysDash"/>
-              <a:headEnd type="triangle" w="med" len="med"/>
-              <a:tailEnd type="none" w="med" len="med"/>
-            </a:ln>
-          </p:spPr>
-          <p:style>
-            <a:lnRef idx="1">
-              <a:schemeClr val="accent1"/>
-            </a:lnRef>
-            <a:fillRef idx="0">
-              <a:schemeClr val="accent1"/>
-            </a:fillRef>
-            <a:effectRef idx="0">
-              <a:schemeClr val="accent1"/>
-            </a:effectRef>
-            <a:fontRef idx="minor">
-              <a:schemeClr val="tx1"/>
-            </a:fontRef>
-          </p:style>
-        </p:cxnSp>
-        <p:pic>
-          <p:nvPicPr>
-            <p:cNvPr id="1029" name="Picture 1028" descr="Shape&#10;&#10;Description automatically generated with low confidence">
-              <a:extLst>
-                <a:ext uri="{FF2B5EF4-FFF2-40B4-BE49-F238E27FC236}">
-                  <a16:creationId xmlns:a16="http://schemas.microsoft.com/office/drawing/2014/main" id="{FFB49B51-9537-884B-8A56-21473EBF99D6}"/>
-                </a:ext>
-              </a:extLst>
-            </p:cNvPr>
-            <p:cNvPicPr>
-              <a:picLocks noChangeAspect="1"/>
-            </p:cNvPicPr>
-            <p:nvPr/>
-          </p:nvPicPr>
-          <p:blipFill>
-            <a:blip r:embed="rId19"/>
-            <a:stretch>
-              <a:fillRect/>
-            </a:stretch>
-          </p:blipFill>
-          <p:spPr>
-            <a:xfrm>
-              <a:off x="5455467" y="1646734"/>
-              <a:ext cx="246461" cy="246461"/>
-            </a:xfrm>
-            <a:prstGeom prst="rect">
-              <a:avLst/>
-            </a:prstGeom>
-            <a:solidFill>
-              <a:schemeClr val="bg1"/>
-            </a:solidFill>
-          </p:spPr>
-        </p:pic>
-        <p:sp>
-          <p:nvSpPr>
-            <p:cNvPr id="1031" name="TextBox 1030">
-              <a:extLst>
-                <a:ext uri="{FF2B5EF4-FFF2-40B4-BE49-F238E27FC236}">
-                  <a16:creationId xmlns:a16="http://schemas.microsoft.com/office/drawing/2014/main" id="{878876C0-1A4F-8C42-BA89-071CCC9D3461}"/>
-                </a:ext>
-              </a:extLst>
-            </p:cNvPr>
-            <p:cNvSpPr txBox="1"/>
-            <p:nvPr/>
-          </p:nvSpPr>
-          <p:spPr>
-            <a:xfrm>
-              <a:off x="5346357" y="1430607"/>
-              <a:ext cx="462319" cy="253916"/>
-            </a:xfrm>
-            <a:prstGeom prst="rect">
-              <a:avLst/>
-            </a:prstGeom>
-            <a:noFill/>
-          </p:spPr>
-          <p:txBody>
-            <a:bodyPr wrap="square" rtlCol="0">
-              <a:spAutoFit/>
-            </a:bodyPr>
-            <a:lstStyle/>
-            <a:p>
-              <a:pPr algn="ctr"/>
-              <a:r>
-                <a:rPr lang="en-US" sz="1050" b="1" dirty="0"/>
-                <a:t>24H</a:t>
-              </a:r>
-            </a:p>
-          </p:txBody>
-        </p:sp>
-        <p:pic>
-          <p:nvPicPr>
-            <p:cNvPr id="1035" name="Picture 1034" descr="Icon&#10;&#10;Description automatically generated">
-              <a:extLst>
-                <a:ext uri="{FF2B5EF4-FFF2-40B4-BE49-F238E27FC236}">
-                  <a16:creationId xmlns:a16="http://schemas.microsoft.com/office/drawing/2014/main" id="{954C7E24-D921-9243-8CD4-3A722894BB2D}"/>
-                </a:ext>
-              </a:extLst>
-            </p:cNvPr>
-            <p:cNvPicPr>
-              <a:picLocks noChangeAspect="1"/>
-            </p:cNvPicPr>
-            <p:nvPr/>
-          </p:nvPicPr>
-          <p:blipFill rotWithShape="1">
-            <a:blip r:embed="rId20"/>
-            <a:srcRect t="12708" b="11909"/>
-            <a:stretch/>
-          </p:blipFill>
-          <p:spPr>
-            <a:xfrm>
-              <a:off x="10156278" y="3796590"/>
-              <a:ext cx="674864" cy="331262"/>
-            </a:xfrm>
-            <a:prstGeom prst="rect">
-              <a:avLst/>
-            </a:prstGeom>
-          </p:spPr>
-        </p:pic>
-        <p:sp>
-          <p:nvSpPr>
-            <p:cNvPr id="267" name="TextBox 266">
-              <a:extLst>
-                <a:ext uri="{FF2B5EF4-FFF2-40B4-BE49-F238E27FC236}">
-                  <a16:creationId xmlns:a16="http://schemas.microsoft.com/office/drawing/2014/main" id="{A152ED09-F987-604F-A76E-F289CC4D6E9C}"/>
-                </a:ext>
-              </a:extLst>
-            </p:cNvPr>
-            <p:cNvSpPr txBox="1"/>
-            <p:nvPr/>
-          </p:nvSpPr>
-          <p:spPr>
-            <a:xfrm>
-              <a:off x="9929659" y="1106912"/>
-              <a:ext cx="1150525" cy="307777"/>
-            </a:xfrm>
-            <a:prstGeom prst="rect">
-              <a:avLst/>
-            </a:prstGeom>
-            <a:noFill/>
-          </p:spPr>
-          <p:txBody>
-            <a:bodyPr wrap="square" rtlCol="0">
-              <a:spAutoFit/>
-            </a:bodyPr>
-            <a:lstStyle/>
-            <a:p>
-              <a:pPr algn="ctr"/>
-              <a:r>
-                <a:rPr lang="en-US" sz="1400" b="1" dirty="0"/>
-                <a:t>Actions</a:t>
-              </a:r>
-            </a:p>
-          </p:txBody>
-        </p:sp>
-        <p:sp>
-          <p:nvSpPr>
-            <p:cNvPr id="269" name="Rectangle 268">
-              <a:extLst>
-                <a:ext uri="{FF2B5EF4-FFF2-40B4-BE49-F238E27FC236}">
-                  <a16:creationId xmlns:a16="http://schemas.microsoft.com/office/drawing/2014/main" id="{D1CAA592-4076-224A-BEF9-26D143EEE459}"/>
-                </a:ext>
-              </a:extLst>
-            </p:cNvPr>
-            <p:cNvSpPr/>
-            <p:nvPr/>
-          </p:nvSpPr>
-          <p:spPr>
-            <a:xfrm>
-              <a:off x="9445179" y="261894"/>
-              <a:ext cx="2097066" cy="3014889"/>
-            </a:xfrm>
-            <a:prstGeom prst="rect">
-              <a:avLst/>
-            </a:prstGeom>
-            <a:noFill/>
-            <a:ln w="28575">
-              <a:solidFill>
-                <a:schemeClr val="tx1"/>
-              </a:solidFill>
-            </a:ln>
-          </p:spPr>
-          <p:style>
-            <a:lnRef idx="2">
-              <a:schemeClr val="accent1">
-                <a:shade val="50000"/>
-              </a:schemeClr>
-            </a:lnRef>
-            <a:fillRef idx="1">
-              <a:schemeClr val="accent1"/>
-            </a:fillRef>
-            <a:effectRef idx="0">
-              <a:schemeClr val="accent1"/>
-            </a:effectRef>
-            <a:fontRef idx="minor">
-              <a:schemeClr val="lt1"/>
-            </a:fontRef>
-          </p:style>
-          <p:txBody>
-            <a:bodyPr rtlCol="0" anchor="ctr"/>
-            <a:lstStyle/>
-            <a:p>
-              <a:pPr algn="ctr"/>
-              <a:endParaRPr lang="en-US"/>
-            </a:p>
-          </p:txBody>
-        </p:sp>
-        <p:pic>
-          <p:nvPicPr>
-            <p:cNvPr id="270" name="Picture 10" descr="@github-actions">
-              <a:extLst>
-                <a:ext uri="{FF2B5EF4-FFF2-40B4-BE49-F238E27FC236}">
-                  <a16:creationId xmlns:a16="http://schemas.microsoft.com/office/drawing/2014/main" id="{A9D102C4-2B2B-254B-B625-7E234E8E0F54}"/>
+                  <a16:creationId xmlns:a16="http://schemas.microsoft.com/office/drawing/2014/main" id="{8137B51B-607F-8C4C-8CEE-F7639174D9C0}"/>
                 </a:ext>
               </a:extLst>
             </p:cNvPr>
@@ -6490,7 +7152,7 @@
             <p:nvPr/>
           </p:nvPicPr>
           <p:blipFill>
-            <a:blip r:embed="rId17">
+            <a:blip r:embed="rId21">
               <a:extLst>
                 <a:ext uri="{28A0092B-C50C-407E-A947-70E740481C1C}">
                   <a14:useLocalDpi xmlns:a14="http://schemas.microsoft.com/office/drawing/2010/main" val="0"/>
@@ -6504,8 +7166,8 @@
           </p:blipFill>
           <p:spPr bwMode="auto">
             <a:xfrm>
-              <a:off x="10272534" y="7515"/>
-              <a:ext cx="362386" cy="362386"/>
+              <a:off x="3101953" y="5013935"/>
+              <a:ext cx="1025719" cy="197797"/>
             </a:xfrm>
             <a:prstGeom prst="rect">
               <a:avLst/>
@@ -6522,647 +7184,6 @@
             </a:extLst>
           </p:spPr>
         </p:pic>
-        <p:sp>
-          <p:nvSpPr>
-            <p:cNvPr id="271" name="TextBox 270">
-              <a:extLst>
-                <a:ext uri="{FF2B5EF4-FFF2-40B4-BE49-F238E27FC236}">
-                  <a16:creationId xmlns:a16="http://schemas.microsoft.com/office/drawing/2014/main" id="{DA019649-227D-5348-8EC7-735F9F0F310B}"/>
-                </a:ext>
-              </a:extLst>
-            </p:cNvPr>
-            <p:cNvSpPr txBox="1"/>
-            <p:nvPr/>
-          </p:nvSpPr>
-          <p:spPr>
-            <a:xfrm>
-              <a:off x="8930013" y="393247"/>
-              <a:ext cx="3089765" cy="307777"/>
-            </a:xfrm>
-            <a:prstGeom prst="rect">
-              <a:avLst/>
-            </a:prstGeom>
-            <a:noFill/>
-          </p:spPr>
-          <p:txBody>
-            <a:bodyPr wrap="square" rtlCol="0">
-              <a:spAutoFit/>
-            </a:bodyPr>
-            <a:lstStyle/>
-            <a:p>
-              <a:pPr algn="ctr"/>
-              <a:r>
-                <a:rPr lang="en-US" sz="1400" b="1" dirty="0"/>
-                <a:t>Public GitHub Repository</a:t>
-              </a:r>
-            </a:p>
-          </p:txBody>
-        </p:sp>
-        <p:sp>
-          <p:nvSpPr>
-            <p:cNvPr id="273" name="Rounded Rectangle 272">
-              <a:extLst>
-                <a:ext uri="{FF2B5EF4-FFF2-40B4-BE49-F238E27FC236}">
-                  <a16:creationId xmlns:a16="http://schemas.microsoft.com/office/drawing/2014/main" id="{EB60D01D-0CD8-F24B-8922-63C750B16204}"/>
-                </a:ext>
-              </a:extLst>
-            </p:cNvPr>
-            <p:cNvSpPr/>
-            <p:nvPr/>
-          </p:nvSpPr>
-          <p:spPr>
-            <a:xfrm>
-              <a:off x="9708823" y="1008478"/>
-              <a:ext cx="1569775" cy="1368467"/>
-            </a:xfrm>
-            <a:prstGeom prst="roundRect">
-              <a:avLst/>
-            </a:prstGeom>
-            <a:noFill/>
-            <a:ln w="28575">
-              <a:solidFill>
-                <a:schemeClr val="tx1"/>
-              </a:solidFill>
-              <a:prstDash val="dash"/>
-            </a:ln>
-          </p:spPr>
-          <p:style>
-            <a:lnRef idx="2">
-              <a:schemeClr val="accent1">
-                <a:shade val="50000"/>
-              </a:schemeClr>
-            </a:lnRef>
-            <a:fillRef idx="1">
-              <a:schemeClr val="accent1"/>
-            </a:fillRef>
-            <a:effectRef idx="0">
-              <a:schemeClr val="accent1"/>
-            </a:effectRef>
-            <a:fontRef idx="minor">
-              <a:schemeClr val="lt1"/>
-            </a:fontRef>
-          </p:style>
-          <p:txBody>
-            <a:bodyPr rtlCol="0" anchor="ctr"/>
-            <a:lstStyle/>
-            <a:p>
-              <a:pPr algn="ctr"/>
-              <a:endParaRPr lang="en-US"/>
-            </a:p>
-          </p:txBody>
-        </p:sp>
-        <p:pic>
-          <p:nvPicPr>
-            <p:cNvPr id="274" name="Picture 273" descr="Shape&#10;&#10;Description automatically generated with low confidence">
-              <a:extLst>
-                <a:ext uri="{FF2B5EF4-FFF2-40B4-BE49-F238E27FC236}">
-                  <a16:creationId xmlns:a16="http://schemas.microsoft.com/office/drawing/2014/main" id="{6D09E01B-3F68-AF4F-896E-8B9EC0903B5D}"/>
-                </a:ext>
-              </a:extLst>
-            </p:cNvPr>
-            <p:cNvPicPr>
-              <a:picLocks noChangeAspect="1"/>
-            </p:cNvPicPr>
-            <p:nvPr/>
-          </p:nvPicPr>
-          <p:blipFill>
-            <a:blip r:embed="rId18"/>
-            <a:stretch>
-              <a:fillRect/>
-            </a:stretch>
-          </p:blipFill>
-          <p:spPr>
-            <a:xfrm>
-              <a:off x="10257168" y="736131"/>
-              <a:ext cx="437008" cy="437008"/>
-            </a:xfrm>
-            <a:prstGeom prst="rect">
-              <a:avLst/>
-            </a:prstGeom>
-            <a:solidFill>
-              <a:schemeClr val="bg1"/>
-            </a:solidFill>
-          </p:spPr>
-        </p:pic>
-        <p:sp>
-          <p:nvSpPr>
-            <p:cNvPr id="275" name="TextBox 274">
-              <a:extLst>
-                <a:ext uri="{FF2B5EF4-FFF2-40B4-BE49-F238E27FC236}">
-                  <a16:creationId xmlns:a16="http://schemas.microsoft.com/office/drawing/2014/main" id="{0BDE77A8-38C7-D24F-B152-71F56B290934}"/>
-                </a:ext>
-              </a:extLst>
-            </p:cNvPr>
-            <p:cNvSpPr txBox="1"/>
-            <p:nvPr/>
-          </p:nvSpPr>
-          <p:spPr>
-            <a:xfrm>
-              <a:off x="9671195" y="1357820"/>
-              <a:ext cx="1607403" cy="830997"/>
-            </a:xfrm>
-            <a:prstGeom prst="rect">
-              <a:avLst/>
-            </a:prstGeom>
-            <a:noFill/>
-          </p:spPr>
-          <p:txBody>
-            <a:bodyPr wrap="square" rtlCol="0">
-              <a:spAutoFit/>
-            </a:bodyPr>
-            <a:lstStyle/>
-            <a:p>
-              <a:pPr algn="ctr"/>
-              <a:r>
-                <a:rPr lang="en-US" sz="1200" b="1" i="1" dirty="0"/>
-                <a:t>Copy updated figures and metadata from private GitHub repository</a:t>
-              </a:r>
-            </a:p>
-          </p:txBody>
-        </p:sp>
-        <p:cxnSp>
-          <p:nvCxnSpPr>
-            <p:cNvPr id="280" name="Straight Arrow Connector 279">
-              <a:extLst>
-                <a:ext uri="{FF2B5EF4-FFF2-40B4-BE49-F238E27FC236}">
-                  <a16:creationId xmlns:a16="http://schemas.microsoft.com/office/drawing/2014/main" id="{4C7925E2-D020-9E4D-BC5B-498B82898AD6}"/>
-                </a:ext>
-              </a:extLst>
-            </p:cNvPr>
-            <p:cNvCxnSpPr>
-              <a:cxnSpLocks/>
-              <a:stCxn id="269" idx="1"/>
-              <a:endCxn id="70" idx="3"/>
-            </p:cNvCxnSpPr>
-            <p:nvPr/>
-          </p:nvCxnSpPr>
-          <p:spPr>
-            <a:xfrm flipH="1">
-              <a:off x="8838777" y="1769339"/>
-              <a:ext cx="606402" cy="3203"/>
-            </a:xfrm>
-            <a:prstGeom prst="straightConnector1">
-              <a:avLst/>
-            </a:prstGeom>
-            <a:ln w="28575">
-              <a:solidFill>
-                <a:schemeClr val="tx1"/>
-              </a:solidFill>
-              <a:prstDash val="sysDash"/>
-              <a:headEnd type="triangle" w="med" len="med"/>
-              <a:tailEnd type="none" w="med" len="med"/>
-            </a:ln>
-          </p:spPr>
-          <p:style>
-            <a:lnRef idx="1">
-              <a:schemeClr val="accent1"/>
-            </a:lnRef>
-            <a:fillRef idx="0">
-              <a:schemeClr val="accent1"/>
-            </a:fillRef>
-            <a:effectRef idx="0">
-              <a:schemeClr val="accent1"/>
-            </a:effectRef>
-            <a:fontRef idx="minor">
-              <a:schemeClr val="tx1"/>
-            </a:fontRef>
-          </p:style>
-        </p:cxnSp>
-        <p:pic>
-          <p:nvPicPr>
-            <p:cNvPr id="281" name="Picture 280" descr="Shape&#10;&#10;Description automatically generated with low confidence">
-              <a:extLst>
-                <a:ext uri="{FF2B5EF4-FFF2-40B4-BE49-F238E27FC236}">
-                  <a16:creationId xmlns:a16="http://schemas.microsoft.com/office/drawing/2014/main" id="{B50236A4-A69E-6347-B260-F872041AB7A7}"/>
-                </a:ext>
-              </a:extLst>
-            </p:cNvPr>
-            <p:cNvPicPr>
-              <a:picLocks noChangeAspect="1"/>
-            </p:cNvPicPr>
-            <p:nvPr/>
-          </p:nvPicPr>
-          <p:blipFill>
-            <a:blip r:embed="rId19"/>
-            <a:stretch>
-              <a:fillRect/>
-            </a:stretch>
-          </p:blipFill>
-          <p:spPr>
-            <a:xfrm>
-              <a:off x="8982860" y="1637011"/>
-              <a:ext cx="246461" cy="246461"/>
-            </a:xfrm>
-            <a:prstGeom prst="rect">
-              <a:avLst/>
-            </a:prstGeom>
-            <a:solidFill>
-              <a:schemeClr val="bg1"/>
-            </a:solidFill>
-          </p:spPr>
-        </p:pic>
-        <p:sp>
-          <p:nvSpPr>
-            <p:cNvPr id="282" name="TextBox 281">
-              <a:extLst>
-                <a:ext uri="{FF2B5EF4-FFF2-40B4-BE49-F238E27FC236}">
-                  <a16:creationId xmlns:a16="http://schemas.microsoft.com/office/drawing/2014/main" id="{A9E5ACF7-DC25-D842-95FB-4264624B2510}"/>
-                </a:ext>
-              </a:extLst>
-            </p:cNvPr>
-            <p:cNvSpPr txBox="1"/>
-            <p:nvPr/>
-          </p:nvSpPr>
-          <p:spPr>
-            <a:xfrm>
-              <a:off x="8873750" y="1420884"/>
-              <a:ext cx="462319" cy="253916"/>
-            </a:xfrm>
-            <a:prstGeom prst="rect">
-              <a:avLst/>
-            </a:prstGeom>
-            <a:noFill/>
-          </p:spPr>
-          <p:txBody>
-            <a:bodyPr wrap="square" rtlCol="0">
-              <a:spAutoFit/>
-            </a:bodyPr>
-            <a:lstStyle/>
-            <a:p>
-              <a:pPr algn="ctr"/>
-              <a:r>
-                <a:rPr lang="en-US" sz="1050" b="1" dirty="0"/>
-                <a:t>24H</a:t>
-              </a:r>
-            </a:p>
-          </p:txBody>
-        </p:sp>
-        <p:sp>
-          <p:nvSpPr>
-            <p:cNvPr id="290" name="TextBox 289">
-              <a:extLst>
-                <a:ext uri="{FF2B5EF4-FFF2-40B4-BE49-F238E27FC236}">
-                  <a16:creationId xmlns:a16="http://schemas.microsoft.com/office/drawing/2014/main" id="{A57DDE6D-823B-5341-A8F0-C949B9E154B2}"/>
-                </a:ext>
-              </a:extLst>
-            </p:cNvPr>
-            <p:cNvSpPr txBox="1"/>
-            <p:nvPr/>
-          </p:nvSpPr>
-          <p:spPr>
-            <a:xfrm>
-              <a:off x="9946417" y="2650617"/>
-              <a:ext cx="1150525" cy="307777"/>
-            </a:xfrm>
-            <a:prstGeom prst="rect">
-              <a:avLst/>
-            </a:prstGeom>
-            <a:noFill/>
-          </p:spPr>
-          <p:txBody>
-            <a:bodyPr wrap="square" rtlCol="0">
-              <a:spAutoFit/>
-            </a:bodyPr>
-            <a:lstStyle/>
-            <a:p>
-              <a:pPr algn="ctr"/>
-              <a:r>
-                <a:rPr lang="en-US" sz="1400" b="1" dirty="0">
-                  <a:solidFill>
-                    <a:srgbClr val="FF0000"/>
-                  </a:solidFill>
-                </a:rPr>
-                <a:t>app.py</a:t>
-              </a:r>
-            </a:p>
-          </p:txBody>
-        </p:sp>
-        <p:sp>
-          <p:nvSpPr>
-            <p:cNvPr id="291" name="Rounded Rectangle 290">
-              <a:extLst>
-                <a:ext uri="{FF2B5EF4-FFF2-40B4-BE49-F238E27FC236}">
-                  <a16:creationId xmlns:a16="http://schemas.microsoft.com/office/drawing/2014/main" id="{2EAEF4F9-0F9B-2644-8916-B87E34805E69}"/>
-                </a:ext>
-              </a:extLst>
-            </p:cNvPr>
-            <p:cNvSpPr/>
-            <p:nvPr/>
-          </p:nvSpPr>
-          <p:spPr>
-            <a:xfrm>
-              <a:off x="9725581" y="2552184"/>
-              <a:ext cx="1569775" cy="527234"/>
-            </a:xfrm>
-            <a:prstGeom prst="roundRect">
-              <a:avLst/>
-            </a:prstGeom>
-            <a:noFill/>
-            <a:ln w="28575">
-              <a:solidFill>
-                <a:schemeClr val="tx1"/>
-              </a:solidFill>
-              <a:prstDash val="dash"/>
-            </a:ln>
-          </p:spPr>
-          <p:style>
-            <a:lnRef idx="2">
-              <a:schemeClr val="accent1">
-                <a:shade val="50000"/>
-              </a:schemeClr>
-            </a:lnRef>
-            <a:fillRef idx="1">
-              <a:schemeClr val="accent1"/>
-            </a:fillRef>
-            <a:effectRef idx="0">
-              <a:schemeClr val="accent1"/>
-            </a:effectRef>
-            <a:fontRef idx="minor">
-              <a:schemeClr val="lt1"/>
-            </a:fontRef>
-          </p:style>
-          <p:txBody>
-            <a:bodyPr rtlCol="0" anchor="ctr"/>
-            <a:lstStyle/>
-            <a:p>
-              <a:pPr algn="ctr"/>
-              <a:endParaRPr lang="en-US"/>
-            </a:p>
-          </p:txBody>
-        </p:sp>
-        <p:cxnSp>
-          <p:nvCxnSpPr>
-            <p:cNvPr id="296" name="Straight Arrow Connector 295">
-              <a:extLst>
-                <a:ext uri="{FF2B5EF4-FFF2-40B4-BE49-F238E27FC236}">
-                  <a16:creationId xmlns:a16="http://schemas.microsoft.com/office/drawing/2014/main" id="{FC380A84-3B59-A04D-BB46-64DDEEAD140D}"/>
-                </a:ext>
-              </a:extLst>
-            </p:cNvPr>
-            <p:cNvCxnSpPr>
-              <a:cxnSpLocks/>
-              <a:stCxn id="1035" idx="0"/>
-              <a:endCxn id="269" idx="2"/>
-            </p:cNvCxnSpPr>
-            <p:nvPr/>
-          </p:nvCxnSpPr>
-          <p:spPr>
-            <a:xfrm flipV="1">
-              <a:off x="10493710" y="3276783"/>
-              <a:ext cx="2" cy="519807"/>
-            </a:xfrm>
-            <a:prstGeom prst="straightConnector1">
-              <a:avLst/>
-            </a:prstGeom>
-            <a:ln w="28575">
-              <a:solidFill>
-                <a:schemeClr val="tx1"/>
-              </a:solidFill>
-              <a:prstDash val="sysDash"/>
-              <a:headEnd type="triangle" w="med" len="med"/>
-              <a:tailEnd type="none" w="med" len="med"/>
-            </a:ln>
-          </p:spPr>
-          <p:style>
-            <a:lnRef idx="1">
-              <a:schemeClr val="accent1"/>
-            </a:lnRef>
-            <a:fillRef idx="0">
-              <a:schemeClr val="accent1"/>
-            </a:fillRef>
-            <a:effectRef idx="0">
-              <a:schemeClr val="accent1"/>
-            </a:effectRef>
-            <a:fontRef idx="minor">
-              <a:schemeClr val="tx1"/>
-            </a:fontRef>
-          </p:style>
-        </p:cxnSp>
-        <p:sp>
-          <p:nvSpPr>
-            <p:cNvPr id="300" name="Rounded Rectangle 299">
-              <a:extLst>
-                <a:ext uri="{FF2B5EF4-FFF2-40B4-BE49-F238E27FC236}">
-                  <a16:creationId xmlns:a16="http://schemas.microsoft.com/office/drawing/2014/main" id="{210840C8-4686-2443-8DEB-A10DD692A239}"/>
-                </a:ext>
-              </a:extLst>
-            </p:cNvPr>
-            <p:cNvSpPr/>
-            <p:nvPr/>
-          </p:nvSpPr>
-          <p:spPr>
-            <a:xfrm>
-              <a:off x="9720033" y="4573784"/>
-              <a:ext cx="1569775" cy="307778"/>
-            </a:xfrm>
-            <a:prstGeom prst="roundRect">
-              <a:avLst/>
-            </a:prstGeom>
-            <a:noFill/>
-            <a:ln w="28575">
-              <a:solidFill>
-                <a:schemeClr val="tx1"/>
-              </a:solidFill>
-              <a:prstDash val="dash"/>
-            </a:ln>
-          </p:spPr>
-          <p:style>
-            <a:lnRef idx="2">
-              <a:schemeClr val="accent1">
-                <a:shade val="50000"/>
-              </a:schemeClr>
-            </a:lnRef>
-            <a:fillRef idx="1">
-              <a:schemeClr val="accent1"/>
-            </a:fillRef>
-            <a:effectRef idx="0">
-              <a:schemeClr val="accent1"/>
-            </a:effectRef>
-            <a:fontRef idx="minor">
-              <a:schemeClr val="lt1"/>
-            </a:fontRef>
-          </p:style>
-          <p:txBody>
-            <a:bodyPr rtlCol="0" anchor="ctr"/>
-            <a:lstStyle/>
-            <a:p>
-              <a:pPr algn="ctr"/>
-              <a:endParaRPr lang="en-US"/>
-            </a:p>
-          </p:txBody>
-        </p:sp>
-        <p:sp>
-          <p:nvSpPr>
-            <p:cNvPr id="301" name="TextBox 300">
-              <a:extLst>
-                <a:ext uri="{FF2B5EF4-FFF2-40B4-BE49-F238E27FC236}">
-                  <a16:creationId xmlns:a16="http://schemas.microsoft.com/office/drawing/2014/main" id="{FBD307CA-7549-F14B-A21E-337A0F94ED5E}"/>
-                </a:ext>
-              </a:extLst>
-            </p:cNvPr>
-            <p:cNvSpPr txBox="1"/>
-            <p:nvPr/>
-          </p:nvSpPr>
-          <p:spPr>
-            <a:xfrm>
-              <a:off x="9701218" y="4595874"/>
-              <a:ext cx="1607403" cy="276999"/>
-            </a:xfrm>
-            <a:prstGeom prst="rect">
-              <a:avLst/>
-            </a:prstGeom>
-            <a:noFill/>
-          </p:spPr>
-          <p:txBody>
-            <a:bodyPr wrap="square" rtlCol="0">
-              <a:spAutoFit/>
-            </a:bodyPr>
-            <a:lstStyle/>
-            <a:p>
-              <a:pPr algn="ctr"/>
-              <a:r>
-                <a:rPr lang="en-US" sz="1200" b="1" i="1" dirty="0"/>
-                <a:t>app hosting</a:t>
-              </a:r>
-            </a:p>
-          </p:txBody>
-        </p:sp>
-        <p:cxnSp>
-          <p:nvCxnSpPr>
-            <p:cNvPr id="302" name="Straight Arrow Connector 301">
-              <a:extLst>
-                <a:ext uri="{FF2B5EF4-FFF2-40B4-BE49-F238E27FC236}">
-                  <a16:creationId xmlns:a16="http://schemas.microsoft.com/office/drawing/2014/main" id="{E5411B8E-74E5-6D40-B1CD-BC6DB402F8F0}"/>
-                </a:ext>
-              </a:extLst>
-            </p:cNvPr>
-            <p:cNvCxnSpPr>
-              <a:cxnSpLocks/>
-            </p:cNvCxnSpPr>
-            <p:nvPr/>
-          </p:nvCxnSpPr>
-          <p:spPr>
-            <a:xfrm flipH="1" flipV="1">
-              <a:off x="9002640" y="4734373"/>
-              <a:ext cx="666679" cy="1"/>
-            </a:xfrm>
-            <a:prstGeom prst="straightConnector1">
-              <a:avLst/>
-            </a:prstGeom>
-            <a:ln w="28575">
-              <a:solidFill>
-                <a:schemeClr val="tx1"/>
-              </a:solidFill>
-              <a:prstDash val="sysDash"/>
-              <a:headEnd type="arrow" w="med" len="med"/>
-              <a:tailEnd type="arrow" w="med" len="med"/>
-            </a:ln>
-          </p:spPr>
-          <p:style>
-            <a:lnRef idx="1">
-              <a:schemeClr val="accent1"/>
-            </a:lnRef>
-            <a:fillRef idx="0">
-              <a:schemeClr val="accent1"/>
-            </a:fillRef>
-            <a:effectRef idx="0">
-              <a:schemeClr val="accent1"/>
-            </a:effectRef>
-            <a:fontRef idx="minor">
-              <a:schemeClr val="tx1"/>
-            </a:fontRef>
-          </p:style>
-        </p:cxnSp>
-        <p:sp>
-          <p:nvSpPr>
-            <p:cNvPr id="303" name="TextBox 302">
-              <a:extLst>
-                <a:ext uri="{FF2B5EF4-FFF2-40B4-BE49-F238E27FC236}">
-                  <a16:creationId xmlns:a16="http://schemas.microsoft.com/office/drawing/2014/main" id="{D2E11049-C69A-AD4F-AFB8-E226CC808750}"/>
-                </a:ext>
-              </a:extLst>
-            </p:cNvPr>
-            <p:cNvSpPr txBox="1"/>
-            <p:nvPr/>
-          </p:nvSpPr>
-          <p:spPr>
-            <a:xfrm>
-              <a:off x="7837611" y="3782111"/>
-              <a:ext cx="1607404" cy="307777"/>
-            </a:xfrm>
-            <a:prstGeom prst="rect">
-              <a:avLst/>
-            </a:prstGeom>
-            <a:solidFill>
-              <a:schemeClr val="bg1"/>
-            </a:solidFill>
-          </p:spPr>
-          <p:txBody>
-            <a:bodyPr wrap="square" rtlCol="0">
-              <a:spAutoFit/>
-            </a:bodyPr>
-            <a:lstStyle/>
-            <a:p>
-              <a:pPr algn="ctr"/>
-              <a:r>
-                <a:rPr lang="en-US" sz="1400" b="1" dirty="0">
-                  <a:solidFill>
-                    <a:srgbClr val="FF0000"/>
-                  </a:solidFill>
-                </a:rPr>
-                <a:t>www.covidatx.net</a:t>
-              </a:r>
-            </a:p>
-          </p:txBody>
-        </p:sp>
-        <p:cxnSp>
-          <p:nvCxnSpPr>
-            <p:cNvPr id="307" name="Straight Arrow Connector 306">
-              <a:extLst>
-                <a:ext uri="{FF2B5EF4-FFF2-40B4-BE49-F238E27FC236}">
-                  <a16:creationId xmlns:a16="http://schemas.microsoft.com/office/drawing/2014/main" id="{D7E7B511-4721-7E45-95F3-94BF72F5541F}"/>
-                </a:ext>
-              </a:extLst>
-            </p:cNvPr>
-            <p:cNvCxnSpPr>
-              <a:cxnSpLocks/>
-              <a:stCxn id="90" idx="2"/>
-              <a:endCxn id="1052" idx="0"/>
-            </p:cNvCxnSpPr>
-            <p:nvPr/>
-          </p:nvCxnSpPr>
-          <p:spPr>
-            <a:xfrm>
-              <a:off x="9758013" y="5285601"/>
-              <a:ext cx="4502" cy="487666"/>
-            </a:xfrm>
-            <a:prstGeom prst="straightConnector1">
-              <a:avLst/>
-            </a:prstGeom>
-            <a:ln w="28575">
-              <a:solidFill>
-                <a:schemeClr val="tx1"/>
-              </a:solidFill>
-              <a:prstDash val="sysDash"/>
-              <a:headEnd type="triangle" w="med" len="med"/>
-              <a:tailEnd type="none" w="med" len="med"/>
-            </a:ln>
-          </p:spPr>
-          <p:style>
-            <a:lnRef idx="1">
-              <a:schemeClr val="accent1"/>
-            </a:lnRef>
-            <a:fillRef idx="0">
-              <a:schemeClr val="accent1"/>
-            </a:fillRef>
-            <a:effectRef idx="0">
-              <a:schemeClr val="accent1"/>
-            </a:effectRef>
-            <a:fontRef idx="minor">
-              <a:schemeClr val="tx1"/>
-            </a:fontRef>
-          </p:style>
-        </p:cxnSp>
       </p:grpSp>
     </p:spTree>
     <p:extLst>
